--- a/assets/Metadata_System_Architecture_PowerPoint/Metadata_System_Architecture.pptx
+++ b/assets/Metadata_System_Architecture_PowerPoint/Metadata_System_Architecture.pptx
@@ -140,6 +140,2196 @@
 <file path=ppt/changesInfos/changesInfo1.xml><?xml version="1.0" encoding="utf-8"?>
 <pc:chgInfo xmlns:a="http://schemas.openxmlformats.org/drawingml/2006/main" xmlns:r="http://schemas.openxmlformats.org/officeDocument/2006/relationships" xmlns:ac="http://schemas.microsoft.com/office/drawing/2013/main/command" xmlns:pc="http://schemas.microsoft.com/office/powerpoint/2013/main/command">
   <pc:docChgLst>
+    <pc:chgData name="Massey, Blake H" userId="1216071c-74eb-431e-bcbb-1fe11e6acb14" providerId="ADAL" clId="{0DEF61E0-9B94-4F73-BF49-E1F6036FE9B2}"/>
+    <pc:docChg chg="undo redo custSel addSld modSld">
+      <pc:chgData name="Massey, Blake H" userId="1216071c-74eb-431e-bcbb-1fe11e6acb14" providerId="ADAL" clId="{0DEF61E0-9B94-4F73-BF49-E1F6036FE9B2}" dt="2024-03-29T22:15:03.977" v="1446" actId="1076"/>
+      <pc:docMkLst>
+        <pc:docMk/>
+      </pc:docMkLst>
+      <pc:sldChg chg="modSp mod">
+        <pc:chgData name="Massey, Blake H" userId="1216071c-74eb-431e-bcbb-1fe11e6acb14" providerId="ADAL" clId="{0DEF61E0-9B94-4F73-BF49-E1F6036FE9B2}" dt="2024-03-29T20:14:31.371" v="0" actId="14100"/>
+        <pc:sldMkLst>
+          <pc:docMk/>
+          <pc:sldMk cId="3470814038" sldId="257"/>
+        </pc:sldMkLst>
+        <pc:spChg chg="mod">
+          <ac:chgData name="Massey, Blake H" userId="1216071c-74eb-431e-bcbb-1fe11e6acb14" providerId="ADAL" clId="{0DEF61E0-9B94-4F73-BF49-E1F6036FE9B2}" dt="2024-03-29T20:14:31.371" v="0" actId="14100"/>
+          <ac:spMkLst>
+            <pc:docMk/>
+            <pc:sldMk cId="3470814038" sldId="257"/>
+            <ac:spMk id="2" creationId="{C6D7EDB4-FD3B-3F21-C1E5-4E7C1CAD358F}"/>
+          </ac:spMkLst>
+        </pc:spChg>
+        <pc:spChg chg="mod">
+          <ac:chgData name="Massey, Blake H" userId="1216071c-74eb-431e-bcbb-1fe11e6acb14" providerId="ADAL" clId="{0DEF61E0-9B94-4F73-BF49-E1F6036FE9B2}" dt="2024-03-29T20:14:31.371" v="0" actId="14100"/>
+          <ac:spMkLst>
+            <pc:docMk/>
+            <pc:sldMk cId="3470814038" sldId="257"/>
+            <ac:spMk id="5" creationId="{9C784F2B-BD30-B7CF-FD14-098812CE82B1}"/>
+          </ac:spMkLst>
+        </pc:spChg>
+        <pc:spChg chg="mod">
+          <ac:chgData name="Massey, Blake H" userId="1216071c-74eb-431e-bcbb-1fe11e6acb14" providerId="ADAL" clId="{0DEF61E0-9B94-4F73-BF49-E1F6036FE9B2}" dt="2024-03-29T20:14:31.371" v="0" actId="14100"/>
+          <ac:spMkLst>
+            <pc:docMk/>
+            <pc:sldMk cId="3470814038" sldId="257"/>
+            <ac:spMk id="6" creationId="{C0ED4C0B-29A1-FEBD-C7B3-A27EAD704DBB}"/>
+          </ac:spMkLst>
+        </pc:spChg>
+        <pc:spChg chg="mod">
+          <ac:chgData name="Massey, Blake H" userId="1216071c-74eb-431e-bcbb-1fe11e6acb14" providerId="ADAL" clId="{0DEF61E0-9B94-4F73-BF49-E1F6036FE9B2}" dt="2024-03-29T20:14:31.371" v="0" actId="14100"/>
+          <ac:spMkLst>
+            <pc:docMk/>
+            <pc:sldMk cId="3470814038" sldId="257"/>
+            <ac:spMk id="7" creationId="{158518F8-6554-DA3F-DA70-892F60A9FDEF}"/>
+          </ac:spMkLst>
+        </pc:spChg>
+        <pc:spChg chg="mod">
+          <ac:chgData name="Massey, Blake H" userId="1216071c-74eb-431e-bcbb-1fe11e6acb14" providerId="ADAL" clId="{0DEF61E0-9B94-4F73-BF49-E1F6036FE9B2}" dt="2024-03-29T20:14:31.371" v="0" actId="14100"/>
+          <ac:spMkLst>
+            <pc:docMk/>
+            <pc:sldMk cId="3470814038" sldId="257"/>
+            <ac:spMk id="8" creationId="{D78234E5-DBCC-C80C-6C75-758B044206BE}"/>
+          </ac:spMkLst>
+        </pc:spChg>
+        <pc:spChg chg="mod">
+          <ac:chgData name="Massey, Blake H" userId="1216071c-74eb-431e-bcbb-1fe11e6acb14" providerId="ADAL" clId="{0DEF61E0-9B94-4F73-BF49-E1F6036FE9B2}" dt="2024-03-29T20:14:31.371" v="0" actId="14100"/>
+          <ac:spMkLst>
+            <pc:docMk/>
+            <pc:sldMk cId="3470814038" sldId="257"/>
+            <ac:spMk id="9" creationId="{CA81148F-B85C-8ECF-C9FB-83B25E18184B}"/>
+          </ac:spMkLst>
+        </pc:spChg>
+        <pc:spChg chg="mod">
+          <ac:chgData name="Massey, Blake H" userId="1216071c-74eb-431e-bcbb-1fe11e6acb14" providerId="ADAL" clId="{0DEF61E0-9B94-4F73-BF49-E1F6036FE9B2}" dt="2024-03-29T20:14:31.371" v="0" actId="14100"/>
+          <ac:spMkLst>
+            <pc:docMk/>
+            <pc:sldMk cId="3470814038" sldId="257"/>
+            <ac:spMk id="10" creationId="{96F2D7BC-23E3-0FEA-6A3F-B5FC7F8A566E}"/>
+          </ac:spMkLst>
+        </pc:spChg>
+        <pc:spChg chg="mod">
+          <ac:chgData name="Massey, Blake H" userId="1216071c-74eb-431e-bcbb-1fe11e6acb14" providerId="ADAL" clId="{0DEF61E0-9B94-4F73-BF49-E1F6036FE9B2}" dt="2024-03-29T20:14:31.371" v="0" actId="14100"/>
+          <ac:spMkLst>
+            <pc:docMk/>
+            <pc:sldMk cId="3470814038" sldId="257"/>
+            <ac:spMk id="11" creationId="{A9F513F6-0E22-486E-55ED-5DBFAB1BD5B7}"/>
+          </ac:spMkLst>
+        </pc:spChg>
+        <pc:spChg chg="mod">
+          <ac:chgData name="Massey, Blake H" userId="1216071c-74eb-431e-bcbb-1fe11e6acb14" providerId="ADAL" clId="{0DEF61E0-9B94-4F73-BF49-E1F6036FE9B2}" dt="2024-03-29T20:14:31.371" v="0" actId="14100"/>
+          <ac:spMkLst>
+            <pc:docMk/>
+            <pc:sldMk cId="3470814038" sldId="257"/>
+            <ac:spMk id="12" creationId="{7345C7FD-DE64-B7D8-19DA-F0F64EDB72EC}"/>
+          </ac:spMkLst>
+        </pc:spChg>
+        <pc:spChg chg="mod">
+          <ac:chgData name="Massey, Blake H" userId="1216071c-74eb-431e-bcbb-1fe11e6acb14" providerId="ADAL" clId="{0DEF61E0-9B94-4F73-BF49-E1F6036FE9B2}" dt="2024-03-29T20:14:31.371" v="0" actId="14100"/>
+          <ac:spMkLst>
+            <pc:docMk/>
+            <pc:sldMk cId="3470814038" sldId="257"/>
+            <ac:spMk id="14" creationId="{B2B3B874-005B-DD6C-B55B-D7CF6EF149A4}"/>
+          </ac:spMkLst>
+        </pc:spChg>
+        <pc:spChg chg="mod">
+          <ac:chgData name="Massey, Blake H" userId="1216071c-74eb-431e-bcbb-1fe11e6acb14" providerId="ADAL" clId="{0DEF61E0-9B94-4F73-BF49-E1F6036FE9B2}" dt="2024-03-29T20:14:31.371" v="0" actId="14100"/>
+          <ac:spMkLst>
+            <pc:docMk/>
+            <pc:sldMk cId="3470814038" sldId="257"/>
+            <ac:spMk id="15" creationId="{536CCEF9-2FEF-B8C1-1FBA-82D5F4801B80}"/>
+          </ac:spMkLst>
+        </pc:spChg>
+        <pc:spChg chg="mod">
+          <ac:chgData name="Massey, Blake H" userId="1216071c-74eb-431e-bcbb-1fe11e6acb14" providerId="ADAL" clId="{0DEF61E0-9B94-4F73-BF49-E1F6036FE9B2}" dt="2024-03-29T20:14:31.371" v="0" actId="14100"/>
+          <ac:spMkLst>
+            <pc:docMk/>
+            <pc:sldMk cId="3470814038" sldId="257"/>
+            <ac:spMk id="19" creationId="{9E8D9B5A-1FDA-32FE-B440-5A8D96DB3C8C}"/>
+          </ac:spMkLst>
+        </pc:spChg>
+        <pc:spChg chg="mod">
+          <ac:chgData name="Massey, Blake H" userId="1216071c-74eb-431e-bcbb-1fe11e6acb14" providerId="ADAL" clId="{0DEF61E0-9B94-4F73-BF49-E1F6036FE9B2}" dt="2024-03-29T20:14:31.371" v="0" actId="14100"/>
+          <ac:spMkLst>
+            <pc:docMk/>
+            <pc:sldMk cId="3470814038" sldId="257"/>
+            <ac:spMk id="20" creationId="{A042BE74-B314-9947-D83F-A21EA3E2F1D2}"/>
+          </ac:spMkLst>
+        </pc:spChg>
+        <pc:spChg chg="mod">
+          <ac:chgData name="Massey, Blake H" userId="1216071c-74eb-431e-bcbb-1fe11e6acb14" providerId="ADAL" clId="{0DEF61E0-9B94-4F73-BF49-E1F6036FE9B2}" dt="2024-03-29T20:14:31.371" v="0" actId="14100"/>
+          <ac:spMkLst>
+            <pc:docMk/>
+            <pc:sldMk cId="3470814038" sldId="257"/>
+            <ac:spMk id="22" creationId="{0194F109-1239-8F25-9C57-81D816AB803E}"/>
+          </ac:spMkLst>
+        </pc:spChg>
+        <pc:spChg chg="mod">
+          <ac:chgData name="Massey, Blake H" userId="1216071c-74eb-431e-bcbb-1fe11e6acb14" providerId="ADAL" clId="{0DEF61E0-9B94-4F73-BF49-E1F6036FE9B2}" dt="2024-03-29T20:14:31.371" v="0" actId="14100"/>
+          <ac:spMkLst>
+            <pc:docMk/>
+            <pc:sldMk cId="3470814038" sldId="257"/>
+            <ac:spMk id="30" creationId="{2F5831CF-A934-61AF-2C90-1671582D4EED}"/>
+          </ac:spMkLst>
+        </pc:spChg>
+        <pc:spChg chg="mod">
+          <ac:chgData name="Massey, Blake H" userId="1216071c-74eb-431e-bcbb-1fe11e6acb14" providerId="ADAL" clId="{0DEF61E0-9B94-4F73-BF49-E1F6036FE9B2}" dt="2024-03-29T20:14:31.371" v="0" actId="14100"/>
+          <ac:spMkLst>
+            <pc:docMk/>
+            <pc:sldMk cId="3470814038" sldId="257"/>
+            <ac:spMk id="31" creationId="{360D0355-1AFA-65A8-6AE7-03959C98E877}"/>
+          </ac:spMkLst>
+        </pc:spChg>
+        <pc:spChg chg="mod">
+          <ac:chgData name="Massey, Blake H" userId="1216071c-74eb-431e-bcbb-1fe11e6acb14" providerId="ADAL" clId="{0DEF61E0-9B94-4F73-BF49-E1F6036FE9B2}" dt="2024-03-29T20:14:31.371" v="0" actId="14100"/>
+          <ac:spMkLst>
+            <pc:docMk/>
+            <pc:sldMk cId="3470814038" sldId="257"/>
+            <ac:spMk id="34" creationId="{5CCF5D9D-B421-F7BC-9B06-59D11E3814A9}"/>
+          </ac:spMkLst>
+        </pc:spChg>
+        <pc:spChg chg="mod">
+          <ac:chgData name="Massey, Blake H" userId="1216071c-74eb-431e-bcbb-1fe11e6acb14" providerId="ADAL" clId="{0DEF61E0-9B94-4F73-BF49-E1F6036FE9B2}" dt="2024-03-29T20:14:31.371" v="0" actId="14100"/>
+          <ac:spMkLst>
+            <pc:docMk/>
+            <pc:sldMk cId="3470814038" sldId="257"/>
+            <ac:spMk id="35" creationId="{735AA4E5-285C-8234-2C4A-31D0880265D4}"/>
+          </ac:spMkLst>
+        </pc:spChg>
+        <pc:spChg chg="mod">
+          <ac:chgData name="Massey, Blake H" userId="1216071c-74eb-431e-bcbb-1fe11e6acb14" providerId="ADAL" clId="{0DEF61E0-9B94-4F73-BF49-E1F6036FE9B2}" dt="2024-03-29T20:14:31.371" v="0" actId="14100"/>
+          <ac:spMkLst>
+            <pc:docMk/>
+            <pc:sldMk cId="3470814038" sldId="257"/>
+            <ac:spMk id="36" creationId="{03F0A668-45A1-B389-1247-015A5CE1A589}"/>
+          </ac:spMkLst>
+        </pc:spChg>
+        <pc:spChg chg="mod">
+          <ac:chgData name="Massey, Blake H" userId="1216071c-74eb-431e-bcbb-1fe11e6acb14" providerId="ADAL" clId="{0DEF61E0-9B94-4F73-BF49-E1F6036FE9B2}" dt="2024-03-29T20:14:31.371" v="0" actId="14100"/>
+          <ac:spMkLst>
+            <pc:docMk/>
+            <pc:sldMk cId="3470814038" sldId="257"/>
+            <ac:spMk id="37" creationId="{A8E7AFD9-CBB1-EF31-F3C0-0BF1A22593C5}"/>
+          </ac:spMkLst>
+        </pc:spChg>
+        <pc:spChg chg="mod">
+          <ac:chgData name="Massey, Blake H" userId="1216071c-74eb-431e-bcbb-1fe11e6acb14" providerId="ADAL" clId="{0DEF61E0-9B94-4F73-BF49-E1F6036FE9B2}" dt="2024-03-29T20:14:31.371" v="0" actId="14100"/>
+          <ac:spMkLst>
+            <pc:docMk/>
+            <pc:sldMk cId="3470814038" sldId="257"/>
+            <ac:spMk id="43" creationId="{AE4D0B4E-D804-DF50-C155-930F465ACADD}"/>
+          </ac:spMkLst>
+        </pc:spChg>
+        <pc:spChg chg="mod">
+          <ac:chgData name="Massey, Blake H" userId="1216071c-74eb-431e-bcbb-1fe11e6acb14" providerId="ADAL" clId="{0DEF61E0-9B94-4F73-BF49-E1F6036FE9B2}" dt="2024-03-29T20:14:31.371" v="0" actId="14100"/>
+          <ac:spMkLst>
+            <pc:docMk/>
+            <pc:sldMk cId="3470814038" sldId="257"/>
+            <ac:spMk id="44" creationId="{9ABB5AD6-CDF4-90F7-D031-C06CA2B78E5E}"/>
+          </ac:spMkLst>
+        </pc:spChg>
+        <pc:spChg chg="mod">
+          <ac:chgData name="Massey, Blake H" userId="1216071c-74eb-431e-bcbb-1fe11e6acb14" providerId="ADAL" clId="{0DEF61E0-9B94-4F73-BF49-E1F6036FE9B2}" dt="2024-03-29T20:14:31.371" v="0" actId="14100"/>
+          <ac:spMkLst>
+            <pc:docMk/>
+            <pc:sldMk cId="3470814038" sldId="257"/>
+            <ac:spMk id="45" creationId="{E10A65E2-CDB0-6FFA-3388-B5D519668B7C}"/>
+          </ac:spMkLst>
+        </pc:spChg>
+        <pc:spChg chg="mod">
+          <ac:chgData name="Massey, Blake H" userId="1216071c-74eb-431e-bcbb-1fe11e6acb14" providerId="ADAL" clId="{0DEF61E0-9B94-4F73-BF49-E1F6036FE9B2}" dt="2024-03-29T20:14:31.371" v="0" actId="14100"/>
+          <ac:spMkLst>
+            <pc:docMk/>
+            <pc:sldMk cId="3470814038" sldId="257"/>
+            <ac:spMk id="47" creationId="{2118B05A-7964-375B-3A12-9C00C556A5DA}"/>
+          </ac:spMkLst>
+        </pc:spChg>
+        <pc:spChg chg="mod">
+          <ac:chgData name="Massey, Blake H" userId="1216071c-74eb-431e-bcbb-1fe11e6acb14" providerId="ADAL" clId="{0DEF61E0-9B94-4F73-BF49-E1F6036FE9B2}" dt="2024-03-29T20:14:31.371" v="0" actId="14100"/>
+          <ac:spMkLst>
+            <pc:docMk/>
+            <pc:sldMk cId="3470814038" sldId="257"/>
+            <ac:spMk id="48" creationId="{C7678E9F-89CB-C1A1-69DB-EFEDAFD55EAA}"/>
+          </ac:spMkLst>
+        </pc:spChg>
+        <pc:spChg chg="mod">
+          <ac:chgData name="Massey, Blake H" userId="1216071c-74eb-431e-bcbb-1fe11e6acb14" providerId="ADAL" clId="{0DEF61E0-9B94-4F73-BF49-E1F6036FE9B2}" dt="2024-03-29T20:14:31.371" v="0" actId="14100"/>
+          <ac:spMkLst>
+            <pc:docMk/>
+            <pc:sldMk cId="3470814038" sldId="257"/>
+            <ac:spMk id="50" creationId="{BC66ABE0-6398-AD5E-510A-7674AA67220E}"/>
+          </ac:spMkLst>
+        </pc:spChg>
+        <pc:spChg chg="mod">
+          <ac:chgData name="Massey, Blake H" userId="1216071c-74eb-431e-bcbb-1fe11e6acb14" providerId="ADAL" clId="{0DEF61E0-9B94-4F73-BF49-E1F6036FE9B2}" dt="2024-03-29T20:14:31.371" v="0" actId="14100"/>
+          <ac:spMkLst>
+            <pc:docMk/>
+            <pc:sldMk cId="3470814038" sldId="257"/>
+            <ac:spMk id="55" creationId="{73A35280-927E-130D-510B-62EC7B37D744}"/>
+          </ac:spMkLst>
+        </pc:spChg>
+        <pc:spChg chg="mod">
+          <ac:chgData name="Massey, Blake H" userId="1216071c-74eb-431e-bcbb-1fe11e6acb14" providerId="ADAL" clId="{0DEF61E0-9B94-4F73-BF49-E1F6036FE9B2}" dt="2024-03-29T20:14:31.371" v="0" actId="14100"/>
+          <ac:spMkLst>
+            <pc:docMk/>
+            <pc:sldMk cId="3470814038" sldId="257"/>
+            <ac:spMk id="56" creationId="{52B040F8-D70B-EA98-9DFD-330E91A539FA}"/>
+          </ac:spMkLst>
+        </pc:spChg>
+        <pc:spChg chg="mod">
+          <ac:chgData name="Massey, Blake H" userId="1216071c-74eb-431e-bcbb-1fe11e6acb14" providerId="ADAL" clId="{0DEF61E0-9B94-4F73-BF49-E1F6036FE9B2}" dt="2024-03-29T20:14:31.371" v="0" actId="14100"/>
+          <ac:spMkLst>
+            <pc:docMk/>
+            <pc:sldMk cId="3470814038" sldId="257"/>
+            <ac:spMk id="57" creationId="{D41BE97E-798E-AB3D-A375-7E77E3258CC1}"/>
+          </ac:spMkLst>
+        </pc:spChg>
+        <pc:spChg chg="mod">
+          <ac:chgData name="Massey, Blake H" userId="1216071c-74eb-431e-bcbb-1fe11e6acb14" providerId="ADAL" clId="{0DEF61E0-9B94-4F73-BF49-E1F6036FE9B2}" dt="2024-03-29T20:14:31.371" v="0" actId="14100"/>
+          <ac:spMkLst>
+            <pc:docMk/>
+            <pc:sldMk cId="3470814038" sldId="257"/>
+            <ac:spMk id="58" creationId="{0B3771BF-54C6-F688-A42C-36C117E9D7D1}"/>
+          </ac:spMkLst>
+        </pc:spChg>
+        <pc:spChg chg="mod">
+          <ac:chgData name="Massey, Blake H" userId="1216071c-74eb-431e-bcbb-1fe11e6acb14" providerId="ADAL" clId="{0DEF61E0-9B94-4F73-BF49-E1F6036FE9B2}" dt="2024-03-29T20:14:31.371" v="0" actId="14100"/>
+          <ac:spMkLst>
+            <pc:docMk/>
+            <pc:sldMk cId="3470814038" sldId="257"/>
+            <ac:spMk id="60" creationId="{2F16BE41-977E-89C8-E289-6ECADFB502F3}"/>
+          </ac:spMkLst>
+        </pc:spChg>
+        <pc:spChg chg="mod">
+          <ac:chgData name="Massey, Blake H" userId="1216071c-74eb-431e-bcbb-1fe11e6acb14" providerId="ADAL" clId="{0DEF61E0-9B94-4F73-BF49-E1F6036FE9B2}" dt="2024-03-29T20:14:31.371" v="0" actId="14100"/>
+          <ac:spMkLst>
+            <pc:docMk/>
+            <pc:sldMk cId="3470814038" sldId="257"/>
+            <ac:spMk id="61" creationId="{F8339712-6E32-8D42-5948-54FC8BCC877E}"/>
+          </ac:spMkLst>
+        </pc:spChg>
+        <pc:spChg chg="mod">
+          <ac:chgData name="Massey, Blake H" userId="1216071c-74eb-431e-bcbb-1fe11e6acb14" providerId="ADAL" clId="{0DEF61E0-9B94-4F73-BF49-E1F6036FE9B2}" dt="2024-03-29T20:14:31.371" v="0" actId="14100"/>
+          <ac:spMkLst>
+            <pc:docMk/>
+            <pc:sldMk cId="3470814038" sldId="257"/>
+            <ac:spMk id="62" creationId="{40B3F6D7-0C7D-D56D-0BF6-260E2058C78E}"/>
+          </ac:spMkLst>
+        </pc:spChg>
+        <pc:spChg chg="mod">
+          <ac:chgData name="Massey, Blake H" userId="1216071c-74eb-431e-bcbb-1fe11e6acb14" providerId="ADAL" clId="{0DEF61E0-9B94-4F73-BF49-E1F6036FE9B2}" dt="2024-03-29T20:14:31.371" v="0" actId="14100"/>
+          <ac:spMkLst>
+            <pc:docMk/>
+            <pc:sldMk cId="3470814038" sldId="257"/>
+            <ac:spMk id="65" creationId="{3148E915-B421-5ECB-94B6-547281E333DC}"/>
+          </ac:spMkLst>
+        </pc:spChg>
+        <pc:spChg chg="mod">
+          <ac:chgData name="Massey, Blake H" userId="1216071c-74eb-431e-bcbb-1fe11e6acb14" providerId="ADAL" clId="{0DEF61E0-9B94-4F73-BF49-E1F6036FE9B2}" dt="2024-03-29T20:14:31.371" v="0" actId="14100"/>
+          <ac:spMkLst>
+            <pc:docMk/>
+            <pc:sldMk cId="3470814038" sldId="257"/>
+            <ac:spMk id="68" creationId="{F36273C8-0697-6513-67CB-4A6B28C69B84}"/>
+          </ac:spMkLst>
+        </pc:spChg>
+        <pc:spChg chg="mod">
+          <ac:chgData name="Massey, Blake H" userId="1216071c-74eb-431e-bcbb-1fe11e6acb14" providerId="ADAL" clId="{0DEF61E0-9B94-4F73-BF49-E1F6036FE9B2}" dt="2024-03-29T20:14:31.371" v="0" actId="14100"/>
+          <ac:spMkLst>
+            <pc:docMk/>
+            <pc:sldMk cId="3470814038" sldId="257"/>
+            <ac:spMk id="69" creationId="{29F62814-CFC8-39D0-B9F0-57EE71C7ACFF}"/>
+          </ac:spMkLst>
+        </pc:spChg>
+        <pc:spChg chg="mod">
+          <ac:chgData name="Massey, Blake H" userId="1216071c-74eb-431e-bcbb-1fe11e6acb14" providerId="ADAL" clId="{0DEF61E0-9B94-4F73-BF49-E1F6036FE9B2}" dt="2024-03-29T20:14:31.371" v="0" actId="14100"/>
+          <ac:spMkLst>
+            <pc:docMk/>
+            <pc:sldMk cId="3470814038" sldId="257"/>
+            <ac:spMk id="73" creationId="{0940A01A-48C3-23A6-4A3E-8664FBD380DA}"/>
+          </ac:spMkLst>
+        </pc:spChg>
+        <pc:spChg chg="mod">
+          <ac:chgData name="Massey, Blake H" userId="1216071c-74eb-431e-bcbb-1fe11e6acb14" providerId="ADAL" clId="{0DEF61E0-9B94-4F73-BF49-E1F6036FE9B2}" dt="2024-03-29T20:14:31.371" v="0" actId="14100"/>
+          <ac:spMkLst>
+            <pc:docMk/>
+            <pc:sldMk cId="3470814038" sldId="257"/>
+            <ac:spMk id="87" creationId="{8E6518E3-6D44-641D-F481-9D840EBDA17D}"/>
+          </ac:spMkLst>
+        </pc:spChg>
+        <pc:spChg chg="mod">
+          <ac:chgData name="Massey, Blake H" userId="1216071c-74eb-431e-bcbb-1fe11e6acb14" providerId="ADAL" clId="{0DEF61E0-9B94-4F73-BF49-E1F6036FE9B2}" dt="2024-03-29T20:14:31.371" v="0" actId="14100"/>
+          <ac:spMkLst>
+            <pc:docMk/>
+            <pc:sldMk cId="3470814038" sldId="257"/>
+            <ac:spMk id="88" creationId="{33F46B86-7DA8-5FB3-3F32-7217833A2CE3}"/>
+          </ac:spMkLst>
+        </pc:spChg>
+        <pc:spChg chg="mod">
+          <ac:chgData name="Massey, Blake H" userId="1216071c-74eb-431e-bcbb-1fe11e6acb14" providerId="ADAL" clId="{0DEF61E0-9B94-4F73-BF49-E1F6036FE9B2}" dt="2024-03-29T20:14:31.371" v="0" actId="14100"/>
+          <ac:spMkLst>
+            <pc:docMk/>
+            <pc:sldMk cId="3470814038" sldId="257"/>
+            <ac:spMk id="90" creationId="{22E8FC40-F874-3C99-B3D5-52B8F5B21C72}"/>
+          </ac:spMkLst>
+        </pc:spChg>
+        <pc:spChg chg="mod">
+          <ac:chgData name="Massey, Blake H" userId="1216071c-74eb-431e-bcbb-1fe11e6acb14" providerId="ADAL" clId="{0DEF61E0-9B94-4F73-BF49-E1F6036FE9B2}" dt="2024-03-29T20:14:31.371" v="0" actId="14100"/>
+          <ac:spMkLst>
+            <pc:docMk/>
+            <pc:sldMk cId="3470814038" sldId="257"/>
+            <ac:spMk id="91" creationId="{68F7EE3E-CC39-16A7-0B46-19FD02153112}"/>
+          </ac:spMkLst>
+        </pc:spChg>
+        <pc:spChg chg="mod">
+          <ac:chgData name="Massey, Blake H" userId="1216071c-74eb-431e-bcbb-1fe11e6acb14" providerId="ADAL" clId="{0DEF61E0-9B94-4F73-BF49-E1F6036FE9B2}" dt="2024-03-29T20:14:31.371" v="0" actId="14100"/>
+          <ac:spMkLst>
+            <pc:docMk/>
+            <pc:sldMk cId="3470814038" sldId="257"/>
+            <ac:spMk id="92" creationId="{D3950819-0500-0A97-A6A3-CB8003029865}"/>
+          </ac:spMkLst>
+        </pc:spChg>
+        <pc:spChg chg="mod">
+          <ac:chgData name="Massey, Blake H" userId="1216071c-74eb-431e-bcbb-1fe11e6acb14" providerId="ADAL" clId="{0DEF61E0-9B94-4F73-BF49-E1F6036FE9B2}" dt="2024-03-29T20:14:31.371" v="0" actId="14100"/>
+          <ac:spMkLst>
+            <pc:docMk/>
+            <pc:sldMk cId="3470814038" sldId="257"/>
+            <ac:spMk id="95" creationId="{203F77B1-C39E-8623-2DB8-CF3F444BC83B}"/>
+          </ac:spMkLst>
+        </pc:spChg>
+        <pc:spChg chg="mod">
+          <ac:chgData name="Massey, Blake H" userId="1216071c-74eb-431e-bcbb-1fe11e6acb14" providerId="ADAL" clId="{0DEF61E0-9B94-4F73-BF49-E1F6036FE9B2}" dt="2024-03-29T20:14:31.371" v="0" actId="14100"/>
+          <ac:spMkLst>
+            <pc:docMk/>
+            <pc:sldMk cId="3470814038" sldId="257"/>
+            <ac:spMk id="96" creationId="{BBA06137-7EF6-D968-011F-FA8F950BB8BC}"/>
+          </ac:spMkLst>
+        </pc:spChg>
+        <pc:spChg chg="mod">
+          <ac:chgData name="Massey, Blake H" userId="1216071c-74eb-431e-bcbb-1fe11e6acb14" providerId="ADAL" clId="{0DEF61E0-9B94-4F73-BF49-E1F6036FE9B2}" dt="2024-03-29T20:14:31.371" v="0" actId="14100"/>
+          <ac:spMkLst>
+            <pc:docMk/>
+            <pc:sldMk cId="3470814038" sldId="257"/>
+            <ac:spMk id="97" creationId="{6F69F4FD-0E4D-F8C9-FE4B-7CF4329E7E6C}"/>
+          </ac:spMkLst>
+        </pc:spChg>
+        <pc:spChg chg="mod">
+          <ac:chgData name="Massey, Blake H" userId="1216071c-74eb-431e-bcbb-1fe11e6acb14" providerId="ADAL" clId="{0DEF61E0-9B94-4F73-BF49-E1F6036FE9B2}" dt="2024-03-29T20:14:31.371" v="0" actId="14100"/>
+          <ac:spMkLst>
+            <pc:docMk/>
+            <pc:sldMk cId="3470814038" sldId="257"/>
+            <ac:spMk id="98" creationId="{EC4D91F2-D68E-465C-B52A-8C5104B03C7A}"/>
+          </ac:spMkLst>
+        </pc:spChg>
+        <pc:spChg chg="mod">
+          <ac:chgData name="Massey, Blake H" userId="1216071c-74eb-431e-bcbb-1fe11e6acb14" providerId="ADAL" clId="{0DEF61E0-9B94-4F73-BF49-E1F6036FE9B2}" dt="2024-03-29T20:14:31.371" v="0" actId="14100"/>
+          <ac:spMkLst>
+            <pc:docMk/>
+            <pc:sldMk cId="3470814038" sldId="257"/>
+            <ac:spMk id="99" creationId="{80B836AB-3111-E8A7-0581-EA9AFE00126D}"/>
+          </ac:spMkLst>
+        </pc:spChg>
+        <pc:picChg chg="mod">
+          <ac:chgData name="Massey, Blake H" userId="1216071c-74eb-431e-bcbb-1fe11e6acb14" providerId="ADAL" clId="{0DEF61E0-9B94-4F73-BF49-E1F6036FE9B2}" dt="2024-03-29T20:14:31.371" v="0" actId="14100"/>
+          <ac:picMkLst>
+            <pc:docMk/>
+            <pc:sldMk cId="3470814038" sldId="257"/>
+            <ac:picMk id="23" creationId="{A4C0F57B-7CA2-E249-E5FE-972D04EF8F61}"/>
+          </ac:picMkLst>
+        </pc:picChg>
+        <pc:picChg chg="mod">
+          <ac:chgData name="Massey, Blake H" userId="1216071c-74eb-431e-bcbb-1fe11e6acb14" providerId="ADAL" clId="{0DEF61E0-9B94-4F73-BF49-E1F6036FE9B2}" dt="2024-03-29T20:14:31.371" v="0" actId="14100"/>
+          <ac:picMkLst>
+            <pc:docMk/>
+            <pc:sldMk cId="3470814038" sldId="257"/>
+            <ac:picMk id="24" creationId="{B67FE64A-324E-05EA-58D4-7C925332E04F}"/>
+          </ac:picMkLst>
+        </pc:picChg>
+        <pc:picChg chg="mod">
+          <ac:chgData name="Massey, Blake H" userId="1216071c-74eb-431e-bcbb-1fe11e6acb14" providerId="ADAL" clId="{0DEF61E0-9B94-4F73-BF49-E1F6036FE9B2}" dt="2024-03-29T20:14:31.371" v="0" actId="14100"/>
+          <ac:picMkLst>
+            <pc:docMk/>
+            <pc:sldMk cId="3470814038" sldId="257"/>
+            <ac:picMk id="25" creationId="{27751067-ED23-6063-B12A-517C7A8C4378}"/>
+          </ac:picMkLst>
+        </pc:picChg>
+        <pc:picChg chg="mod">
+          <ac:chgData name="Massey, Blake H" userId="1216071c-74eb-431e-bcbb-1fe11e6acb14" providerId="ADAL" clId="{0DEF61E0-9B94-4F73-BF49-E1F6036FE9B2}" dt="2024-03-29T20:14:31.371" v="0" actId="14100"/>
+          <ac:picMkLst>
+            <pc:docMk/>
+            <pc:sldMk cId="3470814038" sldId="257"/>
+            <ac:picMk id="26" creationId="{A8C40695-86F8-BF25-600B-227001E1591F}"/>
+          </ac:picMkLst>
+        </pc:picChg>
+        <pc:picChg chg="mod">
+          <ac:chgData name="Massey, Blake H" userId="1216071c-74eb-431e-bcbb-1fe11e6acb14" providerId="ADAL" clId="{0DEF61E0-9B94-4F73-BF49-E1F6036FE9B2}" dt="2024-03-29T20:14:31.371" v="0" actId="14100"/>
+          <ac:picMkLst>
+            <pc:docMk/>
+            <pc:sldMk cId="3470814038" sldId="257"/>
+            <ac:picMk id="28" creationId="{B1425988-6125-18AB-0532-3A80296CEE71}"/>
+          </ac:picMkLst>
+        </pc:picChg>
+        <pc:picChg chg="mod">
+          <ac:chgData name="Massey, Blake H" userId="1216071c-74eb-431e-bcbb-1fe11e6acb14" providerId="ADAL" clId="{0DEF61E0-9B94-4F73-BF49-E1F6036FE9B2}" dt="2024-03-29T20:14:31.371" v="0" actId="14100"/>
+          <ac:picMkLst>
+            <pc:docMk/>
+            <pc:sldMk cId="3470814038" sldId="257"/>
+            <ac:picMk id="29" creationId="{58C4F8C9-2A07-1C51-3CC1-4B29B8713EDD}"/>
+          </ac:picMkLst>
+        </pc:picChg>
+        <pc:picChg chg="mod">
+          <ac:chgData name="Massey, Blake H" userId="1216071c-74eb-431e-bcbb-1fe11e6acb14" providerId="ADAL" clId="{0DEF61E0-9B94-4F73-BF49-E1F6036FE9B2}" dt="2024-03-29T20:14:31.371" v="0" actId="14100"/>
+          <ac:picMkLst>
+            <pc:docMk/>
+            <pc:sldMk cId="3470814038" sldId="257"/>
+            <ac:picMk id="32" creationId="{C6A09734-2F7E-3F7A-35C5-BB594D1BEDF4}"/>
+          </ac:picMkLst>
+        </pc:picChg>
+        <pc:picChg chg="mod">
+          <ac:chgData name="Massey, Blake H" userId="1216071c-74eb-431e-bcbb-1fe11e6acb14" providerId="ADAL" clId="{0DEF61E0-9B94-4F73-BF49-E1F6036FE9B2}" dt="2024-03-29T20:14:31.371" v="0" actId="14100"/>
+          <ac:picMkLst>
+            <pc:docMk/>
+            <pc:sldMk cId="3470814038" sldId="257"/>
+            <ac:picMk id="38" creationId="{10F11842-5BDB-90F6-18E8-CAD6EE178E57}"/>
+          </ac:picMkLst>
+        </pc:picChg>
+        <pc:picChg chg="mod">
+          <ac:chgData name="Massey, Blake H" userId="1216071c-74eb-431e-bcbb-1fe11e6acb14" providerId="ADAL" clId="{0DEF61E0-9B94-4F73-BF49-E1F6036FE9B2}" dt="2024-03-29T20:14:31.371" v="0" actId="14100"/>
+          <ac:picMkLst>
+            <pc:docMk/>
+            <pc:sldMk cId="3470814038" sldId="257"/>
+            <ac:picMk id="39" creationId="{AB8DDE93-0810-F9B1-5493-C5E9F50817E6}"/>
+          </ac:picMkLst>
+        </pc:picChg>
+        <pc:picChg chg="mod">
+          <ac:chgData name="Massey, Blake H" userId="1216071c-74eb-431e-bcbb-1fe11e6acb14" providerId="ADAL" clId="{0DEF61E0-9B94-4F73-BF49-E1F6036FE9B2}" dt="2024-03-29T20:14:31.371" v="0" actId="14100"/>
+          <ac:picMkLst>
+            <pc:docMk/>
+            <pc:sldMk cId="3470814038" sldId="257"/>
+            <ac:picMk id="40" creationId="{5ED2A1A3-436F-D97B-E8E3-A3C9E294F032}"/>
+          </ac:picMkLst>
+        </pc:picChg>
+        <pc:picChg chg="mod">
+          <ac:chgData name="Massey, Blake H" userId="1216071c-74eb-431e-bcbb-1fe11e6acb14" providerId="ADAL" clId="{0DEF61E0-9B94-4F73-BF49-E1F6036FE9B2}" dt="2024-03-29T20:14:31.371" v="0" actId="14100"/>
+          <ac:picMkLst>
+            <pc:docMk/>
+            <pc:sldMk cId="3470814038" sldId="257"/>
+            <ac:picMk id="41" creationId="{9CEA991B-3E8B-5133-84E2-24611612587E}"/>
+          </ac:picMkLst>
+        </pc:picChg>
+        <pc:picChg chg="mod">
+          <ac:chgData name="Massey, Blake H" userId="1216071c-74eb-431e-bcbb-1fe11e6acb14" providerId="ADAL" clId="{0DEF61E0-9B94-4F73-BF49-E1F6036FE9B2}" dt="2024-03-29T20:14:31.371" v="0" actId="14100"/>
+          <ac:picMkLst>
+            <pc:docMk/>
+            <pc:sldMk cId="3470814038" sldId="257"/>
+            <ac:picMk id="49" creationId="{46A1D06F-ACEE-F836-0833-9E83CD9E4816}"/>
+          </ac:picMkLst>
+        </pc:picChg>
+        <pc:picChg chg="mod">
+          <ac:chgData name="Massey, Blake H" userId="1216071c-74eb-431e-bcbb-1fe11e6acb14" providerId="ADAL" clId="{0DEF61E0-9B94-4F73-BF49-E1F6036FE9B2}" dt="2024-03-29T20:14:31.371" v="0" actId="14100"/>
+          <ac:picMkLst>
+            <pc:docMk/>
+            <pc:sldMk cId="3470814038" sldId="257"/>
+            <ac:picMk id="51" creationId="{41EF9C00-E6FC-45B8-4759-1B655A5F15A9}"/>
+          </ac:picMkLst>
+        </pc:picChg>
+        <pc:picChg chg="mod">
+          <ac:chgData name="Massey, Blake H" userId="1216071c-74eb-431e-bcbb-1fe11e6acb14" providerId="ADAL" clId="{0DEF61E0-9B94-4F73-BF49-E1F6036FE9B2}" dt="2024-03-29T20:14:31.371" v="0" actId="14100"/>
+          <ac:picMkLst>
+            <pc:docMk/>
+            <pc:sldMk cId="3470814038" sldId="257"/>
+            <ac:picMk id="52" creationId="{21C70283-550B-5D7E-DEF9-4F5489AFC1C4}"/>
+          </ac:picMkLst>
+        </pc:picChg>
+        <pc:picChg chg="mod">
+          <ac:chgData name="Massey, Blake H" userId="1216071c-74eb-431e-bcbb-1fe11e6acb14" providerId="ADAL" clId="{0DEF61E0-9B94-4F73-BF49-E1F6036FE9B2}" dt="2024-03-29T20:14:31.371" v="0" actId="14100"/>
+          <ac:picMkLst>
+            <pc:docMk/>
+            <pc:sldMk cId="3470814038" sldId="257"/>
+            <ac:picMk id="53" creationId="{5C037FA1-07FA-55C0-E0DB-D857201A864F}"/>
+          </ac:picMkLst>
+        </pc:picChg>
+        <pc:picChg chg="mod">
+          <ac:chgData name="Massey, Blake H" userId="1216071c-74eb-431e-bcbb-1fe11e6acb14" providerId="ADAL" clId="{0DEF61E0-9B94-4F73-BF49-E1F6036FE9B2}" dt="2024-03-29T20:14:31.371" v="0" actId="14100"/>
+          <ac:picMkLst>
+            <pc:docMk/>
+            <pc:sldMk cId="3470814038" sldId="257"/>
+            <ac:picMk id="54" creationId="{21C41065-1747-47F2-2413-9E699E03769E}"/>
+          </ac:picMkLst>
+        </pc:picChg>
+        <pc:picChg chg="mod">
+          <ac:chgData name="Massey, Blake H" userId="1216071c-74eb-431e-bcbb-1fe11e6acb14" providerId="ADAL" clId="{0DEF61E0-9B94-4F73-BF49-E1F6036FE9B2}" dt="2024-03-29T20:14:31.371" v="0" actId="14100"/>
+          <ac:picMkLst>
+            <pc:docMk/>
+            <pc:sldMk cId="3470814038" sldId="257"/>
+            <ac:picMk id="63" creationId="{8E0DFF60-B81B-9969-396E-D55198E0F03C}"/>
+          </ac:picMkLst>
+        </pc:picChg>
+        <pc:picChg chg="mod">
+          <ac:chgData name="Massey, Blake H" userId="1216071c-74eb-431e-bcbb-1fe11e6acb14" providerId="ADAL" clId="{0DEF61E0-9B94-4F73-BF49-E1F6036FE9B2}" dt="2024-03-29T20:14:31.371" v="0" actId="14100"/>
+          <ac:picMkLst>
+            <pc:docMk/>
+            <pc:sldMk cId="3470814038" sldId="257"/>
+            <ac:picMk id="64" creationId="{2ADB87F8-7D2F-B2EE-97E4-AE53D59FCB8D}"/>
+          </ac:picMkLst>
+        </pc:picChg>
+        <pc:picChg chg="mod">
+          <ac:chgData name="Massey, Blake H" userId="1216071c-74eb-431e-bcbb-1fe11e6acb14" providerId="ADAL" clId="{0DEF61E0-9B94-4F73-BF49-E1F6036FE9B2}" dt="2024-03-29T20:14:31.371" v="0" actId="14100"/>
+          <ac:picMkLst>
+            <pc:docMk/>
+            <pc:sldMk cId="3470814038" sldId="257"/>
+            <ac:picMk id="66" creationId="{2E362A31-4605-EFAE-2CCE-ECB1B8F1454A}"/>
+          </ac:picMkLst>
+        </pc:picChg>
+        <pc:picChg chg="mod">
+          <ac:chgData name="Massey, Blake H" userId="1216071c-74eb-431e-bcbb-1fe11e6acb14" providerId="ADAL" clId="{0DEF61E0-9B94-4F73-BF49-E1F6036FE9B2}" dt="2024-03-29T20:14:31.371" v="0" actId="14100"/>
+          <ac:picMkLst>
+            <pc:docMk/>
+            <pc:sldMk cId="3470814038" sldId="257"/>
+            <ac:picMk id="67" creationId="{3336B505-1235-5A3F-6442-C4913BB4CB31}"/>
+          </ac:picMkLst>
+        </pc:picChg>
+        <pc:picChg chg="mod">
+          <ac:chgData name="Massey, Blake H" userId="1216071c-74eb-431e-bcbb-1fe11e6acb14" providerId="ADAL" clId="{0DEF61E0-9B94-4F73-BF49-E1F6036FE9B2}" dt="2024-03-29T20:14:31.371" v="0" actId="14100"/>
+          <ac:picMkLst>
+            <pc:docMk/>
+            <pc:sldMk cId="3470814038" sldId="257"/>
+            <ac:picMk id="70" creationId="{5256A853-EF62-DEB4-E75F-A1E2648F72FD}"/>
+          </ac:picMkLst>
+        </pc:picChg>
+        <pc:picChg chg="mod">
+          <ac:chgData name="Massey, Blake H" userId="1216071c-74eb-431e-bcbb-1fe11e6acb14" providerId="ADAL" clId="{0DEF61E0-9B94-4F73-BF49-E1F6036FE9B2}" dt="2024-03-29T20:14:31.371" v="0" actId="14100"/>
+          <ac:picMkLst>
+            <pc:docMk/>
+            <pc:sldMk cId="3470814038" sldId="257"/>
+            <ac:picMk id="81" creationId="{E8978B83-91CE-7F2F-4144-53FF5613AE12}"/>
+          </ac:picMkLst>
+        </pc:picChg>
+        <pc:picChg chg="mod">
+          <ac:chgData name="Massey, Blake H" userId="1216071c-74eb-431e-bcbb-1fe11e6acb14" providerId="ADAL" clId="{0DEF61E0-9B94-4F73-BF49-E1F6036FE9B2}" dt="2024-03-29T20:14:31.371" v="0" actId="14100"/>
+          <ac:picMkLst>
+            <pc:docMk/>
+            <pc:sldMk cId="3470814038" sldId="257"/>
+            <ac:picMk id="85" creationId="{2F54D0C2-A5FB-769E-FD07-34F3CD3B91A8}"/>
+          </ac:picMkLst>
+        </pc:picChg>
+        <pc:picChg chg="mod">
+          <ac:chgData name="Massey, Blake H" userId="1216071c-74eb-431e-bcbb-1fe11e6acb14" providerId="ADAL" clId="{0DEF61E0-9B94-4F73-BF49-E1F6036FE9B2}" dt="2024-03-29T20:14:31.371" v="0" actId="14100"/>
+          <ac:picMkLst>
+            <pc:docMk/>
+            <pc:sldMk cId="3470814038" sldId="257"/>
+            <ac:picMk id="86" creationId="{8CBD3E32-BA82-232B-084D-279116BA1998}"/>
+          </ac:picMkLst>
+        </pc:picChg>
+        <pc:cxnChg chg="mod">
+          <ac:chgData name="Massey, Blake H" userId="1216071c-74eb-431e-bcbb-1fe11e6acb14" providerId="ADAL" clId="{0DEF61E0-9B94-4F73-BF49-E1F6036FE9B2}" dt="2024-03-29T20:14:31.371" v="0" actId="14100"/>
+          <ac:cxnSpMkLst>
+            <pc:docMk/>
+            <pc:sldMk cId="3470814038" sldId="257"/>
+            <ac:cxnSpMk id="33" creationId="{9D803F70-E6F0-9DB9-014C-9311D3C802BB}"/>
+          </ac:cxnSpMkLst>
+        </pc:cxnChg>
+        <pc:cxnChg chg="mod">
+          <ac:chgData name="Massey, Blake H" userId="1216071c-74eb-431e-bcbb-1fe11e6acb14" providerId="ADAL" clId="{0DEF61E0-9B94-4F73-BF49-E1F6036FE9B2}" dt="2024-03-29T20:14:31.371" v="0" actId="14100"/>
+          <ac:cxnSpMkLst>
+            <pc:docMk/>
+            <pc:sldMk cId="3470814038" sldId="257"/>
+            <ac:cxnSpMk id="46" creationId="{4A93E6C3-F674-C7D9-DCAC-2FB038E2C341}"/>
+          </ac:cxnSpMkLst>
+        </pc:cxnChg>
+      </pc:sldChg>
+      <pc:sldChg chg="addSp delSp modSp add mod">
+        <pc:chgData name="Massey, Blake H" userId="1216071c-74eb-431e-bcbb-1fe11e6acb14" providerId="ADAL" clId="{0DEF61E0-9B94-4F73-BF49-E1F6036FE9B2}" dt="2024-03-29T20:40:15.965" v="388" actId="1076"/>
+        <pc:sldMkLst>
+          <pc:docMk/>
+          <pc:sldMk cId="3248887762" sldId="260"/>
+        </pc:sldMkLst>
+        <pc:spChg chg="del mod">
+          <ac:chgData name="Massey, Blake H" userId="1216071c-74eb-431e-bcbb-1fe11e6acb14" providerId="ADAL" clId="{0DEF61E0-9B94-4F73-BF49-E1F6036FE9B2}" dt="2024-03-29T20:22:29.772" v="98" actId="478"/>
+          <ac:spMkLst>
+            <pc:docMk/>
+            <pc:sldMk cId="3248887762" sldId="260"/>
+            <ac:spMk id="2" creationId="{C6D7EDB4-FD3B-3F21-C1E5-4E7C1CAD358F}"/>
+          </ac:spMkLst>
+        </pc:spChg>
+        <pc:spChg chg="mod">
+          <ac:chgData name="Massey, Blake H" userId="1216071c-74eb-431e-bcbb-1fe11e6acb14" providerId="ADAL" clId="{0DEF61E0-9B94-4F73-BF49-E1F6036FE9B2}" dt="2024-03-29T20:33:15.487" v="267" actId="14100"/>
+          <ac:spMkLst>
+            <pc:docMk/>
+            <pc:sldMk cId="3248887762" sldId="260"/>
+            <ac:spMk id="5" creationId="{9C784F2B-BD30-B7CF-FD14-098812CE82B1}"/>
+          </ac:spMkLst>
+        </pc:spChg>
+        <pc:spChg chg="mod">
+          <ac:chgData name="Massey, Blake H" userId="1216071c-74eb-431e-bcbb-1fe11e6acb14" providerId="ADAL" clId="{0DEF61E0-9B94-4F73-BF49-E1F6036FE9B2}" dt="2024-03-29T20:14:45.376" v="3" actId="14100"/>
+          <ac:spMkLst>
+            <pc:docMk/>
+            <pc:sldMk cId="3248887762" sldId="260"/>
+            <ac:spMk id="6" creationId="{C0ED4C0B-29A1-FEBD-C7B3-A27EAD704DBB}"/>
+          </ac:spMkLst>
+        </pc:spChg>
+        <pc:spChg chg="mod">
+          <ac:chgData name="Massey, Blake H" userId="1216071c-74eb-431e-bcbb-1fe11e6acb14" providerId="ADAL" clId="{0DEF61E0-9B94-4F73-BF49-E1F6036FE9B2}" dt="2024-03-29T20:35:36.075" v="312" actId="1076"/>
+          <ac:spMkLst>
+            <pc:docMk/>
+            <pc:sldMk cId="3248887762" sldId="260"/>
+            <ac:spMk id="7" creationId="{158518F8-6554-DA3F-DA70-892F60A9FDEF}"/>
+          </ac:spMkLst>
+        </pc:spChg>
+        <pc:spChg chg="mod">
+          <ac:chgData name="Massey, Blake H" userId="1216071c-74eb-431e-bcbb-1fe11e6acb14" providerId="ADAL" clId="{0DEF61E0-9B94-4F73-BF49-E1F6036FE9B2}" dt="2024-03-29T20:35:36.075" v="312" actId="1076"/>
+          <ac:spMkLst>
+            <pc:docMk/>
+            <pc:sldMk cId="3248887762" sldId="260"/>
+            <ac:spMk id="8" creationId="{D78234E5-DBCC-C80C-6C75-758B044206BE}"/>
+          </ac:spMkLst>
+        </pc:spChg>
+        <pc:spChg chg="del mod">
+          <ac:chgData name="Massey, Blake H" userId="1216071c-74eb-431e-bcbb-1fe11e6acb14" providerId="ADAL" clId="{0DEF61E0-9B94-4F73-BF49-E1F6036FE9B2}" dt="2024-03-29T20:32:46.788" v="255" actId="478"/>
+          <ac:spMkLst>
+            <pc:docMk/>
+            <pc:sldMk cId="3248887762" sldId="260"/>
+            <ac:spMk id="9" creationId="{CA81148F-B85C-8ECF-C9FB-83B25E18184B}"/>
+          </ac:spMkLst>
+        </pc:spChg>
+        <pc:spChg chg="mod">
+          <ac:chgData name="Massey, Blake H" userId="1216071c-74eb-431e-bcbb-1fe11e6acb14" providerId="ADAL" clId="{0DEF61E0-9B94-4F73-BF49-E1F6036FE9B2}" dt="2024-03-29T20:37:55.186" v="347" actId="14100"/>
+          <ac:spMkLst>
+            <pc:docMk/>
+            <pc:sldMk cId="3248887762" sldId="260"/>
+            <ac:spMk id="10" creationId="{96F2D7BC-23E3-0FEA-6A3F-B5FC7F8A566E}"/>
+          </ac:spMkLst>
+        </pc:spChg>
+        <pc:spChg chg="mod">
+          <ac:chgData name="Massey, Blake H" userId="1216071c-74eb-431e-bcbb-1fe11e6acb14" providerId="ADAL" clId="{0DEF61E0-9B94-4F73-BF49-E1F6036FE9B2}" dt="2024-03-29T20:39:14.810" v="369" actId="14100"/>
+          <ac:spMkLst>
+            <pc:docMk/>
+            <pc:sldMk cId="3248887762" sldId="260"/>
+            <ac:spMk id="11" creationId="{A9F513F6-0E22-486E-55ED-5DBFAB1BD5B7}"/>
+          </ac:spMkLst>
+        </pc:spChg>
+        <pc:spChg chg="mod">
+          <ac:chgData name="Massey, Blake H" userId="1216071c-74eb-431e-bcbb-1fe11e6acb14" providerId="ADAL" clId="{0DEF61E0-9B94-4F73-BF49-E1F6036FE9B2}" dt="2024-03-29T20:22:18.445" v="95" actId="14100"/>
+          <ac:spMkLst>
+            <pc:docMk/>
+            <pc:sldMk cId="3248887762" sldId="260"/>
+            <ac:spMk id="12" creationId="{7345C7FD-DE64-B7D8-19DA-F0F64EDB72EC}"/>
+          </ac:spMkLst>
+        </pc:spChg>
+        <pc:spChg chg="mod">
+          <ac:chgData name="Massey, Blake H" userId="1216071c-74eb-431e-bcbb-1fe11e6acb14" providerId="ADAL" clId="{0DEF61E0-9B94-4F73-BF49-E1F6036FE9B2}" dt="2024-03-29T20:36:05.855" v="321" actId="14100"/>
+          <ac:spMkLst>
+            <pc:docMk/>
+            <pc:sldMk cId="3248887762" sldId="260"/>
+            <ac:spMk id="14" creationId="{B2B3B874-005B-DD6C-B55B-D7CF6EF149A4}"/>
+          </ac:spMkLst>
+        </pc:spChg>
+        <pc:spChg chg="mod">
+          <ac:chgData name="Massey, Blake H" userId="1216071c-74eb-431e-bcbb-1fe11e6acb14" providerId="ADAL" clId="{0DEF61E0-9B94-4F73-BF49-E1F6036FE9B2}" dt="2024-03-29T20:36:01.621" v="320" actId="14100"/>
+          <ac:spMkLst>
+            <pc:docMk/>
+            <pc:sldMk cId="3248887762" sldId="260"/>
+            <ac:spMk id="15" creationId="{536CCEF9-2FEF-B8C1-1FBA-82D5F4801B80}"/>
+          </ac:spMkLst>
+        </pc:spChg>
+        <pc:spChg chg="add mod">
+          <ac:chgData name="Massey, Blake H" userId="1216071c-74eb-431e-bcbb-1fe11e6acb14" providerId="ADAL" clId="{0DEF61E0-9B94-4F73-BF49-E1F6036FE9B2}" dt="2024-03-29T20:23:05.809" v="102" actId="1076"/>
+          <ac:spMkLst>
+            <pc:docMk/>
+            <pc:sldMk cId="3248887762" sldId="260"/>
+            <ac:spMk id="18" creationId="{7F08AEEA-8845-AA43-14E9-8C0D7AF70FFE}"/>
+          </ac:spMkLst>
+        </pc:spChg>
+        <pc:spChg chg="mod">
+          <ac:chgData name="Massey, Blake H" userId="1216071c-74eb-431e-bcbb-1fe11e6acb14" providerId="ADAL" clId="{0DEF61E0-9B94-4F73-BF49-E1F6036FE9B2}" dt="2024-03-29T20:25:58.759" v="155" actId="14100"/>
+          <ac:spMkLst>
+            <pc:docMk/>
+            <pc:sldMk cId="3248887762" sldId="260"/>
+            <ac:spMk id="19" creationId="{9E8D9B5A-1FDA-32FE-B440-5A8D96DB3C8C}"/>
+          </ac:spMkLst>
+        </pc:spChg>
+        <pc:spChg chg="mod">
+          <ac:chgData name="Massey, Blake H" userId="1216071c-74eb-431e-bcbb-1fe11e6acb14" providerId="ADAL" clId="{0DEF61E0-9B94-4F73-BF49-E1F6036FE9B2}" dt="2024-03-29T20:31:30.418" v="233" actId="1076"/>
+          <ac:spMkLst>
+            <pc:docMk/>
+            <pc:sldMk cId="3248887762" sldId="260"/>
+            <ac:spMk id="20" creationId="{A042BE74-B314-9947-D83F-A21EA3E2F1D2}"/>
+          </ac:spMkLst>
+        </pc:spChg>
+        <pc:spChg chg="add mod ord">
+          <ac:chgData name="Massey, Blake H" userId="1216071c-74eb-431e-bcbb-1fe11e6acb14" providerId="ADAL" clId="{0DEF61E0-9B94-4F73-BF49-E1F6036FE9B2}" dt="2024-03-29T20:40:06.397" v="387" actId="552"/>
+          <ac:spMkLst>
+            <pc:docMk/>
+            <pc:sldMk cId="3248887762" sldId="260"/>
+            <ac:spMk id="21" creationId="{13728267-34E5-24C2-635A-66D157B51929}"/>
+          </ac:spMkLst>
+        </pc:spChg>
+        <pc:spChg chg="mod">
+          <ac:chgData name="Massey, Blake H" userId="1216071c-74eb-431e-bcbb-1fe11e6acb14" providerId="ADAL" clId="{0DEF61E0-9B94-4F73-BF49-E1F6036FE9B2}" dt="2024-03-29T20:22:39.524" v="99" actId="1076"/>
+          <ac:spMkLst>
+            <pc:docMk/>
+            <pc:sldMk cId="3248887762" sldId="260"/>
+            <ac:spMk id="22" creationId="{0194F109-1239-8F25-9C57-81D816AB803E}"/>
+          </ac:spMkLst>
+        </pc:spChg>
+        <pc:spChg chg="add mod">
+          <ac:chgData name="Massey, Blake H" userId="1216071c-74eb-431e-bcbb-1fe11e6acb14" providerId="ADAL" clId="{0DEF61E0-9B94-4F73-BF49-E1F6036FE9B2}" dt="2024-03-29T20:32:30.231" v="250" actId="14100"/>
+          <ac:spMkLst>
+            <pc:docMk/>
+            <pc:sldMk cId="3248887762" sldId="260"/>
+            <ac:spMk id="27" creationId="{DDD366B7-6665-53B6-5A21-2DBE28EA2791}"/>
+          </ac:spMkLst>
+        </pc:spChg>
+        <pc:spChg chg="mod">
+          <ac:chgData name="Massey, Blake H" userId="1216071c-74eb-431e-bcbb-1fe11e6acb14" providerId="ADAL" clId="{0DEF61E0-9B94-4F73-BF49-E1F6036FE9B2}" dt="2024-03-29T20:22:39.524" v="99" actId="1076"/>
+          <ac:spMkLst>
+            <pc:docMk/>
+            <pc:sldMk cId="3248887762" sldId="260"/>
+            <ac:spMk id="30" creationId="{2F5831CF-A934-61AF-2C90-1671582D4EED}"/>
+          </ac:spMkLst>
+        </pc:spChg>
+        <pc:spChg chg="mod">
+          <ac:chgData name="Massey, Blake H" userId="1216071c-74eb-431e-bcbb-1fe11e6acb14" providerId="ADAL" clId="{0DEF61E0-9B94-4F73-BF49-E1F6036FE9B2}" dt="2024-03-29T20:22:39.524" v="99" actId="1076"/>
+          <ac:spMkLst>
+            <pc:docMk/>
+            <pc:sldMk cId="3248887762" sldId="260"/>
+            <ac:spMk id="31" creationId="{360D0355-1AFA-65A8-6AE7-03959C98E877}"/>
+          </ac:spMkLst>
+        </pc:spChg>
+        <pc:spChg chg="mod">
+          <ac:chgData name="Massey, Blake H" userId="1216071c-74eb-431e-bcbb-1fe11e6acb14" providerId="ADAL" clId="{0DEF61E0-9B94-4F73-BF49-E1F6036FE9B2}" dt="2024-03-29T20:33:13.176" v="266" actId="1076"/>
+          <ac:spMkLst>
+            <pc:docMk/>
+            <pc:sldMk cId="3248887762" sldId="260"/>
+            <ac:spMk id="34" creationId="{5CCF5D9D-B421-F7BC-9B06-59D11E3814A9}"/>
+          </ac:spMkLst>
+        </pc:spChg>
+        <pc:spChg chg="mod">
+          <ac:chgData name="Massey, Blake H" userId="1216071c-74eb-431e-bcbb-1fe11e6acb14" providerId="ADAL" clId="{0DEF61E0-9B94-4F73-BF49-E1F6036FE9B2}" dt="2024-03-29T20:40:15.965" v="388" actId="1076"/>
+          <ac:spMkLst>
+            <pc:docMk/>
+            <pc:sldMk cId="3248887762" sldId="260"/>
+            <ac:spMk id="35" creationId="{735AA4E5-285C-8234-2C4A-31D0880265D4}"/>
+          </ac:spMkLst>
+        </pc:spChg>
+        <pc:spChg chg="mod">
+          <ac:chgData name="Massey, Blake H" userId="1216071c-74eb-431e-bcbb-1fe11e6acb14" providerId="ADAL" clId="{0DEF61E0-9B94-4F73-BF49-E1F6036FE9B2}" dt="2024-03-29T20:27:23.138" v="173" actId="1076"/>
+          <ac:spMkLst>
+            <pc:docMk/>
+            <pc:sldMk cId="3248887762" sldId="260"/>
+            <ac:spMk id="36" creationId="{03F0A668-45A1-B389-1247-015A5CE1A589}"/>
+          </ac:spMkLst>
+        </pc:spChg>
+        <pc:spChg chg="mod">
+          <ac:chgData name="Massey, Blake H" userId="1216071c-74eb-431e-bcbb-1fe11e6acb14" providerId="ADAL" clId="{0DEF61E0-9B94-4F73-BF49-E1F6036FE9B2}" dt="2024-03-29T20:27:16.818" v="171" actId="1076"/>
+          <ac:spMkLst>
+            <pc:docMk/>
+            <pc:sldMk cId="3248887762" sldId="260"/>
+            <ac:spMk id="37" creationId="{A8E7AFD9-CBB1-EF31-F3C0-0BF1A22593C5}"/>
+          </ac:spMkLst>
+        </pc:spChg>
+        <pc:spChg chg="add mod">
+          <ac:chgData name="Massey, Blake H" userId="1216071c-74eb-431e-bcbb-1fe11e6acb14" providerId="ADAL" clId="{0DEF61E0-9B94-4F73-BF49-E1F6036FE9B2}" dt="2024-03-29T20:33:07.894" v="264" actId="1076"/>
+          <ac:spMkLst>
+            <pc:docMk/>
+            <pc:sldMk cId="3248887762" sldId="260"/>
+            <ac:spMk id="42" creationId="{86FA2B7C-F31D-9720-350B-627820CBD98C}"/>
+          </ac:spMkLst>
+        </pc:spChg>
+        <pc:spChg chg="mod">
+          <ac:chgData name="Massey, Blake H" userId="1216071c-74eb-431e-bcbb-1fe11e6acb14" providerId="ADAL" clId="{0DEF61E0-9B94-4F73-BF49-E1F6036FE9B2}" dt="2024-03-29T20:37:15.246" v="340" actId="1076"/>
+          <ac:spMkLst>
+            <pc:docMk/>
+            <pc:sldMk cId="3248887762" sldId="260"/>
+            <ac:spMk id="43" creationId="{AE4D0B4E-D804-DF50-C155-930F465ACADD}"/>
+          </ac:spMkLst>
+        </pc:spChg>
+        <pc:spChg chg="mod">
+          <ac:chgData name="Massey, Blake H" userId="1216071c-74eb-431e-bcbb-1fe11e6acb14" providerId="ADAL" clId="{0DEF61E0-9B94-4F73-BF49-E1F6036FE9B2}" dt="2024-03-29T20:37:07.661" v="339" actId="1076"/>
+          <ac:spMkLst>
+            <pc:docMk/>
+            <pc:sldMk cId="3248887762" sldId="260"/>
+            <ac:spMk id="44" creationId="{9ABB5AD6-CDF4-90F7-D031-C06CA2B78E5E}"/>
+          </ac:spMkLst>
+        </pc:spChg>
+        <pc:spChg chg="mod">
+          <ac:chgData name="Massey, Blake H" userId="1216071c-74eb-431e-bcbb-1fe11e6acb14" providerId="ADAL" clId="{0DEF61E0-9B94-4F73-BF49-E1F6036FE9B2}" dt="2024-03-29T20:32:16.568" v="247" actId="1076"/>
+          <ac:spMkLst>
+            <pc:docMk/>
+            <pc:sldMk cId="3248887762" sldId="260"/>
+            <ac:spMk id="45" creationId="{E10A65E2-CDB0-6FFA-3388-B5D519668B7C}"/>
+          </ac:spMkLst>
+        </pc:spChg>
+        <pc:spChg chg="mod">
+          <ac:chgData name="Massey, Blake H" userId="1216071c-74eb-431e-bcbb-1fe11e6acb14" providerId="ADAL" clId="{0DEF61E0-9B94-4F73-BF49-E1F6036FE9B2}" dt="2024-03-29T20:35:28.934" v="311" actId="1076"/>
+          <ac:spMkLst>
+            <pc:docMk/>
+            <pc:sldMk cId="3248887762" sldId="260"/>
+            <ac:spMk id="47" creationId="{2118B05A-7964-375B-3A12-9C00C556A5DA}"/>
+          </ac:spMkLst>
+        </pc:spChg>
+        <pc:spChg chg="mod">
+          <ac:chgData name="Massey, Blake H" userId="1216071c-74eb-431e-bcbb-1fe11e6acb14" providerId="ADAL" clId="{0DEF61E0-9B94-4F73-BF49-E1F6036FE9B2}" dt="2024-03-29T20:35:10.364" v="307" actId="1076"/>
+          <ac:spMkLst>
+            <pc:docMk/>
+            <pc:sldMk cId="3248887762" sldId="260"/>
+            <ac:spMk id="48" creationId="{C7678E9F-89CB-C1A1-69DB-EFEDAFD55EAA}"/>
+          </ac:spMkLst>
+        </pc:spChg>
+        <pc:spChg chg="del mod">
+          <ac:chgData name="Massey, Blake H" userId="1216071c-74eb-431e-bcbb-1fe11e6acb14" providerId="ADAL" clId="{0DEF61E0-9B94-4F73-BF49-E1F6036FE9B2}" dt="2024-03-29T20:28:47.349" v="186" actId="478"/>
+          <ac:spMkLst>
+            <pc:docMk/>
+            <pc:sldMk cId="3248887762" sldId="260"/>
+            <ac:spMk id="50" creationId="{BC66ABE0-6398-AD5E-510A-7674AA67220E}"/>
+          </ac:spMkLst>
+        </pc:spChg>
+        <pc:spChg chg="mod">
+          <ac:chgData name="Massey, Blake H" userId="1216071c-74eb-431e-bcbb-1fe11e6acb14" providerId="ADAL" clId="{0DEF61E0-9B94-4F73-BF49-E1F6036FE9B2}" dt="2024-03-29T20:20:00.790" v="58" actId="1076"/>
+          <ac:spMkLst>
+            <pc:docMk/>
+            <pc:sldMk cId="3248887762" sldId="260"/>
+            <ac:spMk id="55" creationId="{73A35280-927E-130D-510B-62EC7B37D744}"/>
+          </ac:spMkLst>
+        </pc:spChg>
+        <pc:spChg chg="mod">
+          <ac:chgData name="Massey, Blake H" userId="1216071c-74eb-431e-bcbb-1fe11e6acb14" providerId="ADAL" clId="{0DEF61E0-9B94-4F73-BF49-E1F6036FE9B2}" dt="2024-03-29T20:20:00.790" v="58" actId="1076"/>
+          <ac:spMkLst>
+            <pc:docMk/>
+            <pc:sldMk cId="3248887762" sldId="260"/>
+            <ac:spMk id="56" creationId="{52B040F8-D70B-EA98-9DFD-330E91A539FA}"/>
+          </ac:spMkLst>
+        </pc:spChg>
+        <pc:spChg chg="mod">
+          <ac:chgData name="Massey, Blake H" userId="1216071c-74eb-431e-bcbb-1fe11e6acb14" providerId="ADAL" clId="{0DEF61E0-9B94-4F73-BF49-E1F6036FE9B2}" dt="2024-03-29T20:20:00.790" v="58" actId="1076"/>
+          <ac:spMkLst>
+            <pc:docMk/>
+            <pc:sldMk cId="3248887762" sldId="260"/>
+            <ac:spMk id="57" creationId="{D41BE97E-798E-AB3D-A375-7E77E3258CC1}"/>
+          </ac:spMkLst>
+        </pc:spChg>
+        <pc:spChg chg="mod">
+          <ac:chgData name="Massey, Blake H" userId="1216071c-74eb-431e-bcbb-1fe11e6acb14" providerId="ADAL" clId="{0DEF61E0-9B94-4F73-BF49-E1F6036FE9B2}" dt="2024-03-29T20:20:00.790" v="58" actId="1076"/>
+          <ac:spMkLst>
+            <pc:docMk/>
+            <pc:sldMk cId="3248887762" sldId="260"/>
+            <ac:spMk id="58" creationId="{0B3771BF-54C6-F688-A42C-36C117E9D7D1}"/>
+          </ac:spMkLst>
+        </pc:spChg>
+        <pc:spChg chg="mod">
+          <ac:chgData name="Massey, Blake H" userId="1216071c-74eb-431e-bcbb-1fe11e6acb14" providerId="ADAL" clId="{0DEF61E0-9B94-4F73-BF49-E1F6036FE9B2}" dt="2024-03-29T20:20:00.790" v="58" actId="1076"/>
+          <ac:spMkLst>
+            <pc:docMk/>
+            <pc:sldMk cId="3248887762" sldId="260"/>
+            <ac:spMk id="60" creationId="{2F16BE41-977E-89C8-E289-6ECADFB502F3}"/>
+          </ac:spMkLst>
+        </pc:spChg>
+        <pc:spChg chg="mod">
+          <ac:chgData name="Massey, Blake H" userId="1216071c-74eb-431e-bcbb-1fe11e6acb14" providerId="ADAL" clId="{0DEF61E0-9B94-4F73-BF49-E1F6036FE9B2}" dt="2024-03-29T20:14:45.376" v="3" actId="14100"/>
+          <ac:spMkLst>
+            <pc:docMk/>
+            <pc:sldMk cId="3248887762" sldId="260"/>
+            <ac:spMk id="61" creationId="{F8339712-6E32-8D42-5948-54FC8BCC877E}"/>
+          </ac:spMkLst>
+        </pc:spChg>
+        <pc:spChg chg="mod">
+          <ac:chgData name="Massey, Blake H" userId="1216071c-74eb-431e-bcbb-1fe11e6acb14" providerId="ADAL" clId="{0DEF61E0-9B94-4F73-BF49-E1F6036FE9B2}" dt="2024-03-29T20:27:07.486" v="170" actId="3064"/>
+          <ac:spMkLst>
+            <pc:docMk/>
+            <pc:sldMk cId="3248887762" sldId="260"/>
+            <ac:spMk id="62" creationId="{40B3F6D7-0C7D-D56D-0BF6-260E2058C78E}"/>
+          </ac:spMkLst>
+        </pc:spChg>
+        <pc:spChg chg="mod">
+          <ac:chgData name="Massey, Blake H" userId="1216071c-74eb-431e-bcbb-1fe11e6acb14" providerId="ADAL" clId="{0DEF61E0-9B94-4F73-BF49-E1F6036FE9B2}" dt="2024-03-29T20:31:39.082" v="236" actId="1076"/>
+          <ac:spMkLst>
+            <pc:docMk/>
+            <pc:sldMk cId="3248887762" sldId="260"/>
+            <ac:spMk id="65" creationId="{3148E915-B421-5ECB-94B6-547281E333DC}"/>
+          </ac:spMkLst>
+        </pc:spChg>
+        <pc:spChg chg="mod">
+          <ac:chgData name="Massey, Blake H" userId="1216071c-74eb-431e-bcbb-1fe11e6acb14" providerId="ADAL" clId="{0DEF61E0-9B94-4F73-BF49-E1F6036FE9B2}" dt="2024-03-29T20:23:46.698" v="120" actId="1076"/>
+          <ac:spMkLst>
+            <pc:docMk/>
+            <pc:sldMk cId="3248887762" sldId="260"/>
+            <ac:spMk id="68" creationId="{F36273C8-0697-6513-67CB-4A6B28C69B84}"/>
+          </ac:spMkLst>
+        </pc:spChg>
+        <pc:spChg chg="mod">
+          <ac:chgData name="Massey, Blake H" userId="1216071c-74eb-431e-bcbb-1fe11e6acb14" providerId="ADAL" clId="{0DEF61E0-9B94-4F73-BF49-E1F6036FE9B2}" dt="2024-03-29T20:23:13.947" v="104" actId="1076"/>
+          <ac:spMkLst>
+            <pc:docMk/>
+            <pc:sldMk cId="3248887762" sldId="260"/>
+            <ac:spMk id="69" creationId="{29F62814-CFC8-39D0-B9F0-57EE71C7ACFF}"/>
+          </ac:spMkLst>
+        </pc:spChg>
+        <pc:spChg chg="mod">
+          <ac:chgData name="Massey, Blake H" userId="1216071c-74eb-431e-bcbb-1fe11e6acb14" providerId="ADAL" clId="{0DEF61E0-9B94-4F73-BF49-E1F6036FE9B2}" dt="2024-03-29T20:23:37.351" v="119" actId="1036"/>
+          <ac:spMkLst>
+            <pc:docMk/>
+            <pc:sldMk cId="3248887762" sldId="260"/>
+            <ac:spMk id="73" creationId="{0940A01A-48C3-23A6-4A3E-8664FBD380DA}"/>
+          </ac:spMkLst>
+        </pc:spChg>
+        <pc:spChg chg="add mod">
+          <ac:chgData name="Massey, Blake H" userId="1216071c-74eb-431e-bcbb-1fe11e6acb14" providerId="ADAL" clId="{0DEF61E0-9B94-4F73-BF49-E1F6036FE9B2}" dt="2024-03-29T20:38:29.850" v="360" actId="1076"/>
+          <ac:spMkLst>
+            <pc:docMk/>
+            <pc:sldMk cId="3248887762" sldId="260"/>
+            <ac:spMk id="79" creationId="{7B327A67-1920-C96D-5470-CA25145D55FF}"/>
+          </ac:spMkLst>
+        </pc:spChg>
+        <pc:spChg chg="mod">
+          <ac:chgData name="Massey, Blake H" userId="1216071c-74eb-431e-bcbb-1fe11e6acb14" providerId="ADAL" clId="{0DEF61E0-9B94-4F73-BF49-E1F6036FE9B2}" dt="2024-03-29T20:40:06.397" v="387" actId="552"/>
+          <ac:spMkLst>
+            <pc:docMk/>
+            <pc:sldMk cId="3248887762" sldId="260"/>
+            <ac:spMk id="87" creationId="{8E6518E3-6D44-641D-F481-9D840EBDA17D}"/>
+          </ac:spMkLst>
+        </pc:spChg>
+        <pc:spChg chg="del mod">
+          <ac:chgData name="Massey, Blake H" userId="1216071c-74eb-431e-bcbb-1fe11e6acb14" providerId="ADAL" clId="{0DEF61E0-9B94-4F73-BF49-E1F6036FE9B2}" dt="2024-03-29T20:24:09.988" v="124" actId="478"/>
+          <ac:spMkLst>
+            <pc:docMk/>
+            <pc:sldMk cId="3248887762" sldId="260"/>
+            <ac:spMk id="88" creationId="{33F46B86-7DA8-5FB3-3F32-7217833A2CE3}"/>
+          </ac:spMkLst>
+        </pc:spChg>
+        <pc:spChg chg="mod">
+          <ac:chgData name="Massey, Blake H" userId="1216071c-74eb-431e-bcbb-1fe11e6acb14" providerId="ADAL" clId="{0DEF61E0-9B94-4F73-BF49-E1F6036FE9B2}" dt="2024-03-29T20:31:26.589" v="232" actId="1076"/>
+          <ac:spMkLst>
+            <pc:docMk/>
+            <pc:sldMk cId="3248887762" sldId="260"/>
+            <ac:spMk id="90" creationId="{22E8FC40-F874-3C99-B3D5-52B8F5B21C72}"/>
+          </ac:spMkLst>
+        </pc:spChg>
+        <pc:spChg chg="mod">
+          <ac:chgData name="Massey, Blake H" userId="1216071c-74eb-431e-bcbb-1fe11e6acb14" providerId="ADAL" clId="{0DEF61E0-9B94-4F73-BF49-E1F6036FE9B2}" dt="2024-03-29T20:31:26.589" v="232" actId="1076"/>
+          <ac:spMkLst>
+            <pc:docMk/>
+            <pc:sldMk cId="3248887762" sldId="260"/>
+            <ac:spMk id="91" creationId="{68F7EE3E-CC39-16A7-0B46-19FD02153112}"/>
+          </ac:spMkLst>
+        </pc:spChg>
+        <pc:spChg chg="mod">
+          <ac:chgData name="Massey, Blake H" userId="1216071c-74eb-431e-bcbb-1fe11e6acb14" providerId="ADAL" clId="{0DEF61E0-9B94-4F73-BF49-E1F6036FE9B2}" dt="2024-03-29T20:31:19.435" v="229" actId="1076"/>
+          <ac:spMkLst>
+            <pc:docMk/>
+            <pc:sldMk cId="3248887762" sldId="260"/>
+            <ac:spMk id="92" creationId="{D3950819-0500-0A97-A6A3-CB8003029865}"/>
+          </ac:spMkLst>
+        </pc:spChg>
+        <pc:spChg chg="mod">
+          <ac:chgData name="Massey, Blake H" userId="1216071c-74eb-431e-bcbb-1fe11e6acb14" providerId="ADAL" clId="{0DEF61E0-9B94-4F73-BF49-E1F6036FE9B2}" dt="2024-03-29T20:38:50.559" v="365" actId="1076"/>
+          <ac:spMkLst>
+            <pc:docMk/>
+            <pc:sldMk cId="3248887762" sldId="260"/>
+            <ac:spMk id="95" creationId="{203F77B1-C39E-8623-2DB8-CF3F444BC83B}"/>
+          </ac:spMkLst>
+        </pc:spChg>
+        <pc:spChg chg="del mod">
+          <ac:chgData name="Massey, Blake H" userId="1216071c-74eb-431e-bcbb-1fe11e6acb14" providerId="ADAL" clId="{0DEF61E0-9B94-4F73-BF49-E1F6036FE9B2}" dt="2024-03-29T20:38:08.536" v="351" actId="478"/>
+          <ac:spMkLst>
+            <pc:docMk/>
+            <pc:sldMk cId="3248887762" sldId="260"/>
+            <ac:spMk id="96" creationId="{BBA06137-7EF6-D968-011F-FA8F950BB8BC}"/>
+          </ac:spMkLst>
+        </pc:spChg>
+        <pc:spChg chg="mod">
+          <ac:chgData name="Massey, Blake H" userId="1216071c-74eb-431e-bcbb-1fe11e6acb14" providerId="ADAL" clId="{0DEF61E0-9B94-4F73-BF49-E1F6036FE9B2}" dt="2024-03-29T20:38:05.365" v="350" actId="14100"/>
+          <ac:spMkLst>
+            <pc:docMk/>
+            <pc:sldMk cId="3248887762" sldId="260"/>
+            <ac:spMk id="97" creationId="{6F69F4FD-0E4D-F8C9-FE4B-7CF4329E7E6C}"/>
+          </ac:spMkLst>
+        </pc:spChg>
+        <pc:spChg chg="mod">
+          <ac:chgData name="Massey, Blake H" userId="1216071c-74eb-431e-bcbb-1fe11e6acb14" providerId="ADAL" clId="{0DEF61E0-9B94-4F73-BF49-E1F6036FE9B2}" dt="2024-03-29T20:35:24.778" v="310" actId="1076"/>
+          <ac:spMkLst>
+            <pc:docMk/>
+            <pc:sldMk cId="3248887762" sldId="260"/>
+            <ac:spMk id="98" creationId="{EC4D91F2-D68E-465C-B52A-8C5104B03C7A}"/>
+          </ac:spMkLst>
+        </pc:spChg>
+        <pc:spChg chg="mod">
+          <ac:chgData name="Massey, Blake H" userId="1216071c-74eb-431e-bcbb-1fe11e6acb14" providerId="ADAL" clId="{0DEF61E0-9B94-4F73-BF49-E1F6036FE9B2}" dt="2024-03-29T20:35:07.300" v="306" actId="1076"/>
+          <ac:spMkLst>
+            <pc:docMk/>
+            <pc:sldMk cId="3248887762" sldId="260"/>
+            <ac:spMk id="99" creationId="{80B836AB-3111-E8A7-0581-EA9AFE00126D}"/>
+          </ac:spMkLst>
+        </pc:spChg>
+        <pc:picChg chg="del mod">
+          <ac:chgData name="Massey, Blake H" userId="1216071c-74eb-431e-bcbb-1fe11e6acb14" providerId="ADAL" clId="{0DEF61E0-9B94-4F73-BF49-E1F6036FE9B2}" dt="2024-03-29T20:37:46.220" v="344" actId="478"/>
+          <ac:picMkLst>
+            <pc:docMk/>
+            <pc:sldMk cId="3248887762" sldId="260"/>
+            <ac:picMk id="23" creationId="{A4C0F57B-7CA2-E249-E5FE-972D04EF8F61}"/>
+          </ac:picMkLst>
+        </pc:picChg>
+        <pc:picChg chg="mod">
+          <ac:chgData name="Massey, Blake H" userId="1216071c-74eb-431e-bcbb-1fe11e6acb14" providerId="ADAL" clId="{0DEF61E0-9B94-4F73-BF49-E1F6036FE9B2}" dt="2024-03-29T20:32:25.996" v="249" actId="1076"/>
+          <ac:picMkLst>
+            <pc:docMk/>
+            <pc:sldMk cId="3248887762" sldId="260"/>
+            <ac:picMk id="24" creationId="{B67FE64A-324E-05EA-58D4-7C925332E04F}"/>
+          </ac:picMkLst>
+        </pc:picChg>
+        <pc:picChg chg="mod">
+          <ac:chgData name="Massey, Blake H" userId="1216071c-74eb-431e-bcbb-1fe11e6acb14" providerId="ADAL" clId="{0DEF61E0-9B94-4F73-BF49-E1F6036FE9B2}" dt="2024-03-29T20:25:12.384" v="144" actId="1076"/>
+          <ac:picMkLst>
+            <pc:docMk/>
+            <pc:sldMk cId="3248887762" sldId="260"/>
+            <ac:picMk id="25" creationId="{27751067-ED23-6063-B12A-517C7A8C4378}"/>
+          </ac:picMkLst>
+        </pc:picChg>
+        <pc:picChg chg="mod">
+          <ac:chgData name="Massey, Blake H" userId="1216071c-74eb-431e-bcbb-1fe11e6acb14" providerId="ADAL" clId="{0DEF61E0-9B94-4F73-BF49-E1F6036FE9B2}" dt="2024-03-29T20:20:00.790" v="58" actId="1076"/>
+          <ac:picMkLst>
+            <pc:docMk/>
+            <pc:sldMk cId="3248887762" sldId="260"/>
+            <ac:picMk id="26" creationId="{A8C40695-86F8-BF25-600B-227001E1591F}"/>
+          </ac:picMkLst>
+        </pc:picChg>
+        <pc:picChg chg="del mod">
+          <ac:chgData name="Massey, Blake H" userId="1216071c-74eb-431e-bcbb-1fe11e6acb14" providerId="ADAL" clId="{0DEF61E0-9B94-4F73-BF49-E1F6036FE9B2}" dt="2024-03-29T20:38:13.524" v="353" actId="478"/>
+          <ac:picMkLst>
+            <pc:docMk/>
+            <pc:sldMk cId="3248887762" sldId="260"/>
+            <ac:picMk id="28" creationId="{B1425988-6125-18AB-0532-3A80296CEE71}"/>
+          </ac:picMkLst>
+        </pc:picChg>
+        <pc:picChg chg="mod">
+          <ac:chgData name="Massey, Blake H" userId="1216071c-74eb-431e-bcbb-1fe11e6acb14" providerId="ADAL" clId="{0DEF61E0-9B94-4F73-BF49-E1F6036FE9B2}" dt="2024-03-29T20:22:15.786" v="94" actId="1076"/>
+          <ac:picMkLst>
+            <pc:docMk/>
+            <pc:sldMk cId="3248887762" sldId="260"/>
+            <ac:picMk id="29" creationId="{58C4F8C9-2A07-1C51-3CC1-4B29B8713EDD}"/>
+          </ac:picMkLst>
+        </pc:picChg>
+        <pc:picChg chg="del mod">
+          <ac:chgData name="Massey, Blake H" userId="1216071c-74eb-431e-bcbb-1fe11e6acb14" providerId="ADAL" clId="{0DEF61E0-9B94-4F73-BF49-E1F6036FE9B2}" dt="2024-03-29T20:35:16.925" v="309" actId="478"/>
+          <ac:picMkLst>
+            <pc:docMk/>
+            <pc:sldMk cId="3248887762" sldId="260"/>
+            <ac:picMk id="32" creationId="{C6A09734-2F7E-3F7A-35C5-BB594D1BEDF4}"/>
+          </ac:picMkLst>
+        </pc:picChg>
+        <pc:picChg chg="del mod">
+          <ac:chgData name="Massey, Blake H" userId="1216071c-74eb-431e-bcbb-1fe11e6acb14" providerId="ADAL" clId="{0DEF61E0-9B94-4F73-BF49-E1F6036FE9B2}" dt="2024-03-29T20:33:56.719" v="281" actId="478"/>
+          <ac:picMkLst>
+            <pc:docMk/>
+            <pc:sldMk cId="3248887762" sldId="260"/>
+            <ac:picMk id="38" creationId="{10F11842-5BDB-90F6-18E8-CAD6EE178E57}"/>
+          </ac:picMkLst>
+        </pc:picChg>
+        <pc:picChg chg="del mod">
+          <ac:chgData name="Massey, Blake H" userId="1216071c-74eb-431e-bcbb-1fe11e6acb14" providerId="ADAL" clId="{0DEF61E0-9B94-4F73-BF49-E1F6036FE9B2}" dt="2024-03-29T20:33:57.754" v="282" actId="478"/>
+          <ac:picMkLst>
+            <pc:docMk/>
+            <pc:sldMk cId="3248887762" sldId="260"/>
+            <ac:picMk id="39" creationId="{AB8DDE93-0810-F9B1-5493-C5E9F50817E6}"/>
+          </ac:picMkLst>
+        </pc:picChg>
+        <pc:picChg chg="del mod">
+          <ac:chgData name="Massey, Blake H" userId="1216071c-74eb-431e-bcbb-1fe11e6acb14" providerId="ADAL" clId="{0DEF61E0-9B94-4F73-BF49-E1F6036FE9B2}" dt="2024-03-29T20:35:16.925" v="309" actId="478"/>
+          <ac:picMkLst>
+            <pc:docMk/>
+            <pc:sldMk cId="3248887762" sldId="260"/>
+            <ac:picMk id="40" creationId="{5ED2A1A3-436F-D97B-E8E3-A3C9E294F032}"/>
+          </ac:picMkLst>
+        </pc:picChg>
+        <pc:picChg chg="mod">
+          <ac:chgData name="Massey, Blake H" userId="1216071c-74eb-431e-bcbb-1fe11e6acb14" providerId="ADAL" clId="{0DEF61E0-9B94-4F73-BF49-E1F6036FE9B2}" dt="2024-03-29T20:14:45.376" v="3" actId="14100"/>
+          <ac:picMkLst>
+            <pc:docMk/>
+            <pc:sldMk cId="3248887762" sldId="260"/>
+            <ac:picMk id="41" creationId="{9CEA991B-3E8B-5133-84E2-24611612587E}"/>
+          </ac:picMkLst>
+        </pc:picChg>
+        <pc:picChg chg="mod">
+          <ac:chgData name="Massey, Blake H" userId="1216071c-74eb-431e-bcbb-1fe11e6acb14" providerId="ADAL" clId="{0DEF61E0-9B94-4F73-BF49-E1F6036FE9B2}" dt="2024-03-29T20:34:25.488" v="292" actId="1076"/>
+          <ac:picMkLst>
+            <pc:docMk/>
+            <pc:sldMk cId="3248887762" sldId="260"/>
+            <ac:picMk id="49" creationId="{46A1D06F-ACEE-F836-0833-9E83CD9E4816}"/>
+          </ac:picMkLst>
+        </pc:picChg>
+        <pc:picChg chg="mod">
+          <ac:chgData name="Massey, Blake H" userId="1216071c-74eb-431e-bcbb-1fe11e6acb14" providerId="ADAL" clId="{0DEF61E0-9B94-4F73-BF49-E1F6036FE9B2}" dt="2024-03-29T20:34:22.646" v="291" actId="14100"/>
+          <ac:picMkLst>
+            <pc:docMk/>
+            <pc:sldMk cId="3248887762" sldId="260"/>
+            <ac:picMk id="51" creationId="{41EF9C00-E6FC-45B8-4759-1B655A5F15A9}"/>
+          </ac:picMkLst>
+        </pc:picChg>
+        <pc:picChg chg="mod">
+          <ac:chgData name="Massey, Blake H" userId="1216071c-74eb-431e-bcbb-1fe11e6acb14" providerId="ADAL" clId="{0DEF61E0-9B94-4F73-BF49-E1F6036FE9B2}" dt="2024-03-29T20:20:00.790" v="58" actId="1076"/>
+          <ac:picMkLst>
+            <pc:docMk/>
+            <pc:sldMk cId="3248887762" sldId="260"/>
+            <ac:picMk id="52" creationId="{21C70283-550B-5D7E-DEF9-4F5489AFC1C4}"/>
+          </ac:picMkLst>
+        </pc:picChg>
+        <pc:picChg chg="mod">
+          <ac:chgData name="Massey, Blake H" userId="1216071c-74eb-431e-bcbb-1fe11e6acb14" providerId="ADAL" clId="{0DEF61E0-9B94-4F73-BF49-E1F6036FE9B2}" dt="2024-03-29T20:20:00.790" v="58" actId="1076"/>
+          <ac:picMkLst>
+            <pc:docMk/>
+            <pc:sldMk cId="3248887762" sldId="260"/>
+            <ac:picMk id="53" creationId="{5C037FA1-07FA-55C0-E0DB-D857201A864F}"/>
+          </ac:picMkLst>
+        </pc:picChg>
+        <pc:picChg chg="mod">
+          <ac:chgData name="Massey, Blake H" userId="1216071c-74eb-431e-bcbb-1fe11e6acb14" providerId="ADAL" clId="{0DEF61E0-9B94-4F73-BF49-E1F6036FE9B2}" dt="2024-03-29T20:20:00.790" v="58" actId="1076"/>
+          <ac:picMkLst>
+            <pc:docMk/>
+            <pc:sldMk cId="3248887762" sldId="260"/>
+            <ac:picMk id="54" creationId="{21C41065-1747-47F2-2413-9E699E03769E}"/>
+          </ac:picMkLst>
+        </pc:picChg>
+        <pc:picChg chg="add mod">
+          <ac:chgData name="Massey, Blake H" userId="1216071c-74eb-431e-bcbb-1fe11e6acb14" providerId="ADAL" clId="{0DEF61E0-9B94-4F73-BF49-E1F6036FE9B2}" dt="2024-03-29T20:36:13.115" v="323" actId="1076"/>
+          <ac:picMkLst>
+            <pc:docMk/>
+            <pc:sldMk cId="3248887762" sldId="260"/>
+            <ac:picMk id="59" creationId="{4D2838EB-9998-478B-CBBF-90F65F5074DB}"/>
+          </ac:picMkLst>
+        </pc:picChg>
+        <pc:picChg chg="mod">
+          <ac:chgData name="Massey, Blake H" userId="1216071c-74eb-431e-bcbb-1fe11e6acb14" providerId="ADAL" clId="{0DEF61E0-9B94-4F73-BF49-E1F6036FE9B2}" dt="2024-03-29T20:20:00.790" v="58" actId="1076"/>
+          <ac:picMkLst>
+            <pc:docMk/>
+            <pc:sldMk cId="3248887762" sldId="260"/>
+            <ac:picMk id="63" creationId="{8E0DFF60-B81B-9969-396E-D55198E0F03C}"/>
+          </ac:picMkLst>
+        </pc:picChg>
+        <pc:picChg chg="mod">
+          <ac:chgData name="Massey, Blake H" userId="1216071c-74eb-431e-bcbb-1fe11e6acb14" providerId="ADAL" clId="{0DEF61E0-9B94-4F73-BF49-E1F6036FE9B2}" dt="2024-03-29T20:22:39.524" v="99" actId="1076"/>
+          <ac:picMkLst>
+            <pc:docMk/>
+            <pc:sldMk cId="3248887762" sldId="260"/>
+            <ac:picMk id="64" creationId="{2ADB87F8-7D2F-B2EE-97E4-AE53D59FCB8D}"/>
+          </ac:picMkLst>
+        </pc:picChg>
+        <pc:picChg chg="mod">
+          <ac:chgData name="Massey, Blake H" userId="1216071c-74eb-431e-bcbb-1fe11e6acb14" providerId="ADAL" clId="{0DEF61E0-9B94-4F73-BF49-E1F6036FE9B2}" dt="2024-03-29T20:22:39.524" v="99" actId="1076"/>
+          <ac:picMkLst>
+            <pc:docMk/>
+            <pc:sldMk cId="3248887762" sldId="260"/>
+            <ac:picMk id="66" creationId="{2E362A31-4605-EFAE-2CCE-ECB1B8F1454A}"/>
+          </ac:picMkLst>
+        </pc:picChg>
+        <pc:picChg chg="mod">
+          <ac:chgData name="Massey, Blake H" userId="1216071c-74eb-431e-bcbb-1fe11e6acb14" providerId="ADAL" clId="{0DEF61E0-9B94-4F73-BF49-E1F6036FE9B2}" dt="2024-03-29T20:35:05.301" v="305" actId="1076"/>
+          <ac:picMkLst>
+            <pc:docMk/>
+            <pc:sldMk cId="3248887762" sldId="260"/>
+            <ac:picMk id="67" creationId="{3336B505-1235-5A3F-6442-C4913BB4CB31}"/>
+          </ac:picMkLst>
+        </pc:picChg>
+        <pc:picChg chg="mod">
+          <ac:chgData name="Massey, Blake H" userId="1216071c-74eb-431e-bcbb-1fe11e6acb14" providerId="ADAL" clId="{0DEF61E0-9B94-4F73-BF49-E1F6036FE9B2}" dt="2024-03-29T20:23:33.898" v="118" actId="1035"/>
+          <ac:picMkLst>
+            <pc:docMk/>
+            <pc:sldMk cId="3248887762" sldId="260"/>
+            <ac:picMk id="70" creationId="{5256A853-EF62-DEB4-E75F-A1E2648F72FD}"/>
+          </ac:picMkLst>
+        </pc:picChg>
+        <pc:picChg chg="add mod">
+          <ac:chgData name="Massey, Blake H" userId="1216071c-74eb-431e-bcbb-1fe11e6acb14" providerId="ADAL" clId="{0DEF61E0-9B94-4F73-BF49-E1F6036FE9B2}" dt="2024-03-29T20:36:23.451" v="329" actId="1038"/>
+          <ac:picMkLst>
+            <pc:docMk/>
+            <pc:sldMk cId="3248887762" sldId="260"/>
+            <ac:picMk id="71" creationId="{6E84A5BF-13AD-3CE8-C55C-C44052ADFF61}"/>
+          </ac:picMkLst>
+        </pc:picChg>
+        <pc:picChg chg="add mod">
+          <ac:chgData name="Massey, Blake H" userId="1216071c-74eb-431e-bcbb-1fe11e6acb14" providerId="ADAL" clId="{0DEF61E0-9B94-4F73-BF49-E1F6036FE9B2}" dt="2024-03-29T20:36:45.443" v="331" actId="1076"/>
+          <ac:picMkLst>
+            <pc:docMk/>
+            <pc:sldMk cId="3248887762" sldId="260"/>
+            <ac:picMk id="72" creationId="{E8B9D5C9-4317-F8F5-98F5-104A97682DCC}"/>
+          </ac:picMkLst>
+        </pc:picChg>
+        <pc:picChg chg="add mod">
+          <ac:chgData name="Massey, Blake H" userId="1216071c-74eb-431e-bcbb-1fe11e6acb14" providerId="ADAL" clId="{0DEF61E0-9B94-4F73-BF49-E1F6036FE9B2}" dt="2024-03-29T20:36:49.989" v="333" actId="1076"/>
+          <ac:picMkLst>
+            <pc:docMk/>
+            <pc:sldMk cId="3248887762" sldId="260"/>
+            <ac:picMk id="74" creationId="{F2587F85-E693-46F0-CE8F-75AC56FFF398}"/>
+          </ac:picMkLst>
+        </pc:picChg>
+        <pc:picChg chg="add mod">
+          <ac:chgData name="Massey, Blake H" userId="1216071c-74eb-431e-bcbb-1fe11e6acb14" providerId="ADAL" clId="{0DEF61E0-9B94-4F73-BF49-E1F6036FE9B2}" dt="2024-03-29T20:37:52.265" v="346" actId="1076"/>
+          <ac:picMkLst>
+            <pc:docMk/>
+            <pc:sldMk cId="3248887762" sldId="260"/>
+            <ac:picMk id="77" creationId="{7A351582-2D1C-9F59-A646-0BE4BEEA9988}"/>
+          </ac:picMkLst>
+        </pc:picChg>
+        <pc:picChg chg="add mod">
+          <ac:chgData name="Massey, Blake H" userId="1216071c-74eb-431e-bcbb-1fe11e6acb14" providerId="ADAL" clId="{0DEF61E0-9B94-4F73-BF49-E1F6036FE9B2}" dt="2024-03-29T20:38:27.937" v="359" actId="1076"/>
+          <ac:picMkLst>
+            <pc:docMk/>
+            <pc:sldMk cId="3248887762" sldId="260"/>
+            <ac:picMk id="78" creationId="{AF68D023-B6EB-568E-32DF-2C9A9973F770}"/>
+          </ac:picMkLst>
+        </pc:picChg>
+        <pc:picChg chg="mod">
+          <ac:chgData name="Massey, Blake H" userId="1216071c-74eb-431e-bcbb-1fe11e6acb14" providerId="ADAL" clId="{0DEF61E0-9B94-4F73-BF49-E1F6036FE9B2}" dt="2024-03-29T20:15:38.142" v="8" actId="1038"/>
+          <ac:picMkLst>
+            <pc:docMk/>
+            <pc:sldMk cId="3248887762" sldId="260"/>
+            <ac:picMk id="81" creationId="{E8978B83-91CE-7F2F-4144-53FF5613AE12}"/>
+          </ac:picMkLst>
+        </pc:picChg>
+        <pc:picChg chg="mod">
+          <ac:chgData name="Massey, Blake H" userId="1216071c-74eb-431e-bcbb-1fe11e6acb14" providerId="ADAL" clId="{0DEF61E0-9B94-4F73-BF49-E1F6036FE9B2}" dt="2024-03-29T20:31:50.348" v="240" actId="1076"/>
+          <ac:picMkLst>
+            <pc:docMk/>
+            <pc:sldMk cId="3248887762" sldId="260"/>
+            <ac:picMk id="85" creationId="{2F54D0C2-A5FB-769E-FD07-34F3CD3B91A8}"/>
+          </ac:picMkLst>
+        </pc:picChg>
+        <pc:picChg chg="mod">
+          <ac:chgData name="Massey, Blake H" userId="1216071c-74eb-431e-bcbb-1fe11e6acb14" providerId="ADAL" clId="{0DEF61E0-9B94-4F73-BF49-E1F6036FE9B2}" dt="2024-03-29T20:25:09.831" v="143" actId="14100"/>
+          <ac:picMkLst>
+            <pc:docMk/>
+            <pc:sldMk cId="3248887762" sldId="260"/>
+            <ac:picMk id="86" creationId="{8CBD3E32-BA82-232B-084D-279116BA1998}"/>
+          </ac:picMkLst>
+        </pc:picChg>
+        <pc:cxnChg chg="mod">
+          <ac:chgData name="Massey, Blake H" userId="1216071c-74eb-431e-bcbb-1fe11e6acb14" providerId="ADAL" clId="{0DEF61E0-9B94-4F73-BF49-E1F6036FE9B2}" dt="2024-03-29T20:20:05.461" v="59" actId="1076"/>
+          <ac:cxnSpMkLst>
+            <pc:docMk/>
+            <pc:sldMk cId="3248887762" sldId="260"/>
+            <ac:cxnSpMk id="33" creationId="{9D803F70-E6F0-9DB9-014C-9311D3C802BB}"/>
+          </ac:cxnSpMkLst>
+        </pc:cxnChg>
+        <pc:cxnChg chg="mod">
+          <ac:chgData name="Massey, Blake H" userId="1216071c-74eb-431e-bcbb-1fe11e6acb14" providerId="ADAL" clId="{0DEF61E0-9B94-4F73-BF49-E1F6036FE9B2}" dt="2024-03-29T20:37:30.660" v="343" actId="1076"/>
+          <ac:cxnSpMkLst>
+            <pc:docMk/>
+            <pc:sldMk cId="3248887762" sldId="260"/>
+            <ac:cxnSpMk id="46" creationId="{4A93E6C3-F674-C7D9-DCAC-2FB038E2C341}"/>
+          </ac:cxnSpMkLst>
+        </pc:cxnChg>
+      </pc:sldChg>
+      <pc:sldChg chg="addSp delSp modSp add mod">
+        <pc:chgData name="Massey, Blake H" userId="1216071c-74eb-431e-bcbb-1fe11e6acb14" providerId="ADAL" clId="{0DEF61E0-9B94-4F73-BF49-E1F6036FE9B2}" dt="2024-03-29T22:15:03.977" v="1446" actId="1076"/>
+        <pc:sldMkLst>
+          <pc:docMk/>
+          <pc:sldMk cId="2730553850" sldId="261"/>
+        </pc:sldMkLst>
+        <pc:spChg chg="add del mod">
+          <ac:chgData name="Massey, Blake H" userId="1216071c-74eb-431e-bcbb-1fe11e6acb14" providerId="ADAL" clId="{0DEF61E0-9B94-4F73-BF49-E1F6036FE9B2}" dt="2024-03-29T21:08:12.364" v="662" actId="478"/>
+          <ac:spMkLst>
+            <pc:docMk/>
+            <pc:sldMk cId="2730553850" sldId="261"/>
+            <ac:spMk id="2" creationId="{7F37815C-EA94-CF3F-177A-E463F415D55C}"/>
+          </ac:spMkLst>
+        </pc:spChg>
+        <pc:spChg chg="add mod ord">
+          <ac:chgData name="Massey, Blake H" userId="1216071c-74eb-431e-bcbb-1fe11e6acb14" providerId="ADAL" clId="{0DEF61E0-9B94-4F73-BF49-E1F6036FE9B2}" dt="2024-03-29T22:13:40.030" v="1435" actId="1035"/>
+          <ac:spMkLst>
+            <pc:docMk/>
+            <pc:sldMk cId="2730553850" sldId="261"/>
+            <ac:spMk id="3" creationId="{E0F39086-C15D-A16F-F907-508D490E5C63}"/>
+          </ac:spMkLst>
+        </pc:spChg>
+        <pc:spChg chg="add mod">
+          <ac:chgData name="Massey, Blake H" userId="1216071c-74eb-431e-bcbb-1fe11e6acb14" providerId="ADAL" clId="{0DEF61E0-9B94-4F73-BF49-E1F6036FE9B2}" dt="2024-03-29T22:13:40.030" v="1435" actId="1035"/>
+          <ac:spMkLst>
+            <pc:docMk/>
+            <pc:sldMk cId="2730553850" sldId="261"/>
+            <ac:spMk id="4" creationId="{45BBA8B3-E209-4977-7322-0E115CF35AB3}"/>
+          </ac:spMkLst>
+        </pc:spChg>
+        <pc:spChg chg="mod">
+          <ac:chgData name="Massey, Blake H" userId="1216071c-74eb-431e-bcbb-1fe11e6acb14" providerId="ADAL" clId="{0DEF61E0-9B94-4F73-BF49-E1F6036FE9B2}" dt="2024-03-29T22:13:40.030" v="1435" actId="1035"/>
+          <ac:spMkLst>
+            <pc:docMk/>
+            <pc:sldMk cId="2730553850" sldId="261"/>
+            <ac:spMk id="5" creationId="{9C784F2B-BD30-B7CF-FD14-098812CE82B1}"/>
+          </ac:spMkLst>
+        </pc:spChg>
+        <pc:spChg chg="mod">
+          <ac:chgData name="Massey, Blake H" userId="1216071c-74eb-431e-bcbb-1fe11e6acb14" providerId="ADAL" clId="{0DEF61E0-9B94-4F73-BF49-E1F6036FE9B2}" dt="2024-03-29T22:13:40.030" v="1435" actId="1035"/>
+          <ac:spMkLst>
+            <pc:docMk/>
+            <pc:sldMk cId="2730553850" sldId="261"/>
+            <ac:spMk id="6" creationId="{C0ED4C0B-29A1-FEBD-C7B3-A27EAD704DBB}"/>
+          </ac:spMkLst>
+        </pc:spChg>
+        <pc:spChg chg="mod">
+          <ac:chgData name="Massey, Blake H" userId="1216071c-74eb-431e-bcbb-1fe11e6acb14" providerId="ADAL" clId="{0DEF61E0-9B94-4F73-BF49-E1F6036FE9B2}" dt="2024-03-29T22:13:40.030" v="1435" actId="1035"/>
+          <ac:spMkLst>
+            <pc:docMk/>
+            <pc:sldMk cId="2730553850" sldId="261"/>
+            <ac:spMk id="7" creationId="{158518F8-6554-DA3F-DA70-892F60A9FDEF}"/>
+          </ac:spMkLst>
+        </pc:spChg>
+        <pc:spChg chg="mod">
+          <ac:chgData name="Massey, Blake H" userId="1216071c-74eb-431e-bcbb-1fe11e6acb14" providerId="ADAL" clId="{0DEF61E0-9B94-4F73-BF49-E1F6036FE9B2}" dt="2024-03-29T22:13:40.030" v="1435" actId="1035"/>
+          <ac:spMkLst>
+            <pc:docMk/>
+            <pc:sldMk cId="2730553850" sldId="261"/>
+            <ac:spMk id="8" creationId="{D78234E5-DBCC-C80C-6C75-758B044206BE}"/>
+          </ac:spMkLst>
+        </pc:spChg>
+        <pc:spChg chg="add mod">
+          <ac:chgData name="Massey, Blake H" userId="1216071c-74eb-431e-bcbb-1fe11e6acb14" providerId="ADAL" clId="{0DEF61E0-9B94-4F73-BF49-E1F6036FE9B2}" dt="2024-03-29T22:13:40.030" v="1435" actId="1035"/>
+          <ac:spMkLst>
+            <pc:docMk/>
+            <pc:sldMk cId="2730553850" sldId="261"/>
+            <ac:spMk id="9" creationId="{09788F97-DB50-3A89-442D-21EE50A4B591}"/>
+          </ac:spMkLst>
+        </pc:spChg>
+        <pc:spChg chg="del">
+          <ac:chgData name="Massey, Blake H" userId="1216071c-74eb-431e-bcbb-1fe11e6acb14" providerId="ADAL" clId="{0DEF61E0-9B94-4F73-BF49-E1F6036FE9B2}" dt="2024-03-29T20:46:56.419" v="416" actId="478"/>
+          <ac:spMkLst>
+            <pc:docMk/>
+            <pc:sldMk cId="2730553850" sldId="261"/>
+            <ac:spMk id="10" creationId="{96F2D7BC-23E3-0FEA-6A3F-B5FC7F8A566E}"/>
+          </ac:spMkLst>
+        </pc:spChg>
+        <pc:spChg chg="del">
+          <ac:chgData name="Massey, Blake H" userId="1216071c-74eb-431e-bcbb-1fe11e6acb14" providerId="ADAL" clId="{0DEF61E0-9B94-4F73-BF49-E1F6036FE9B2}" dt="2024-03-29T20:44:30.799" v="399" actId="478"/>
+          <ac:spMkLst>
+            <pc:docMk/>
+            <pc:sldMk cId="2730553850" sldId="261"/>
+            <ac:spMk id="11" creationId="{A9F513F6-0E22-486E-55ED-5DBFAB1BD5B7}"/>
+          </ac:spMkLst>
+        </pc:spChg>
+        <pc:spChg chg="del mod">
+          <ac:chgData name="Massey, Blake H" userId="1216071c-74eb-431e-bcbb-1fe11e6acb14" providerId="ADAL" clId="{0DEF61E0-9B94-4F73-BF49-E1F6036FE9B2}" dt="2024-03-29T21:10:28.901" v="688" actId="478"/>
+          <ac:spMkLst>
+            <pc:docMk/>
+            <pc:sldMk cId="2730553850" sldId="261"/>
+            <ac:spMk id="12" creationId="{7345C7FD-DE64-B7D8-19DA-F0F64EDB72EC}"/>
+          </ac:spMkLst>
+        </pc:spChg>
+        <pc:spChg chg="add mod">
+          <ac:chgData name="Massey, Blake H" userId="1216071c-74eb-431e-bcbb-1fe11e6acb14" providerId="ADAL" clId="{0DEF61E0-9B94-4F73-BF49-E1F6036FE9B2}" dt="2024-03-29T22:13:40.030" v="1435" actId="1035"/>
+          <ac:spMkLst>
+            <pc:docMk/>
+            <pc:sldMk cId="2730553850" sldId="261"/>
+            <ac:spMk id="13" creationId="{E72DF6D8-A8DD-8787-85DE-219067EE946F}"/>
+          </ac:spMkLst>
+        </pc:spChg>
+        <pc:spChg chg="mod">
+          <ac:chgData name="Massey, Blake H" userId="1216071c-74eb-431e-bcbb-1fe11e6acb14" providerId="ADAL" clId="{0DEF61E0-9B94-4F73-BF49-E1F6036FE9B2}" dt="2024-03-29T22:13:40.030" v="1435" actId="1035"/>
+          <ac:spMkLst>
+            <pc:docMk/>
+            <pc:sldMk cId="2730553850" sldId="261"/>
+            <ac:spMk id="14" creationId="{B2B3B874-005B-DD6C-B55B-D7CF6EF149A4}"/>
+          </ac:spMkLst>
+        </pc:spChg>
+        <pc:spChg chg="mod">
+          <ac:chgData name="Massey, Blake H" userId="1216071c-74eb-431e-bcbb-1fe11e6acb14" providerId="ADAL" clId="{0DEF61E0-9B94-4F73-BF49-E1F6036FE9B2}" dt="2024-03-29T22:13:40.030" v="1435" actId="1035"/>
+          <ac:spMkLst>
+            <pc:docMk/>
+            <pc:sldMk cId="2730553850" sldId="261"/>
+            <ac:spMk id="15" creationId="{536CCEF9-2FEF-B8C1-1FBA-82D5F4801B80}"/>
+          </ac:spMkLst>
+        </pc:spChg>
+        <pc:spChg chg="del mod">
+          <ac:chgData name="Massey, Blake H" userId="1216071c-74eb-431e-bcbb-1fe11e6acb14" providerId="ADAL" clId="{0DEF61E0-9B94-4F73-BF49-E1F6036FE9B2}" dt="2024-03-29T21:10:48.166" v="717" actId="478"/>
+          <ac:spMkLst>
+            <pc:docMk/>
+            <pc:sldMk cId="2730553850" sldId="261"/>
+            <ac:spMk id="18" creationId="{7F08AEEA-8845-AA43-14E9-8C0D7AF70FFE}"/>
+          </ac:spMkLst>
+        </pc:spChg>
+        <pc:spChg chg="del mod ord">
+          <ac:chgData name="Massey, Blake H" userId="1216071c-74eb-431e-bcbb-1fe11e6acb14" providerId="ADAL" clId="{0DEF61E0-9B94-4F73-BF49-E1F6036FE9B2}" dt="2024-03-29T21:07:11.627" v="627" actId="478"/>
+          <ac:spMkLst>
+            <pc:docMk/>
+            <pc:sldMk cId="2730553850" sldId="261"/>
+            <ac:spMk id="19" creationId="{9E8D9B5A-1FDA-32FE-B440-5A8D96DB3C8C}"/>
+          </ac:spMkLst>
+        </pc:spChg>
+        <pc:spChg chg="del">
+          <ac:chgData name="Massey, Blake H" userId="1216071c-74eb-431e-bcbb-1fe11e6acb14" providerId="ADAL" clId="{0DEF61E0-9B94-4F73-BF49-E1F6036FE9B2}" dt="2024-03-29T20:43:18.452" v="390" actId="478"/>
+          <ac:spMkLst>
+            <pc:docMk/>
+            <pc:sldMk cId="2730553850" sldId="261"/>
+            <ac:spMk id="20" creationId="{A042BE74-B314-9947-D83F-A21EA3E2F1D2}"/>
+          </ac:spMkLst>
+        </pc:spChg>
+        <pc:spChg chg="del">
+          <ac:chgData name="Massey, Blake H" userId="1216071c-74eb-431e-bcbb-1fe11e6acb14" providerId="ADAL" clId="{0DEF61E0-9B94-4F73-BF49-E1F6036FE9B2}" dt="2024-03-29T20:43:18.452" v="390" actId="478"/>
+          <ac:spMkLst>
+            <pc:docMk/>
+            <pc:sldMk cId="2730553850" sldId="261"/>
+            <ac:spMk id="21" creationId="{13728267-34E5-24C2-635A-66D157B51929}"/>
+          </ac:spMkLst>
+        </pc:spChg>
+        <pc:spChg chg="mod">
+          <ac:chgData name="Massey, Blake H" userId="1216071c-74eb-431e-bcbb-1fe11e6acb14" providerId="ADAL" clId="{0DEF61E0-9B94-4F73-BF49-E1F6036FE9B2}" dt="2024-03-29T22:13:40.030" v="1435" actId="1035"/>
+          <ac:spMkLst>
+            <pc:docMk/>
+            <pc:sldMk cId="2730553850" sldId="261"/>
+            <ac:spMk id="22" creationId="{0194F109-1239-8F25-9C57-81D816AB803E}"/>
+          </ac:spMkLst>
+        </pc:spChg>
+        <pc:spChg chg="del mod ord">
+          <ac:chgData name="Massey, Blake H" userId="1216071c-74eb-431e-bcbb-1fe11e6acb14" providerId="ADAL" clId="{0DEF61E0-9B94-4F73-BF49-E1F6036FE9B2}" dt="2024-03-29T21:07:48.757" v="630" actId="478"/>
+          <ac:spMkLst>
+            <pc:docMk/>
+            <pc:sldMk cId="2730553850" sldId="261"/>
+            <ac:spMk id="27" creationId="{DDD366B7-6665-53B6-5A21-2DBE28EA2791}"/>
+          </ac:spMkLst>
+        </pc:spChg>
+        <pc:spChg chg="add mod">
+          <ac:chgData name="Massey, Blake H" userId="1216071c-74eb-431e-bcbb-1fe11e6acb14" providerId="ADAL" clId="{0DEF61E0-9B94-4F73-BF49-E1F6036FE9B2}" dt="2024-03-29T21:48:06.668" v="1316" actId="164"/>
+          <ac:spMkLst>
+            <pc:docMk/>
+            <pc:sldMk cId="2730553850" sldId="261"/>
+            <ac:spMk id="28" creationId="{BAA290DD-6430-5BC4-84DE-F169CB723D8D}"/>
+          </ac:spMkLst>
+        </pc:spChg>
+        <pc:spChg chg="mod">
+          <ac:chgData name="Massey, Blake H" userId="1216071c-74eb-431e-bcbb-1fe11e6acb14" providerId="ADAL" clId="{0DEF61E0-9B94-4F73-BF49-E1F6036FE9B2}" dt="2024-03-29T22:13:40.030" v="1435" actId="1035"/>
+          <ac:spMkLst>
+            <pc:docMk/>
+            <pc:sldMk cId="2730553850" sldId="261"/>
+            <ac:spMk id="30" creationId="{2F5831CF-A934-61AF-2C90-1671582D4EED}"/>
+          </ac:spMkLst>
+        </pc:spChg>
+        <pc:spChg chg="mod">
+          <ac:chgData name="Massey, Blake H" userId="1216071c-74eb-431e-bcbb-1fe11e6acb14" providerId="ADAL" clId="{0DEF61E0-9B94-4F73-BF49-E1F6036FE9B2}" dt="2024-03-29T22:13:40.030" v="1435" actId="1035"/>
+          <ac:spMkLst>
+            <pc:docMk/>
+            <pc:sldMk cId="2730553850" sldId="261"/>
+            <ac:spMk id="31" creationId="{360D0355-1AFA-65A8-6AE7-03959C98E877}"/>
+          </ac:spMkLst>
+        </pc:spChg>
+        <pc:spChg chg="add del mod">
+          <ac:chgData name="Massey, Blake H" userId="1216071c-74eb-431e-bcbb-1fe11e6acb14" providerId="ADAL" clId="{0DEF61E0-9B94-4F73-BF49-E1F6036FE9B2}" dt="2024-03-29T21:05:39.318" v="615" actId="478"/>
+          <ac:spMkLst>
+            <pc:docMk/>
+            <pc:sldMk cId="2730553850" sldId="261"/>
+            <ac:spMk id="32" creationId="{CE5BEA16-8171-8C8C-9429-EE6CD098F1E9}"/>
+          </ac:spMkLst>
+        </pc:spChg>
+        <pc:spChg chg="del mod">
+          <ac:chgData name="Massey, Blake H" userId="1216071c-74eb-431e-bcbb-1fe11e6acb14" providerId="ADAL" clId="{0DEF61E0-9B94-4F73-BF49-E1F6036FE9B2}" dt="2024-03-29T21:19:01.705" v="850" actId="478"/>
+          <ac:spMkLst>
+            <pc:docMk/>
+            <pc:sldMk cId="2730553850" sldId="261"/>
+            <ac:spMk id="34" creationId="{5CCF5D9D-B421-F7BC-9B06-59D11E3814A9}"/>
+          </ac:spMkLst>
+        </pc:spChg>
+        <pc:spChg chg="del mod">
+          <ac:chgData name="Massey, Blake H" userId="1216071c-74eb-431e-bcbb-1fe11e6acb14" providerId="ADAL" clId="{0DEF61E0-9B94-4F73-BF49-E1F6036FE9B2}" dt="2024-03-29T21:19:12.987" v="861" actId="478"/>
+          <ac:spMkLst>
+            <pc:docMk/>
+            <pc:sldMk cId="2730553850" sldId="261"/>
+            <ac:spMk id="35" creationId="{735AA4E5-285C-8234-2C4A-31D0880265D4}"/>
+          </ac:spMkLst>
+        </pc:spChg>
+        <pc:spChg chg="del mod">
+          <ac:chgData name="Massey, Blake H" userId="1216071c-74eb-431e-bcbb-1fe11e6acb14" providerId="ADAL" clId="{0DEF61E0-9B94-4F73-BF49-E1F6036FE9B2}" dt="2024-03-29T20:50:31.354" v="493" actId="478"/>
+          <ac:spMkLst>
+            <pc:docMk/>
+            <pc:sldMk cId="2730553850" sldId="261"/>
+            <ac:spMk id="36" creationId="{03F0A668-45A1-B389-1247-015A5CE1A589}"/>
+          </ac:spMkLst>
+        </pc:spChg>
+        <pc:spChg chg="del">
+          <ac:chgData name="Massey, Blake H" userId="1216071c-74eb-431e-bcbb-1fe11e6acb14" providerId="ADAL" clId="{0DEF61E0-9B94-4F73-BF49-E1F6036FE9B2}" dt="2024-03-29T20:43:18.452" v="390" actId="478"/>
+          <ac:spMkLst>
+            <pc:docMk/>
+            <pc:sldMk cId="2730553850" sldId="261"/>
+            <ac:spMk id="37" creationId="{A8E7AFD9-CBB1-EF31-F3C0-0BF1A22593C5}"/>
+          </ac:spMkLst>
+        </pc:spChg>
+        <pc:spChg chg="add del mod">
+          <ac:chgData name="Massey, Blake H" userId="1216071c-74eb-431e-bcbb-1fe11e6acb14" providerId="ADAL" clId="{0DEF61E0-9B94-4F73-BF49-E1F6036FE9B2}" dt="2024-03-29T21:07:09.218" v="626" actId="478"/>
+          <ac:spMkLst>
+            <pc:docMk/>
+            <pc:sldMk cId="2730553850" sldId="261"/>
+            <ac:spMk id="38" creationId="{6ABB743D-B899-AA43-2624-E975C92C46A9}"/>
+          </ac:spMkLst>
+        </pc:spChg>
+        <pc:spChg chg="del mod">
+          <ac:chgData name="Massey, Blake H" userId="1216071c-74eb-431e-bcbb-1fe11e6acb14" providerId="ADAL" clId="{0DEF61E0-9B94-4F73-BF49-E1F6036FE9B2}" dt="2024-03-29T21:08:28.813" v="668" actId="478"/>
+          <ac:spMkLst>
+            <pc:docMk/>
+            <pc:sldMk cId="2730553850" sldId="261"/>
+            <ac:spMk id="42" creationId="{86FA2B7C-F31D-9720-350B-627820CBD98C}"/>
+          </ac:spMkLst>
+        </pc:spChg>
+        <pc:spChg chg="mod">
+          <ac:chgData name="Massey, Blake H" userId="1216071c-74eb-431e-bcbb-1fe11e6acb14" providerId="ADAL" clId="{0DEF61E0-9B94-4F73-BF49-E1F6036FE9B2}" dt="2024-03-29T22:13:40.030" v="1435" actId="1035"/>
+          <ac:spMkLst>
+            <pc:docMk/>
+            <pc:sldMk cId="2730553850" sldId="261"/>
+            <ac:spMk id="43" creationId="{AE4D0B4E-D804-DF50-C155-930F465ACADD}"/>
+          </ac:spMkLst>
+        </pc:spChg>
+        <pc:spChg chg="del mod">
+          <ac:chgData name="Massey, Blake H" userId="1216071c-74eb-431e-bcbb-1fe11e6acb14" providerId="ADAL" clId="{0DEF61E0-9B94-4F73-BF49-E1F6036FE9B2}" dt="2024-03-29T21:36:40.688" v="1149" actId="478"/>
+          <ac:spMkLst>
+            <pc:docMk/>
+            <pc:sldMk cId="2730553850" sldId="261"/>
+            <ac:spMk id="44" creationId="{9ABB5AD6-CDF4-90F7-D031-C06CA2B78E5E}"/>
+          </ac:spMkLst>
+        </pc:spChg>
+        <pc:spChg chg="del">
+          <ac:chgData name="Massey, Blake H" userId="1216071c-74eb-431e-bcbb-1fe11e6acb14" providerId="ADAL" clId="{0DEF61E0-9B94-4F73-BF49-E1F6036FE9B2}" dt="2024-03-29T20:43:18.452" v="390" actId="478"/>
+          <ac:spMkLst>
+            <pc:docMk/>
+            <pc:sldMk cId="2730553850" sldId="261"/>
+            <ac:spMk id="45" creationId="{E10A65E2-CDB0-6FFA-3388-B5D519668B7C}"/>
+          </ac:spMkLst>
+        </pc:spChg>
+        <pc:spChg chg="del mod">
+          <ac:chgData name="Massey, Blake H" userId="1216071c-74eb-431e-bcbb-1fe11e6acb14" providerId="ADAL" clId="{0DEF61E0-9B94-4F73-BF49-E1F6036FE9B2}" dt="2024-03-29T21:15:03.478" v="765" actId="478"/>
+          <ac:spMkLst>
+            <pc:docMk/>
+            <pc:sldMk cId="2730553850" sldId="261"/>
+            <ac:spMk id="47" creationId="{2118B05A-7964-375B-3A12-9C00C556A5DA}"/>
+          </ac:spMkLst>
+        </pc:spChg>
+        <pc:spChg chg="del mod">
+          <ac:chgData name="Massey, Blake H" userId="1216071c-74eb-431e-bcbb-1fe11e6acb14" providerId="ADAL" clId="{0DEF61E0-9B94-4F73-BF49-E1F6036FE9B2}" dt="2024-03-29T21:12:54.084" v="746" actId="478"/>
+          <ac:spMkLst>
+            <pc:docMk/>
+            <pc:sldMk cId="2730553850" sldId="261"/>
+            <ac:spMk id="48" creationId="{C7678E9F-89CB-C1A1-69DB-EFEDAFD55EAA}"/>
+          </ac:spMkLst>
+        </pc:spChg>
+        <pc:spChg chg="mod">
+          <ac:chgData name="Massey, Blake H" userId="1216071c-74eb-431e-bcbb-1fe11e6acb14" providerId="ADAL" clId="{0DEF61E0-9B94-4F73-BF49-E1F6036FE9B2}" dt="2024-03-29T22:13:40.030" v="1435" actId="1035"/>
+          <ac:spMkLst>
+            <pc:docMk/>
+            <pc:sldMk cId="2730553850" sldId="261"/>
+            <ac:spMk id="55" creationId="{73A35280-927E-130D-510B-62EC7B37D744}"/>
+          </ac:spMkLst>
+        </pc:spChg>
+        <pc:spChg chg="mod">
+          <ac:chgData name="Massey, Blake H" userId="1216071c-74eb-431e-bcbb-1fe11e6acb14" providerId="ADAL" clId="{0DEF61E0-9B94-4F73-BF49-E1F6036FE9B2}" dt="2024-03-29T22:13:40.030" v="1435" actId="1035"/>
+          <ac:spMkLst>
+            <pc:docMk/>
+            <pc:sldMk cId="2730553850" sldId="261"/>
+            <ac:spMk id="56" creationId="{52B040F8-D70B-EA98-9DFD-330E91A539FA}"/>
+          </ac:spMkLst>
+        </pc:spChg>
+        <pc:spChg chg="mod">
+          <ac:chgData name="Massey, Blake H" userId="1216071c-74eb-431e-bcbb-1fe11e6acb14" providerId="ADAL" clId="{0DEF61E0-9B94-4F73-BF49-E1F6036FE9B2}" dt="2024-03-29T22:13:40.030" v="1435" actId="1035"/>
+          <ac:spMkLst>
+            <pc:docMk/>
+            <pc:sldMk cId="2730553850" sldId="261"/>
+            <ac:spMk id="57" creationId="{D41BE97E-798E-AB3D-A375-7E77E3258CC1}"/>
+          </ac:spMkLst>
+        </pc:spChg>
+        <pc:spChg chg="mod">
+          <ac:chgData name="Massey, Blake H" userId="1216071c-74eb-431e-bcbb-1fe11e6acb14" providerId="ADAL" clId="{0DEF61E0-9B94-4F73-BF49-E1F6036FE9B2}" dt="2024-03-29T22:13:40.030" v="1435" actId="1035"/>
+          <ac:spMkLst>
+            <pc:docMk/>
+            <pc:sldMk cId="2730553850" sldId="261"/>
+            <ac:spMk id="58" creationId="{0B3771BF-54C6-F688-A42C-36C117E9D7D1}"/>
+          </ac:spMkLst>
+        </pc:spChg>
+        <pc:spChg chg="mod">
+          <ac:chgData name="Massey, Blake H" userId="1216071c-74eb-431e-bcbb-1fe11e6acb14" providerId="ADAL" clId="{0DEF61E0-9B94-4F73-BF49-E1F6036FE9B2}" dt="2024-03-29T22:13:40.030" v="1435" actId="1035"/>
+          <ac:spMkLst>
+            <pc:docMk/>
+            <pc:sldMk cId="2730553850" sldId="261"/>
+            <ac:spMk id="60" creationId="{2F16BE41-977E-89C8-E289-6ECADFB502F3}"/>
+          </ac:spMkLst>
+        </pc:spChg>
+        <pc:spChg chg="mod">
+          <ac:chgData name="Massey, Blake H" userId="1216071c-74eb-431e-bcbb-1fe11e6acb14" providerId="ADAL" clId="{0DEF61E0-9B94-4F73-BF49-E1F6036FE9B2}" dt="2024-03-29T22:13:40.030" v="1435" actId="1035"/>
+          <ac:spMkLst>
+            <pc:docMk/>
+            <pc:sldMk cId="2730553850" sldId="261"/>
+            <ac:spMk id="61" creationId="{F8339712-6E32-8D42-5948-54FC8BCC877E}"/>
+          </ac:spMkLst>
+        </pc:spChg>
+        <pc:spChg chg="del">
+          <ac:chgData name="Massey, Blake H" userId="1216071c-74eb-431e-bcbb-1fe11e6acb14" providerId="ADAL" clId="{0DEF61E0-9B94-4F73-BF49-E1F6036FE9B2}" dt="2024-03-29T20:44:30.799" v="399" actId="478"/>
+          <ac:spMkLst>
+            <pc:docMk/>
+            <pc:sldMk cId="2730553850" sldId="261"/>
+            <ac:spMk id="62" creationId="{40B3F6D7-0C7D-D56D-0BF6-260E2058C78E}"/>
+          </ac:spMkLst>
+        </pc:spChg>
+        <pc:spChg chg="mod">
+          <ac:chgData name="Massey, Blake H" userId="1216071c-74eb-431e-bcbb-1fe11e6acb14" providerId="ADAL" clId="{0DEF61E0-9B94-4F73-BF49-E1F6036FE9B2}" dt="2024-03-29T22:13:40.030" v="1435" actId="1035"/>
+          <ac:spMkLst>
+            <pc:docMk/>
+            <pc:sldMk cId="2730553850" sldId="261"/>
+            <ac:spMk id="65" creationId="{3148E915-B421-5ECB-94B6-547281E333DC}"/>
+          </ac:spMkLst>
+        </pc:spChg>
+        <pc:spChg chg="mod">
+          <ac:chgData name="Massey, Blake H" userId="1216071c-74eb-431e-bcbb-1fe11e6acb14" providerId="ADAL" clId="{0DEF61E0-9B94-4F73-BF49-E1F6036FE9B2}" dt="2024-03-29T22:13:40.030" v="1435" actId="1035"/>
+          <ac:spMkLst>
+            <pc:docMk/>
+            <pc:sldMk cId="2730553850" sldId="261"/>
+            <ac:spMk id="68" creationId="{F36273C8-0697-6513-67CB-4A6B28C69B84}"/>
+          </ac:spMkLst>
+        </pc:spChg>
+        <pc:spChg chg="mod">
+          <ac:chgData name="Massey, Blake H" userId="1216071c-74eb-431e-bcbb-1fe11e6acb14" providerId="ADAL" clId="{0DEF61E0-9B94-4F73-BF49-E1F6036FE9B2}" dt="2024-03-29T22:13:40.030" v="1435" actId="1035"/>
+          <ac:spMkLst>
+            <pc:docMk/>
+            <pc:sldMk cId="2730553850" sldId="261"/>
+            <ac:spMk id="69" creationId="{29F62814-CFC8-39D0-B9F0-57EE71C7ACFF}"/>
+          </ac:spMkLst>
+        </pc:spChg>
+        <pc:spChg chg="del mod">
+          <ac:chgData name="Massey, Blake H" userId="1216071c-74eb-431e-bcbb-1fe11e6acb14" providerId="ADAL" clId="{0DEF61E0-9B94-4F73-BF49-E1F6036FE9B2}" dt="2024-03-29T21:16:37.617" v="818" actId="478"/>
+          <ac:spMkLst>
+            <pc:docMk/>
+            <pc:sldMk cId="2730553850" sldId="261"/>
+            <ac:spMk id="73" creationId="{0940A01A-48C3-23A6-4A3E-8664FBD380DA}"/>
+          </ac:spMkLst>
+        </pc:spChg>
+        <pc:spChg chg="del">
+          <ac:chgData name="Massey, Blake H" userId="1216071c-74eb-431e-bcbb-1fe11e6acb14" providerId="ADAL" clId="{0DEF61E0-9B94-4F73-BF49-E1F6036FE9B2}" dt="2024-03-29T20:44:30.799" v="399" actId="478"/>
+          <ac:spMkLst>
+            <pc:docMk/>
+            <pc:sldMk cId="2730553850" sldId="261"/>
+            <ac:spMk id="79" creationId="{7B327A67-1920-C96D-5470-CA25145D55FF}"/>
+          </ac:spMkLst>
+        </pc:spChg>
+        <pc:spChg chg="del">
+          <ac:chgData name="Massey, Blake H" userId="1216071c-74eb-431e-bcbb-1fe11e6acb14" providerId="ADAL" clId="{0DEF61E0-9B94-4F73-BF49-E1F6036FE9B2}" dt="2024-03-29T20:43:18.452" v="390" actId="478"/>
+          <ac:spMkLst>
+            <pc:docMk/>
+            <pc:sldMk cId="2730553850" sldId="261"/>
+            <ac:spMk id="87" creationId="{8E6518E3-6D44-641D-F481-9D840EBDA17D}"/>
+          </ac:spMkLst>
+        </pc:spChg>
+        <pc:spChg chg="del">
+          <ac:chgData name="Massey, Blake H" userId="1216071c-74eb-431e-bcbb-1fe11e6acb14" providerId="ADAL" clId="{0DEF61E0-9B94-4F73-BF49-E1F6036FE9B2}" dt="2024-03-29T20:43:18.452" v="390" actId="478"/>
+          <ac:spMkLst>
+            <pc:docMk/>
+            <pc:sldMk cId="2730553850" sldId="261"/>
+            <ac:spMk id="90" creationId="{22E8FC40-F874-3C99-B3D5-52B8F5B21C72}"/>
+          </ac:spMkLst>
+        </pc:spChg>
+        <pc:spChg chg="del">
+          <ac:chgData name="Massey, Blake H" userId="1216071c-74eb-431e-bcbb-1fe11e6acb14" providerId="ADAL" clId="{0DEF61E0-9B94-4F73-BF49-E1F6036FE9B2}" dt="2024-03-29T20:43:18.452" v="390" actId="478"/>
+          <ac:spMkLst>
+            <pc:docMk/>
+            <pc:sldMk cId="2730553850" sldId="261"/>
+            <ac:spMk id="91" creationId="{68F7EE3E-CC39-16A7-0B46-19FD02153112}"/>
+          </ac:spMkLst>
+        </pc:spChg>
+        <pc:spChg chg="del">
+          <ac:chgData name="Massey, Blake H" userId="1216071c-74eb-431e-bcbb-1fe11e6acb14" providerId="ADAL" clId="{0DEF61E0-9B94-4F73-BF49-E1F6036FE9B2}" dt="2024-03-29T20:43:18.452" v="390" actId="478"/>
+          <ac:spMkLst>
+            <pc:docMk/>
+            <pc:sldMk cId="2730553850" sldId="261"/>
+            <ac:spMk id="92" creationId="{D3950819-0500-0A97-A6A3-CB8003029865}"/>
+          </ac:spMkLst>
+        </pc:spChg>
+        <pc:spChg chg="del">
+          <ac:chgData name="Massey, Blake H" userId="1216071c-74eb-431e-bcbb-1fe11e6acb14" providerId="ADAL" clId="{0DEF61E0-9B94-4F73-BF49-E1F6036FE9B2}" dt="2024-03-29T20:44:30.799" v="399" actId="478"/>
+          <ac:spMkLst>
+            <pc:docMk/>
+            <pc:sldMk cId="2730553850" sldId="261"/>
+            <ac:spMk id="95" creationId="{203F77B1-C39E-8623-2DB8-CF3F444BC83B}"/>
+          </ac:spMkLst>
+        </pc:spChg>
+        <pc:spChg chg="del">
+          <ac:chgData name="Massey, Blake H" userId="1216071c-74eb-431e-bcbb-1fe11e6acb14" providerId="ADAL" clId="{0DEF61E0-9B94-4F73-BF49-E1F6036FE9B2}" dt="2024-03-29T20:43:18.452" v="390" actId="478"/>
+          <ac:spMkLst>
+            <pc:docMk/>
+            <pc:sldMk cId="2730553850" sldId="261"/>
+            <ac:spMk id="97" creationId="{6F69F4FD-0E4D-F8C9-FE4B-7CF4329E7E6C}"/>
+          </ac:spMkLst>
+        </pc:spChg>
+        <pc:spChg chg="del mod">
+          <ac:chgData name="Massey, Blake H" userId="1216071c-74eb-431e-bcbb-1fe11e6acb14" providerId="ADAL" clId="{0DEF61E0-9B94-4F73-BF49-E1F6036FE9B2}" dt="2024-03-29T21:15:03.478" v="765" actId="478"/>
+          <ac:spMkLst>
+            <pc:docMk/>
+            <pc:sldMk cId="2730553850" sldId="261"/>
+            <ac:spMk id="98" creationId="{EC4D91F2-D68E-465C-B52A-8C5104B03C7A}"/>
+          </ac:spMkLst>
+        </pc:spChg>
+        <pc:spChg chg="del mod">
+          <ac:chgData name="Massey, Blake H" userId="1216071c-74eb-431e-bcbb-1fe11e6acb14" providerId="ADAL" clId="{0DEF61E0-9B94-4F73-BF49-E1F6036FE9B2}" dt="2024-03-29T21:11:41.240" v="727" actId="478"/>
+          <ac:spMkLst>
+            <pc:docMk/>
+            <pc:sldMk cId="2730553850" sldId="261"/>
+            <ac:spMk id="99" creationId="{80B836AB-3111-E8A7-0581-EA9AFE00126D}"/>
+          </ac:spMkLst>
+        </pc:spChg>
+        <pc:spChg chg="add mod">
+          <ac:chgData name="Massey, Blake H" userId="1216071c-74eb-431e-bcbb-1fe11e6acb14" providerId="ADAL" clId="{0DEF61E0-9B94-4F73-BF49-E1F6036FE9B2}" dt="2024-03-29T22:13:40.030" v="1435" actId="1035"/>
+          <ac:spMkLst>
+            <pc:docMk/>
+            <pc:sldMk cId="2730553850" sldId="261"/>
+            <ac:spMk id="118" creationId="{F0209ED7-4EFB-0910-2D20-27462ADA153A}"/>
+          </ac:spMkLst>
+        </pc:spChg>
+        <pc:spChg chg="add mod">
+          <ac:chgData name="Massey, Blake H" userId="1216071c-74eb-431e-bcbb-1fe11e6acb14" providerId="ADAL" clId="{0DEF61E0-9B94-4F73-BF49-E1F6036FE9B2}" dt="2024-03-29T22:13:40.030" v="1435" actId="1035"/>
+          <ac:spMkLst>
+            <pc:docMk/>
+            <pc:sldMk cId="2730553850" sldId="261"/>
+            <ac:spMk id="131" creationId="{205CABCF-3B9D-6597-5E48-075C1AFF9029}"/>
+          </ac:spMkLst>
+        </pc:spChg>
+        <pc:spChg chg="add mod">
+          <ac:chgData name="Massey, Blake H" userId="1216071c-74eb-431e-bcbb-1fe11e6acb14" providerId="ADAL" clId="{0DEF61E0-9B94-4F73-BF49-E1F6036FE9B2}" dt="2024-03-29T22:13:40.030" v="1435" actId="1035"/>
+          <ac:spMkLst>
+            <pc:docMk/>
+            <pc:sldMk cId="2730553850" sldId="261"/>
+            <ac:spMk id="132" creationId="{01785EAE-02F5-FD77-7E17-D1045A6120D1}"/>
+          </ac:spMkLst>
+        </pc:spChg>
+        <pc:spChg chg="add mod">
+          <ac:chgData name="Massey, Blake H" userId="1216071c-74eb-431e-bcbb-1fe11e6acb14" providerId="ADAL" clId="{0DEF61E0-9B94-4F73-BF49-E1F6036FE9B2}" dt="2024-03-29T22:13:40.030" v="1435" actId="1035"/>
+          <ac:spMkLst>
+            <pc:docMk/>
+            <pc:sldMk cId="2730553850" sldId="261"/>
+            <ac:spMk id="139" creationId="{60202E7F-B67F-F78A-7B77-5C795357F709}"/>
+          </ac:spMkLst>
+        </pc:spChg>
+        <pc:spChg chg="add del mod">
+          <ac:chgData name="Massey, Blake H" userId="1216071c-74eb-431e-bcbb-1fe11e6acb14" providerId="ADAL" clId="{0DEF61E0-9B94-4F73-BF49-E1F6036FE9B2}" dt="2024-03-29T21:56:29.861" v="1348" actId="478"/>
+          <ac:spMkLst>
+            <pc:docMk/>
+            <pc:sldMk cId="2730553850" sldId="261"/>
+            <ac:spMk id="173" creationId="{77C35791-590D-6F5D-F002-20128E0A9203}"/>
+          </ac:spMkLst>
+        </pc:spChg>
+        <pc:spChg chg="add mod ord">
+          <ac:chgData name="Massey, Blake H" userId="1216071c-74eb-431e-bcbb-1fe11e6acb14" providerId="ADAL" clId="{0DEF61E0-9B94-4F73-BF49-E1F6036FE9B2}" dt="2024-03-29T22:06:57.188" v="1374" actId="164"/>
+          <ac:spMkLst>
+            <pc:docMk/>
+            <pc:sldMk cId="2730553850" sldId="261"/>
+            <ac:spMk id="176" creationId="{AA1B9E5A-C174-27D9-BAF3-648FC186826A}"/>
+          </ac:spMkLst>
+        </pc:spChg>
+        <pc:spChg chg="add mod">
+          <ac:chgData name="Massey, Blake H" userId="1216071c-74eb-431e-bcbb-1fe11e6acb14" providerId="ADAL" clId="{0DEF61E0-9B94-4F73-BF49-E1F6036FE9B2}" dt="2024-03-29T22:13:40.030" v="1435" actId="1035"/>
+          <ac:spMkLst>
+            <pc:docMk/>
+            <pc:sldMk cId="2730553850" sldId="261"/>
+            <ac:spMk id="181" creationId="{187254F9-8F3C-29FF-5909-0774B82381C1}"/>
+          </ac:spMkLst>
+        </pc:spChg>
+        <pc:spChg chg="add mod">
+          <ac:chgData name="Massey, Blake H" userId="1216071c-74eb-431e-bcbb-1fe11e6acb14" providerId="ADAL" clId="{0DEF61E0-9B94-4F73-BF49-E1F6036FE9B2}" dt="2024-03-29T22:15:03.977" v="1446" actId="1076"/>
+          <ac:spMkLst>
+            <pc:docMk/>
+            <pc:sldMk cId="2730553850" sldId="261"/>
+            <ac:spMk id="183" creationId="{75152E8C-2A10-2FE9-A819-68477CDD9C95}"/>
+          </ac:spMkLst>
+        </pc:spChg>
+        <pc:grpChg chg="add mod">
+          <ac:chgData name="Massey, Blake H" userId="1216071c-74eb-431e-bcbb-1fe11e6acb14" providerId="ADAL" clId="{0DEF61E0-9B94-4F73-BF49-E1F6036FE9B2}" dt="2024-03-29T22:13:40.030" v="1435" actId="1035"/>
+          <ac:grpSpMkLst>
+            <pc:docMk/>
+            <pc:sldMk cId="2730553850" sldId="261"/>
+            <ac:grpSpMk id="2" creationId="{CC289050-1570-A4EF-B98F-E76240B0CC61}"/>
+          </ac:grpSpMkLst>
+        </pc:grpChg>
+        <pc:grpChg chg="add mod">
+          <ac:chgData name="Massey, Blake H" userId="1216071c-74eb-431e-bcbb-1fe11e6acb14" providerId="ADAL" clId="{0DEF61E0-9B94-4F73-BF49-E1F6036FE9B2}" dt="2024-03-29T22:13:40.030" v="1435" actId="1035"/>
+          <ac:grpSpMkLst>
+            <pc:docMk/>
+            <pc:sldMk cId="2730553850" sldId="261"/>
+            <ac:grpSpMk id="180" creationId="{9B270FB9-EC84-AF19-1905-307659569820}"/>
+          </ac:grpSpMkLst>
+        </pc:grpChg>
+        <pc:picChg chg="add mod">
+          <ac:chgData name="Massey, Blake H" userId="1216071c-74eb-431e-bcbb-1fe11e6acb14" providerId="ADAL" clId="{0DEF61E0-9B94-4F73-BF49-E1F6036FE9B2}" dt="2024-03-29T22:14:43.617" v="1441" actId="1076"/>
+          <ac:picMkLst>
+            <pc:docMk/>
+            <pc:sldMk cId="2730553850" sldId="261"/>
+            <ac:picMk id="10" creationId="{3BD04996-A010-488C-36D0-22EF6DA7BD9B}"/>
+          </ac:picMkLst>
+        </pc:picChg>
+        <pc:picChg chg="add mod">
+          <ac:chgData name="Massey, Blake H" userId="1216071c-74eb-431e-bcbb-1fe11e6acb14" providerId="ADAL" clId="{0DEF61E0-9B94-4F73-BF49-E1F6036FE9B2}" dt="2024-03-29T22:13:40.030" v="1435" actId="1035"/>
+          <ac:picMkLst>
+            <pc:docMk/>
+            <pc:sldMk cId="2730553850" sldId="261"/>
+            <ac:picMk id="16" creationId="{878E814A-E8AE-3B7A-9099-3FC3884DD6C1}"/>
+          </ac:picMkLst>
+        </pc:picChg>
+        <pc:picChg chg="add mod">
+          <ac:chgData name="Massey, Blake H" userId="1216071c-74eb-431e-bcbb-1fe11e6acb14" providerId="ADAL" clId="{0DEF61E0-9B94-4F73-BF49-E1F6036FE9B2}" dt="2024-03-29T21:48:06.668" v="1316" actId="164"/>
+          <ac:picMkLst>
+            <pc:docMk/>
+            <pc:sldMk cId="2730553850" sldId="261"/>
+            <ac:picMk id="23" creationId="{CAF9D026-04AC-9C96-813E-AB8EC39E2EFF}"/>
+          </ac:picMkLst>
+        </pc:picChg>
+        <pc:picChg chg="mod">
+          <ac:chgData name="Massey, Blake H" userId="1216071c-74eb-431e-bcbb-1fe11e6acb14" providerId="ADAL" clId="{0DEF61E0-9B94-4F73-BF49-E1F6036FE9B2}" dt="2024-03-29T22:13:40.030" v="1435" actId="1035"/>
+          <ac:picMkLst>
+            <pc:docMk/>
+            <pc:sldMk cId="2730553850" sldId="261"/>
+            <ac:picMk id="24" creationId="{B67FE64A-324E-05EA-58D4-7C925332E04F}"/>
+          </ac:picMkLst>
+        </pc:picChg>
+        <pc:picChg chg="mod">
+          <ac:chgData name="Massey, Blake H" userId="1216071c-74eb-431e-bcbb-1fe11e6acb14" providerId="ADAL" clId="{0DEF61E0-9B94-4F73-BF49-E1F6036FE9B2}" dt="2024-03-29T22:13:40.030" v="1435" actId="1035"/>
+          <ac:picMkLst>
+            <pc:docMk/>
+            <pc:sldMk cId="2730553850" sldId="261"/>
+            <ac:picMk id="25" creationId="{27751067-ED23-6063-B12A-517C7A8C4378}"/>
+          </ac:picMkLst>
+        </pc:picChg>
+        <pc:picChg chg="mod">
+          <ac:chgData name="Massey, Blake H" userId="1216071c-74eb-431e-bcbb-1fe11e6acb14" providerId="ADAL" clId="{0DEF61E0-9B94-4F73-BF49-E1F6036FE9B2}" dt="2024-03-29T22:13:40.030" v="1435" actId="1035"/>
+          <ac:picMkLst>
+            <pc:docMk/>
+            <pc:sldMk cId="2730553850" sldId="261"/>
+            <ac:picMk id="26" creationId="{A8C40695-86F8-BF25-600B-227001E1591F}"/>
+          </ac:picMkLst>
+        </pc:picChg>
+        <pc:picChg chg="del mod">
+          <ac:chgData name="Massey, Blake H" userId="1216071c-74eb-431e-bcbb-1fe11e6acb14" providerId="ADAL" clId="{0DEF61E0-9B94-4F73-BF49-E1F6036FE9B2}" dt="2024-03-29T21:23:35.856" v="892" actId="478"/>
+          <ac:picMkLst>
+            <pc:docMk/>
+            <pc:sldMk cId="2730553850" sldId="261"/>
+            <ac:picMk id="29" creationId="{58C4F8C9-2A07-1C51-3CC1-4B29B8713EDD}"/>
+          </ac:picMkLst>
+        </pc:picChg>
+        <pc:picChg chg="mod">
+          <ac:chgData name="Massey, Blake H" userId="1216071c-74eb-431e-bcbb-1fe11e6acb14" providerId="ADAL" clId="{0DEF61E0-9B94-4F73-BF49-E1F6036FE9B2}" dt="2024-03-29T22:13:40.030" v="1435" actId="1035"/>
+          <ac:picMkLst>
+            <pc:docMk/>
+            <pc:sldMk cId="2730553850" sldId="261"/>
+            <ac:picMk id="41" creationId="{9CEA991B-3E8B-5133-84E2-24611612587E}"/>
+          </ac:picMkLst>
+        </pc:picChg>
+        <pc:picChg chg="mod modCrop">
+          <ac:chgData name="Massey, Blake H" userId="1216071c-74eb-431e-bcbb-1fe11e6acb14" providerId="ADAL" clId="{0DEF61E0-9B94-4F73-BF49-E1F6036FE9B2}" dt="2024-03-29T22:13:40.030" v="1435" actId="1035"/>
+          <ac:picMkLst>
+            <pc:docMk/>
+            <pc:sldMk cId="2730553850" sldId="261"/>
+            <ac:picMk id="49" creationId="{46A1D06F-ACEE-F836-0833-9E83CD9E4816}"/>
+          </ac:picMkLst>
+        </pc:picChg>
+        <pc:picChg chg="mod modCrop">
+          <ac:chgData name="Massey, Blake H" userId="1216071c-74eb-431e-bcbb-1fe11e6acb14" providerId="ADAL" clId="{0DEF61E0-9B94-4F73-BF49-E1F6036FE9B2}" dt="2024-03-29T22:13:40.030" v="1435" actId="1035"/>
+          <ac:picMkLst>
+            <pc:docMk/>
+            <pc:sldMk cId="2730553850" sldId="261"/>
+            <ac:picMk id="51" creationId="{41EF9C00-E6FC-45B8-4759-1B655A5F15A9}"/>
+          </ac:picMkLst>
+        </pc:picChg>
+        <pc:picChg chg="mod modCrop">
+          <ac:chgData name="Massey, Blake H" userId="1216071c-74eb-431e-bcbb-1fe11e6acb14" providerId="ADAL" clId="{0DEF61E0-9B94-4F73-BF49-E1F6036FE9B2}" dt="2024-03-29T22:13:40.030" v="1435" actId="1035"/>
+          <ac:picMkLst>
+            <pc:docMk/>
+            <pc:sldMk cId="2730553850" sldId="261"/>
+            <ac:picMk id="52" creationId="{21C70283-550B-5D7E-DEF9-4F5489AFC1C4}"/>
+          </ac:picMkLst>
+        </pc:picChg>
+        <pc:picChg chg="mod modCrop">
+          <ac:chgData name="Massey, Blake H" userId="1216071c-74eb-431e-bcbb-1fe11e6acb14" providerId="ADAL" clId="{0DEF61E0-9B94-4F73-BF49-E1F6036FE9B2}" dt="2024-03-29T22:13:40.030" v="1435" actId="1035"/>
+          <ac:picMkLst>
+            <pc:docMk/>
+            <pc:sldMk cId="2730553850" sldId="261"/>
+            <ac:picMk id="53" creationId="{5C037FA1-07FA-55C0-E0DB-D857201A864F}"/>
+          </ac:picMkLst>
+        </pc:picChg>
+        <pc:picChg chg="mod">
+          <ac:chgData name="Massey, Blake H" userId="1216071c-74eb-431e-bcbb-1fe11e6acb14" providerId="ADAL" clId="{0DEF61E0-9B94-4F73-BF49-E1F6036FE9B2}" dt="2024-03-29T22:13:40.030" v="1435" actId="1035"/>
+          <ac:picMkLst>
+            <pc:docMk/>
+            <pc:sldMk cId="2730553850" sldId="261"/>
+            <ac:picMk id="54" creationId="{21C41065-1747-47F2-2413-9E699E03769E}"/>
+          </ac:picMkLst>
+        </pc:picChg>
+        <pc:picChg chg="del mod">
+          <ac:chgData name="Massey, Blake H" userId="1216071c-74eb-431e-bcbb-1fe11e6acb14" providerId="ADAL" clId="{0DEF61E0-9B94-4F73-BF49-E1F6036FE9B2}" dt="2024-03-29T21:35:20.010" v="1123" actId="478"/>
+          <ac:picMkLst>
+            <pc:docMk/>
+            <pc:sldMk cId="2730553850" sldId="261"/>
+            <ac:picMk id="59" creationId="{4D2838EB-9998-478B-CBBF-90F65F5074DB}"/>
+          </ac:picMkLst>
+        </pc:picChg>
+        <pc:picChg chg="del">
+          <ac:chgData name="Massey, Blake H" userId="1216071c-74eb-431e-bcbb-1fe11e6acb14" providerId="ADAL" clId="{0DEF61E0-9B94-4F73-BF49-E1F6036FE9B2}" dt="2024-03-29T21:37:39.449" v="1183" actId="478"/>
+          <ac:picMkLst>
+            <pc:docMk/>
+            <pc:sldMk cId="2730553850" sldId="261"/>
+            <ac:picMk id="63" creationId="{8E0DFF60-B81B-9969-396E-D55198E0F03C}"/>
+          </ac:picMkLst>
+        </pc:picChg>
+        <pc:picChg chg="mod">
+          <ac:chgData name="Massey, Blake H" userId="1216071c-74eb-431e-bcbb-1fe11e6acb14" providerId="ADAL" clId="{0DEF61E0-9B94-4F73-BF49-E1F6036FE9B2}" dt="2024-03-29T22:13:40.030" v="1435" actId="1035"/>
+          <ac:picMkLst>
+            <pc:docMk/>
+            <pc:sldMk cId="2730553850" sldId="261"/>
+            <ac:picMk id="64" creationId="{2ADB87F8-7D2F-B2EE-97E4-AE53D59FCB8D}"/>
+          </ac:picMkLst>
+        </pc:picChg>
+        <pc:picChg chg="mod modCrop">
+          <ac:chgData name="Massey, Blake H" userId="1216071c-74eb-431e-bcbb-1fe11e6acb14" providerId="ADAL" clId="{0DEF61E0-9B94-4F73-BF49-E1F6036FE9B2}" dt="2024-03-29T22:13:40.030" v="1435" actId="1035"/>
+          <ac:picMkLst>
+            <pc:docMk/>
+            <pc:sldMk cId="2730553850" sldId="261"/>
+            <ac:picMk id="66" creationId="{2E362A31-4605-EFAE-2CCE-ECB1B8F1454A}"/>
+          </ac:picMkLst>
+        </pc:picChg>
+        <pc:picChg chg="del mod">
+          <ac:chgData name="Massey, Blake H" userId="1216071c-74eb-431e-bcbb-1fe11e6acb14" providerId="ADAL" clId="{0DEF61E0-9B94-4F73-BF49-E1F6036FE9B2}" dt="2024-03-29T20:57:15.515" v="504" actId="478"/>
+          <ac:picMkLst>
+            <pc:docMk/>
+            <pc:sldMk cId="2730553850" sldId="261"/>
+            <ac:picMk id="67" creationId="{3336B505-1235-5A3F-6442-C4913BB4CB31}"/>
+          </ac:picMkLst>
+        </pc:picChg>
+        <pc:picChg chg="del mod">
+          <ac:chgData name="Massey, Blake H" userId="1216071c-74eb-431e-bcbb-1fe11e6acb14" providerId="ADAL" clId="{0DEF61E0-9B94-4F73-BF49-E1F6036FE9B2}" dt="2024-03-29T21:17:05.971" v="828" actId="478"/>
+          <ac:picMkLst>
+            <pc:docMk/>
+            <pc:sldMk cId="2730553850" sldId="261"/>
+            <ac:picMk id="70" creationId="{5256A853-EF62-DEB4-E75F-A1E2648F72FD}"/>
+          </ac:picMkLst>
+        </pc:picChg>
+        <pc:picChg chg="del mod">
+          <ac:chgData name="Massey, Blake H" userId="1216071c-74eb-431e-bcbb-1fe11e6acb14" providerId="ADAL" clId="{0DEF61E0-9B94-4F73-BF49-E1F6036FE9B2}" dt="2024-03-29T21:35:15.226" v="1122" actId="478"/>
+          <ac:picMkLst>
+            <pc:docMk/>
+            <pc:sldMk cId="2730553850" sldId="261"/>
+            <ac:picMk id="71" creationId="{6E84A5BF-13AD-3CE8-C55C-C44052ADFF61}"/>
+          </ac:picMkLst>
+        </pc:picChg>
+        <pc:picChg chg="del mod">
+          <ac:chgData name="Massey, Blake H" userId="1216071c-74eb-431e-bcbb-1fe11e6acb14" providerId="ADAL" clId="{0DEF61E0-9B94-4F73-BF49-E1F6036FE9B2}" dt="2024-03-29T21:35:06.617" v="1120" actId="478"/>
+          <ac:picMkLst>
+            <pc:docMk/>
+            <pc:sldMk cId="2730553850" sldId="261"/>
+            <ac:picMk id="72" creationId="{E8B9D5C9-4317-F8F5-98F5-104A97682DCC}"/>
+          </ac:picMkLst>
+        </pc:picChg>
+        <pc:picChg chg="mod">
+          <ac:chgData name="Massey, Blake H" userId="1216071c-74eb-431e-bcbb-1fe11e6acb14" providerId="ADAL" clId="{0DEF61E0-9B94-4F73-BF49-E1F6036FE9B2}" dt="2024-03-29T22:14:36.944" v="1438" actId="1076"/>
+          <ac:picMkLst>
+            <pc:docMk/>
+            <pc:sldMk cId="2730553850" sldId="261"/>
+            <ac:picMk id="74" creationId="{F2587F85-E693-46F0-CE8F-75AC56FFF398}"/>
+          </ac:picMkLst>
+        </pc:picChg>
+        <pc:picChg chg="mod">
+          <ac:chgData name="Massey, Blake H" userId="1216071c-74eb-431e-bcbb-1fe11e6acb14" providerId="ADAL" clId="{0DEF61E0-9B94-4F73-BF49-E1F6036FE9B2}" dt="2024-03-29T22:13:40.030" v="1435" actId="1035"/>
+          <ac:picMkLst>
+            <pc:docMk/>
+            <pc:sldMk cId="2730553850" sldId="261"/>
+            <ac:picMk id="77" creationId="{7A351582-2D1C-9F59-A646-0BE4BEEA9988}"/>
+          </ac:picMkLst>
+        </pc:picChg>
+        <pc:picChg chg="del">
+          <ac:chgData name="Massey, Blake H" userId="1216071c-74eb-431e-bcbb-1fe11e6acb14" providerId="ADAL" clId="{0DEF61E0-9B94-4F73-BF49-E1F6036FE9B2}" dt="2024-03-29T20:44:26.796" v="398" actId="478"/>
+          <ac:picMkLst>
+            <pc:docMk/>
+            <pc:sldMk cId="2730553850" sldId="261"/>
+            <ac:picMk id="78" creationId="{AF68D023-B6EB-568E-32DF-2C9A9973F770}"/>
+          </ac:picMkLst>
+        </pc:picChg>
+        <pc:picChg chg="del">
+          <ac:chgData name="Massey, Blake H" userId="1216071c-74eb-431e-bcbb-1fe11e6acb14" providerId="ADAL" clId="{0DEF61E0-9B94-4F73-BF49-E1F6036FE9B2}" dt="2024-03-29T20:44:30.799" v="399" actId="478"/>
+          <ac:picMkLst>
+            <pc:docMk/>
+            <pc:sldMk cId="2730553850" sldId="261"/>
+            <ac:picMk id="81" creationId="{E8978B83-91CE-7F2F-4144-53FF5613AE12}"/>
+          </ac:picMkLst>
+        </pc:picChg>
+        <pc:picChg chg="del mod">
+          <ac:chgData name="Massey, Blake H" userId="1216071c-74eb-431e-bcbb-1fe11e6acb14" providerId="ADAL" clId="{0DEF61E0-9B94-4F73-BF49-E1F6036FE9B2}" dt="2024-03-29T21:15:29.865" v="780" actId="478"/>
+          <ac:picMkLst>
+            <pc:docMk/>
+            <pc:sldMk cId="2730553850" sldId="261"/>
+            <ac:picMk id="85" creationId="{2F54D0C2-A5FB-769E-FD07-34F3CD3B91A8}"/>
+          </ac:picMkLst>
+        </pc:picChg>
+        <pc:picChg chg="mod">
+          <ac:chgData name="Massey, Blake H" userId="1216071c-74eb-431e-bcbb-1fe11e6acb14" providerId="ADAL" clId="{0DEF61E0-9B94-4F73-BF49-E1F6036FE9B2}" dt="2024-03-29T22:13:40.030" v="1435" actId="1035"/>
+          <ac:picMkLst>
+            <pc:docMk/>
+            <pc:sldMk cId="2730553850" sldId="261"/>
+            <ac:picMk id="86" creationId="{8CBD3E32-BA82-232B-084D-279116BA1998}"/>
+          </ac:picMkLst>
+        </pc:picChg>
+        <pc:picChg chg="add mod">
+          <ac:chgData name="Massey, Blake H" userId="1216071c-74eb-431e-bcbb-1fe11e6acb14" providerId="ADAL" clId="{0DEF61E0-9B94-4F73-BF49-E1F6036FE9B2}" dt="2024-03-29T22:14:56.568" v="1445" actId="1076"/>
+          <ac:picMkLst>
+            <pc:docMk/>
+            <pc:sldMk cId="2730553850" sldId="261"/>
+            <ac:picMk id="123" creationId="{EA5EFAA8-E655-4EE7-085C-BDBFCBD5F146}"/>
+          </ac:picMkLst>
+        </pc:picChg>
+        <pc:picChg chg="add mod modCrop">
+          <ac:chgData name="Massey, Blake H" userId="1216071c-74eb-431e-bcbb-1fe11e6acb14" providerId="ADAL" clId="{0DEF61E0-9B94-4F73-BF49-E1F6036FE9B2}" dt="2024-03-29T22:13:40.030" v="1435" actId="1035"/>
+          <ac:picMkLst>
+            <pc:docMk/>
+            <pc:sldMk cId="2730553850" sldId="261"/>
+            <ac:picMk id="142" creationId="{D24AD8C4-CC03-BCAA-D39A-B6C1FF87D445}"/>
+          </ac:picMkLst>
+        </pc:picChg>
+        <pc:picChg chg="add del mod">
+          <ac:chgData name="Massey, Blake H" userId="1216071c-74eb-431e-bcbb-1fe11e6acb14" providerId="ADAL" clId="{0DEF61E0-9B94-4F73-BF49-E1F6036FE9B2}" dt="2024-03-29T21:30:34.184" v="1048" actId="478"/>
+          <ac:picMkLst>
+            <pc:docMk/>
+            <pc:sldMk cId="2730553850" sldId="261"/>
+            <ac:picMk id="164" creationId="{D805EBBE-57F2-5514-6D52-C2ACC00D08BA}"/>
+          </ac:picMkLst>
+        </pc:picChg>
+        <pc:picChg chg="add mod">
+          <ac:chgData name="Massey, Blake H" userId="1216071c-74eb-431e-bcbb-1fe11e6acb14" providerId="ADAL" clId="{0DEF61E0-9B94-4F73-BF49-E1F6036FE9B2}" dt="2024-03-29T22:13:40.030" v="1435" actId="1035"/>
+          <ac:picMkLst>
+            <pc:docMk/>
+            <pc:sldMk cId="2730553850" sldId="261"/>
+            <ac:picMk id="165" creationId="{7C732280-B67E-E95D-D357-EB6B73DF0873}"/>
+          </ac:picMkLst>
+        </pc:picChg>
+        <pc:picChg chg="add mod">
+          <ac:chgData name="Massey, Blake H" userId="1216071c-74eb-431e-bcbb-1fe11e6acb14" providerId="ADAL" clId="{0DEF61E0-9B94-4F73-BF49-E1F6036FE9B2}" dt="2024-03-29T22:13:40.030" v="1435" actId="1035"/>
+          <ac:picMkLst>
+            <pc:docMk/>
+            <pc:sldMk cId="2730553850" sldId="261"/>
+            <ac:picMk id="166" creationId="{2342B846-FCD4-10FE-1B9B-2880E3BED6DD}"/>
+          </ac:picMkLst>
+        </pc:picChg>
+        <pc:picChg chg="add mod">
+          <ac:chgData name="Massey, Blake H" userId="1216071c-74eb-431e-bcbb-1fe11e6acb14" providerId="ADAL" clId="{0DEF61E0-9B94-4F73-BF49-E1F6036FE9B2}" dt="2024-03-29T22:13:40.030" v="1435" actId="1035"/>
+          <ac:picMkLst>
+            <pc:docMk/>
+            <pc:sldMk cId="2730553850" sldId="261"/>
+            <ac:picMk id="169" creationId="{3A222817-A6EB-681A-E30A-54D6F243EA1A}"/>
+          </ac:picMkLst>
+        </pc:picChg>
+        <pc:picChg chg="add del mod">
+          <ac:chgData name="Massey, Blake H" userId="1216071c-74eb-431e-bcbb-1fe11e6acb14" providerId="ADAL" clId="{0DEF61E0-9B94-4F73-BF49-E1F6036FE9B2}" dt="2024-03-29T21:35:20.984" v="1124" actId="478"/>
+          <ac:picMkLst>
+            <pc:docMk/>
+            <pc:sldMk cId="2730553850" sldId="261"/>
+            <ac:picMk id="170" creationId="{D8E54499-814A-6BB3-DDFA-B86DE718A8D1}"/>
+          </ac:picMkLst>
+        </pc:picChg>
+        <pc:picChg chg="add del mod">
+          <ac:chgData name="Massey, Blake H" userId="1216071c-74eb-431e-bcbb-1fe11e6acb14" providerId="ADAL" clId="{0DEF61E0-9B94-4F73-BF49-E1F6036FE9B2}" dt="2024-03-29T22:14:38.646" v="1439" actId="478"/>
+          <ac:picMkLst>
+            <pc:docMk/>
+            <pc:sldMk cId="2730553850" sldId="261"/>
+            <ac:picMk id="171" creationId="{E0185C0A-A8DF-D313-93BA-6B95DA79E35E}"/>
+          </ac:picMkLst>
+        </pc:picChg>
+        <pc:picChg chg="add mod">
+          <ac:chgData name="Massey, Blake H" userId="1216071c-74eb-431e-bcbb-1fe11e6acb14" providerId="ADAL" clId="{0DEF61E0-9B94-4F73-BF49-E1F6036FE9B2}" dt="2024-03-29T22:13:40.030" v="1435" actId="1035"/>
+          <ac:picMkLst>
+            <pc:docMk/>
+            <pc:sldMk cId="2730553850" sldId="261"/>
+            <ac:picMk id="172" creationId="{B1C24983-D51D-B83E-53EC-CB86D9143334}"/>
+          </ac:picMkLst>
+        </pc:picChg>
+        <pc:picChg chg="add mod">
+          <ac:chgData name="Massey, Blake H" userId="1216071c-74eb-431e-bcbb-1fe11e6acb14" providerId="ADAL" clId="{0DEF61E0-9B94-4F73-BF49-E1F6036FE9B2}" dt="2024-03-29T22:13:40.030" v="1435" actId="1035"/>
+          <ac:picMkLst>
+            <pc:docMk/>
+            <pc:sldMk cId="2730553850" sldId="261"/>
+            <ac:picMk id="174" creationId="{02868C8C-2DF8-E4A2-B7AB-AE559CE507D6}"/>
+          </ac:picMkLst>
+        </pc:picChg>
+        <pc:picChg chg="add mod ord">
+          <ac:chgData name="Massey, Blake H" userId="1216071c-74eb-431e-bcbb-1fe11e6acb14" providerId="ADAL" clId="{0DEF61E0-9B94-4F73-BF49-E1F6036FE9B2}" dt="2024-03-29T22:06:57.188" v="1374" actId="164"/>
+          <ac:picMkLst>
+            <pc:docMk/>
+            <pc:sldMk cId="2730553850" sldId="261"/>
+            <ac:picMk id="175" creationId="{B4DAFF50-21C8-0644-8F92-80A616C3F1E8}"/>
+          </ac:picMkLst>
+        </pc:picChg>
+        <pc:cxnChg chg="mod">
+          <ac:chgData name="Massey, Blake H" userId="1216071c-74eb-431e-bcbb-1fe11e6acb14" providerId="ADAL" clId="{0DEF61E0-9B94-4F73-BF49-E1F6036FE9B2}" dt="2024-03-29T22:13:40.030" v="1435" actId="1035"/>
+          <ac:cxnSpMkLst>
+            <pc:docMk/>
+            <pc:sldMk cId="2730553850" sldId="261"/>
+            <ac:cxnSpMk id="33" creationId="{9D803F70-E6F0-9DB9-014C-9311D3C802BB}"/>
+          </ac:cxnSpMkLst>
+        </pc:cxnChg>
+        <pc:cxnChg chg="add del mod">
+          <ac:chgData name="Massey, Blake H" userId="1216071c-74eb-431e-bcbb-1fe11e6acb14" providerId="ADAL" clId="{0DEF61E0-9B94-4F73-BF49-E1F6036FE9B2}" dt="2024-03-29T21:17:46.481" v="838" actId="478"/>
+          <ac:cxnSpMkLst>
+            <pc:docMk/>
+            <pc:sldMk cId="2730553850" sldId="261"/>
+            <ac:cxnSpMk id="40" creationId="{308E77B0-EB36-3F25-BF0B-30725AE9FBC5}"/>
+          </ac:cxnSpMkLst>
+        </pc:cxnChg>
+        <pc:cxnChg chg="del mod">
+          <ac:chgData name="Massey, Blake H" userId="1216071c-74eb-431e-bcbb-1fe11e6acb14" providerId="ADAL" clId="{0DEF61E0-9B94-4F73-BF49-E1F6036FE9B2}" dt="2024-03-29T20:48:09.596" v="433" actId="478"/>
+          <ac:cxnSpMkLst>
+            <pc:docMk/>
+            <pc:sldMk cId="2730553850" sldId="261"/>
+            <ac:cxnSpMk id="46" creationId="{4A93E6C3-F674-C7D9-DCAC-2FB038E2C341}"/>
+          </ac:cxnSpMkLst>
+        </pc:cxnChg>
+        <pc:cxnChg chg="add mod">
+          <ac:chgData name="Massey, Blake H" userId="1216071c-74eb-431e-bcbb-1fe11e6acb14" providerId="ADAL" clId="{0DEF61E0-9B94-4F73-BF49-E1F6036FE9B2}" dt="2024-03-29T22:13:40.030" v="1435" actId="1035"/>
+          <ac:cxnSpMkLst>
+            <pc:docMk/>
+            <pc:sldMk cId="2730553850" sldId="261"/>
+            <ac:cxnSpMk id="76" creationId="{9F6CB291-2D27-F794-CB4D-9A2F20BBB41F}"/>
+          </ac:cxnSpMkLst>
+        </pc:cxnChg>
+        <pc:cxnChg chg="add mod">
+          <ac:chgData name="Massey, Blake H" userId="1216071c-74eb-431e-bcbb-1fe11e6acb14" providerId="ADAL" clId="{0DEF61E0-9B94-4F73-BF49-E1F6036FE9B2}" dt="2024-03-29T22:13:40.030" v="1435" actId="1035"/>
+          <ac:cxnSpMkLst>
+            <pc:docMk/>
+            <pc:sldMk cId="2730553850" sldId="261"/>
+            <ac:cxnSpMk id="83" creationId="{1E036DBE-F87F-05FB-1403-D57BB6F90ABD}"/>
+          </ac:cxnSpMkLst>
+        </pc:cxnChg>
+        <pc:cxnChg chg="add mod">
+          <ac:chgData name="Massey, Blake H" userId="1216071c-74eb-431e-bcbb-1fe11e6acb14" providerId="ADAL" clId="{0DEF61E0-9B94-4F73-BF49-E1F6036FE9B2}" dt="2024-03-29T22:13:40.030" v="1435" actId="1035"/>
+          <ac:cxnSpMkLst>
+            <pc:docMk/>
+            <pc:sldMk cId="2730553850" sldId="261"/>
+            <ac:cxnSpMk id="96" creationId="{1C462A0B-0EB8-F384-E496-EA8D6A4FD96D}"/>
+          </ac:cxnSpMkLst>
+        </pc:cxnChg>
+        <pc:cxnChg chg="add mod">
+          <ac:chgData name="Massey, Blake H" userId="1216071c-74eb-431e-bcbb-1fe11e6acb14" providerId="ADAL" clId="{0DEF61E0-9B94-4F73-BF49-E1F6036FE9B2}" dt="2024-03-29T22:13:40.030" v="1435" actId="1035"/>
+          <ac:cxnSpMkLst>
+            <pc:docMk/>
+            <pc:sldMk cId="2730553850" sldId="261"/>
+            <ac:cxnSpMk id="101" creationId="{E99DA6AC-FBB7-200B-43E5-84F9193ED14D}"/>
+          </ac:cxnSpMkLst>
+        </pc:cxnChg>
+        <pc:cxnChg chg="add mod">
+          <ac:chgData name="Massey, Blake H" userId="1216071c-74eb-431e-bcbb-1fe11e6acb14" providerId="ADAL" clId="{0DEF61E0-9B94-4F73-BF49-E1F6036FE9B2}" dt="2024-03-29T22:13:40.030" v="1435" actId="1035"/>
+          <ac:cxnSpMkLst>
+            <pc:docMk/>
+            <pc:sldMk cId="2730553850" sldId="261"/>
+            <ac:cxnSpMk id="103" creationId="{C05BD209-B602-9B58-5F82-061079C75049}"/>
+          </ac:cxnSpMkLst>
+        </pc:cxnChg>
+        <pc:cxnChg chg="add mod">
+          <ac:chgData name="Massey, Blake H" userId="1216071c-74eb-431e-bcbb-1fe11e6acb14" providerId="ADAL" clId="{0DEF61E0-9B94-4F73-BF49-E1F6036FE9B2}" dt="2024-03-29T22:13:40.030" v="1435" actId="1035"/>
+          <ac:cxnSpMkLst>
+            <pc:docMk/>
+            <pc:sldMk cId="2730553850" sldId="261"/>
+            <ac:cxnSpMk id="109" creationId="{CC472F0F-58A3-CC2B-BAC6-24CAE5D52181}"/>
+          </ac:cxnSpMkLst>
+        </pc:cxnChg>
+        <pc:cxnChg chg="add mod">
+          <ac:chgData name="Massey, Blake H" userId="1216071c-74eb-431e-bcbb-1fe11e6acb14" providerId="ADAL" clId="{0DEF61E0-9B94-4F73-BF49-E1F6036FE9B2}" dt="2024-03-29T22:13:40.030" v="1435" actId="1035"/>
+          <ac:cxnSpMkLst>
+            <pc:docMk/>
+            <pc:sldMk cId="2730553850" sldId="261"/>
+            <ac:cxnSpMk id="125" creationId="{00F40E3E-D856-2F43-CB22-222BB0893DCF}"/>
+          </ac:cxnSpMkLst>
+        </pc:cxnChg>
+      </pc:sldChg>
+    </pc:docChg>
+  </pc:docChgLst>
+  <pc:docChgLst>
     <pc:chgData name="Massey, Blake H" userId="1216071c-74eb-431e-bcbb-1fe11e6acb14" providerId="ADAL" clId="{9B5BB111-18D0-41BF-894C-E06DD96F2754}"/>
     <pc:docChg chg="undo custSel addSld delSld modSld sldOrd">
       <pc:chgData name="Massey, Blake H" userId="1216071c-74eb-431e-bcbb-1fe11e6acb14" providerId="ADAL" clId="{9B5BB111-18D0-41BF-894C-E06DD96F2754}" dt="2024-03-29T19:55:27.192" v="4373" actId="1076"/>
@@ -1444,2196 +3634,6 @@
             <ac:picMk id="6" creationId="{4E78F235-F73D-2B56-EC56-F9DCA1CEED7D}"/>
           </ac:picMkLst>
         </pc:picChg>
-      </pc:sldChg>
-    </pc:docChg>
-  </pc:docChgLst>
-  <pc:docChgLst>
-    <pc:chgData name="Massey, Blake H" userId="1216071c-74eb-431e-bcbb-1fe11e6acb14" providerId="ADAL" clId="{0DEF61E0-9B94-4F73-BF49-E1F6036FE9B2}"/>
-    <pc:docChg chg="undo redo custSel addSld modSld">
-      <pc:chgData name="Massey, Blake H" userId="1216071c-74eb-431e-bcbb-1fe11e6acb14" providerId="ADAL" clId="{0DEF61E0-9B94-4F73-BF49-E1F6036FE9B2}" dt="2024-03-29T22:15:03.977" v="1446" actId="1076"/>
-      <pc:docMkLst>
-        <pc:docMk/>
-      </pc:docMkLst>
-      <pc:sldChg chg="modSp mod">
-        <pc:chgData name="Massey, Blake H" userId="1216071c-74eb-431e-bcbb-1fe11e6acb14" providerId="ADAL" clId="{0DEF61E0-9B94-4F73-BF49-E1F6036FE9B2}" dt="2024-03-29T20:14:31.371" v="0" actId="14100"/>
-        <pc:sldMkLst>
-          <pc:docMk/>
-          <pc:sldMk cId="3470814038" sldId="257"/>
-        </pc:sldMkLst>
-        <pc:spChg chg="mod">
-          <ac:chgData name="Massey, Blake H" userId="1216071c-74eb-431e-bcbb-1fe11e6acb14" providerId="ADAL" clId="{0DEF61E0-9B94-4F73-BF49-E1F6036FE9B2}" dt="2024-03-29T20:14:31.371" v="0" actId="14100"/>
-          <ac:spMkLst>
-            <pc:docMk/>
-            <pc:sldMk cId="3470814038" sldId="257"/>
-            <ac:spMk id="2" creationId="{C6D7EDB4-FD3B-3F21-C1E5-4E7C1CAD358F}"/>
-          </ac:spMkLst>
-        </pc:spChg>
-        <pc:spChg chg="mod">
-          <ac:chgData name="Massey, Blake H" userId="1216071c-74eb-431e-bcbb-1fe11e6acb14" providerId="ADAL" clId="{0DEF61E0-9B94-4F73-BF49-E1F6036FE9B2}" dt="2024-03-29T20:14:31.371" v="0" actId="14100"/>
-          <ac:spMkLst>
-            <pc:docMk/>
-            <pc:sldMk cId="3470814038" sldId="257"/>
-            <ac:spMk id="5" creationId="{9C784F2B-BD30-B7CF-FD14-098812CE82B1}"/>
-          </ac:spMkLst>
-        </pc:spChg>
-        <pc:spChg chg="mod">
-          <ac:chgData name="Massey, Blake H" userId="1216071c-74eb-431e-bcbb-1fe11e6acb14" providerId="ADAL" clId="{0DEF61E0-9B94-4F73-BF49-E1F6036FE9B2}" dt="2024-03-29T20:14:31.371" v="0" actId="14100"/>
-          <ac:spMkLst>
-            <pc:docMk/>
-            <pc:sldMk cId="3470814038" sldId="257"/>
-            <ac:spMk id="6" creationId="{C0ED4C0B-29A1-FEBD-C7B3-A27EAD704DBB}"/>
-          </ac:spMkLst>
-        </pc:spChg>
-        <pc:spChg chg="mod">
-          <ac:chgData name="Massey, Blake H" userId="1216071c-74eb-431e-bcbb-1fe11e6acb14" providerId="ADAL" clId="{0DEF61E0-9B94-4F73-BF49-E1F6036FE9B2}" dt="2024-03-29T20:14:31.371" v="0" actId="14100"/>
-          <ac:spMkLst>
-            <pc:docMk/>
-            <pc:sldMk cId="3470814038" sldId="257"/>
-            <ac:spMk id="7" creationId="{158518F8-6554-DA3F-DA70-892F60A9FDEF}"/>
-          </ac:spMkLst>
-        </pc:spChg>
-        <pc:spChg chg="mod">
-          <ac:chgData name="Massey, Blake H" userId="1216071c-74eb-431e-bcbb-1fe11e6acb14" providerId="ADAL" clId="{0DEF61E0-9B94-4F73-BF49-E1F6036FE9B2}" dt="2024-03-29T20:14:31.371" v="0" actId="14100"/>
-          <ac:spMkLst>
-            <pc:docMk/>
-            <pc:sldMk cId="3470814038" sldId="257"/>
-            <ac:spMk id="8" creationId="{D78234E5-DBCC-C80C-6C75-758B044206BE}"/>
-          </ac:spMkLst>
-        </pc:spChg>
-        <pc:spChg chg="mod">
-          <ac:chgData name="Massey, Blake H" userId="1216071c-74eb-431e-bcbb-1fe11e6acb14" providerId="ADAL" clId="{0DEF61E0-9B94-4F73-BF49-E1F6036FE9B2}" dt="2024-03-29T20:14:31.371" v="0" actId="14100"/>
-          <ac:spMkLst>
-            <pc:docMk/>
-            <pc:sldMk cId="3470814038" sldId="257"/>
-            <ac:spMk id="9" creationId="{CA81148F-B85C-8ECF-C9FB-83B25E18184B}"/>
-          </ac:spMkLst>
-        </pc:spChg>
-        <pc:spChg chg="mod">
-          <ac:chgData name="Massey, Blake H" userId="1216071c-74eb-431e-bcbb-1fe11e6acb14" providerId="ADAL" clId="{0DEF61E0-9B94-4F73-BF49-E1F6036FE9B2}" dt="2024-03-29T20:14:31.371" v="0" actId="14100"/>
-          <ac:spMkLst>
-            <pc:docMk/>
-            <pc:sldMk cId="3470814038" sldId="257"/>
-            <ac:spMk id="10" creationId="{96F2D7BC-23E3-0FEA-6A3F-B5FC7F8A566E}"/>
-          </ac:spMkLst>
-        </pc:spChg>
-        <pc:spChg chg="mod">
-          <ac:chgData name="Massey, Blake H" userId="1216071c-74eb-431e-bcbb-1fe11e6acb14" providerId="ADAL" clId="{0DEF61E0-9B94-4F73-BF49-E1F6036FE9B2}" dt="2024-03-29T20:14:31.371" v="0" actId="14100"/>
-          <ac:spMkLst>
-            <pc:docMk/>
-            <pc:sldMk cId="3470814038" sldId="257"/>
-            <ac:spMk id="11" creationId="{A9F513F6-0E22-486E-55ED-5DBFAB1BD5B7}"/>
-          </ac:spMkLst>
-        </pc:spChg>
-        <pc:spChg chg="mod">
-          <ac:chgData name="Massey, Blake H" userId="1216071c-74eb-431e-bcbb-1fe11e6acb14" providerId="ADAL" clId="{0DEF61E0-9B94-4F73-BF49-E1F6036FE9B2}" dt="2024-03-29T20:14:31.371" v="0" actId="14100"/>
-          <ac:spMkLst>
-            <pc:docMk/>
-            <pc:sldMk cId="3470814038" sldId="257"/>
-            <ac:spMk id="12" creationId="{7345C7FD-DE64-B7D8-19DA-F0F64EDB72EC}"/>
-          </ac:spMkLst>
-        </pc:spChg>
-        <pc:spChg chg="mod">
-          <ac:chgData name="Massey, Blake H" userId="1216071c-74eb-431e-bcbb-1fe11e6acb14" providerId="ADAL" clId="{0DEF61E0-9B94-4F73-BF49-E1F6036FE9B2}" dt="2024-03-29T20:14:31.371" v="0" actId="14100"/>
-          <ac:spMkLst>
-            <pc:docMk/>
-            <pc:sldMk cId="3470814038" sldId="257"/>
-            <ac:spMk id="14" creationId="{B2B3B874-005B-DD6C-B55B-D7CF6EF149A4}"/>
-          </ac:spMkLst>
-        </pc:spChg>
-        <pc:spChg chg="mod">
-          <ac:chgData name="Massey, Blake H" userId="1216071c-74eb-431e-bcbb-1fe11e6acb14" providerId="ADAL" clId="{0DEF61E0-9B94-4F73-BF49-E1F6036FE9B2}" dt="2024-03-29T20:14:31.371" v="0" actId="14100"/>
-          <ac:spMkLst>
-            <pc:docMk/>
-            <pc:sldMk cId="3470814038" sldId="257"/>
-            <ac:spMk id="15" creationId="{536CCEF9-2FEF-B8C1-1FBA-82D5F4801B80}"/>
-          </ac:spMkLst>
-        </pc:spChg>
-        <pc:spChg chg="mod">
-          <ac:chgData name="Massey, Blake H" userId="1216071c-74eb-431e-bcbb-1fe11e6acb14" providerId="ADAL" clId="{0DEF61E0-9B94-4F73-BF49-E1F6036FE9B2}" dt="2024-03-29T20:14:31.371" v="0" actId="14100"/>
-          <ac:spMkLst>
-            <pc:docMk/>
-            <pc:sldMk cId="3470814038" sldId="257"/>
-            <ac:spMk id="19" creationId="{9E8D9B5A-1FDA-32FE-B440-5A8D96DB3C8C}"/>
-          </ac:spMkLst>
-        </pc:spChg>
-        <pc:spChg chg="mod">
-          <ac:chgData name="Massey, Blake H" userId="1216071c-74eb-431e-bcbb-1fe11e6acb14" providerId="ADAL" clId="{0DEF61E0-9B94-4F73-BF49-E1F6036FE9B2}" dt="2024-03-29T20:14:31.371" v="0" actId="14100"/>
-          <ac:spMkLst>
-            <pc:docMk/>
-            <pc:sldMk cId="3470814038" sldId="257"/>
-            <ac:spMk id="20" creationId="{A042BE74-B314-9947-D83F-A21EA3E2F1D2}"/>
-          </ac:spMkLst>
-        </pc:spChg>
-        <pc:spChg chg="mod">
-          <ac:chgData name="Massey, Blake H" userId="1216071c-74eb-431e-bcbb-1fe11e6acb14" providerId="ADAL" clId="{0DEF61E0-9B94-4F73-BF49-E1F6036FE9B2}" dt="2024-03-29T20:14:31.371" v="0" actId="14100"/>
-          <ac:spMkLst>
-            <pc:docMk/>
-            <pc:sldMk cId="3470814038" sldId="257"/>
-            <ac:spMk id="22" creationId="{0194F109-1239-8F25-9C57-81D816AB803E}"/>
-          </ac:spMkLst>
-        </pc:spChg>
-        <pc:spChg chg="mod">
-          <ac:chgData name="Massey, Blake H" userId="1216071c-74eb-431e-bcbb-1fe11e6acb14" providerId="ADAL" clId="{0DEF61E0-9B94-4F73-BF49-E1F6036FE9B2}" dt="2024-03-29T20:14:31.371" v="0" actId="14100"/>
-          <ac:spMkLst>
-            <pc:docMk/>
-            <pc:sldMk cId="3470814038" sldId="257"/>
-            <ac:spMk id="30" creationId="{2F5831CF-A934-61AF-2C90-1671582D4EED}"/>
-          </ac:spMkLst>
-        </pc:spChg>
-        <pc:spChg chg="mod">
-          <ac:chgData name="Massey, Blake H" userId="1216071c-74eb-431e-bcbb-1fe11e6acb14" providerId="ADAL" clId="{0DEF61E0-9B94-4F73-BF49-E1F6036FE9B2}" dt="2024-03-29T20:14:31.371" v="0" actId="14100"/>
-          <ac:spMkLst>
-            <pc:docMk/>
-            <pc:sldMk cId="3470814038" sldId="257"/>
-            <ac:spMk id="31" creationId="{360D0355-1AFA-65A8-6AE7-03959C98E877}"/>
-          </ac:spMkLst>
-        </pc:spChg>
-        <pc:spChg chg="mod">
-          <ac:chgData name="Massey, Blake H" userId="1216071c-74eb-431e-bcbb-1fe11e6acb14" providerId="ADAL" clId="{0DEF61E0-9B94-4F73-BF49-E1F6036FE9B2}" dt="2024-03-29T20:14:31.371" v="0" actId="14100"/>
-          <ac:spMkLst>
-            <pc:docMk/>
-            <pc:sldMk cId="3470814038" sldId="257"/>
-            <ac:spMk id="34" creationId="{5CCF5D9D-B421-F7BC-9B06-59D11E3814A9}"/>
-          </ac:spMkLst>
-        </pc:spChg>
-        <pc:spChg chg="mod">
-          <ac:chgData name="Massey, Blake H" userId="1216071c-74eb-431e-bcbb-1fe11e6acb14" providerId="ADAL" clId="{0DEF61E0-9B94-4F73-BF49-E1F6036FE9B2}" dt="2024-03-29T20:14:31.371" v="0" actId="14100"/>
-          <ac:spMkLst>
-            <pc:docMk/>
-            <pc:sldMk cId="3470814038" sldId="257"/>
-            <ac:spMk id="35" creationId="{735AA4E5-285C-8234-2C4A-31D0880265D4}"/>
-          </ac:spMkLst>
-        </pc:spChg>
-        <pc:spChg chg="mod">
-          <ac:chgData name="Massey, Blake H" userId="1216071c-74eb-431e-bcbb-1fe11e6acb14" providerId="ADAL" clId="{0DEF61E0-9B94-4F73-BF49-E1F6036FE9B2}" dt="2024-03-29T20:14:31.371" v="0" actId="14100"/>
-          <ac:spMkLst>
-            <pc:docMk/>
-            <pc:sldMk cId="3470814038" sldId="257"/>
-            <ac:spMk id="36" creationId="{03F0A668-45A1-B389-1247-015A5CE1A589}"/>
-          </ac:spMkLst>
-        </pc:spChg>
-        <pc:spChg chg="mod">
-          <ac:chgData name="Massey, Blake H" userId="1216071c-74eb-431e-bcbb-1fe11e6acb14" providerId="ADAL" clId="{0DEF61E0-9B94-4F73-BF49-E1F6036FE9B2}" dt="2024-03-29T20:14:31.371" v="0" actId="14100"/>
-          <ac:spMkLst>
-            <pc:docMk/>
-            <pc:sldMk cId="3470814038" sldId="257"/>
-            <ac:spMk id="37" creationId="{A8E7AFD9-CBB1-EF31-F3C0-0BF1A22593C5}"/>
-          </ac:spMkLst>
-        </pc:spChg>
-        <pc:spChg chg="mod">
-          <ac:chgData name="Massey, Blake H" userId="1216071c-74eb-431e-bcbb-1fe11e6acb14" providerId="ADAL" clId="{0DEF61E0-9B94-4F73-BF49-E1F6036FE9B2}" dt="2024-03-29T20:14:31.371" v="0" actId="14100"/>
-          <ac:spMkLst>
-            <pc:docMk/>
-            <pc:sldMk cId="3470814038" sldId="257"/>
-            <ac:spMk id="43" creationId="{AE4D0B4E-D804-DF50-C155-930F465ACADD}"/>
-          </ac:spMkLst>
-        </pc:spChg>
-        <pc:spChg chg="mod">
-          <ac:chgData name="Massey, Blake H" userId="1216071c-74eb-431e-bcbb-1fe11e6acb14" providerId="ADAL" clId="{0DEF61E0-9B94-4F73-BF49-E1F6036FE9B2}" dt="2024-03-29T20:14:31.371" v="0" actId="14100"/>
-          <ac:spMkLst>
-            <pc:docMk/>
-            <pc:sldMk cId="3470814038" sldId="257"/>
-            <ac:spMk id="44" creationId="{9ABB5AD6-CDF4-90F7-D031-C06CA2B78E5E}"/>
-          </ac:spMkLst>
-        </pc:spChg>
-        <pc:spChg chg="mod">
-          <ac:chgData name="Massey, Blake H" userId="1216071c-74eb-431e-bcbb-1fe11e6acb14" providerId="ADAL" clId="{0DEF61E0-9B94-4F73-BF49-E1F6036FE9B2}" dt="2024-03-29T20:14:31.371" v="0" actId="14100"/>
-          <ac:spMkLst>
-            <pc:docMk/>
-            <pc:sldMk cId="3470814038" sldId="257"/>
-            <ac:spMk id="45" creationId="{E10A65E2-CDB0-6FFA-3388-B5D519668B7C}"/>
-          </ac:spMkLst>
-        </pc:spChg>
-        <pc:spChg chg="mod">
-          <ac:chgData name="Massey, Blake H" userId="1216071c-74eb-431e-bcbb-1fe11e6acb14" providerId="ADAL" clId="{0DEF61E0-9B94-4F73-BF49-E1F6036FE9B2}" dt="2024-03-29T20:14:31.371" v="0" actId="14100"/>
-          <ac:spMkLst>
-            <pc:docMk/>
-            <pc:sldMk cId="3470814038" sldId="257"/>
-            <ac:spMk id="47" creationId="{2118B05A-7964-375B-3A12-9C00C556A5DA}"/>
-          </ac:spMkLst>
-        </pc:spChg>
-        <pc:spChg chg="mod">
-          <ac:chgData name="Massey, Blake H" userId="1216071c-74eb-431e-bcbb-1fe11e6acb14" providerId="ADAL" clId="{0DEF61E0-9B94-4F73-BF49-E1F6036FE9B2}" dt="2024-03-29T20:14:31.371" v="0" actId="14100"/>
-          <ac:spMkLst>
-            <pc:docMk/>
-            <pc:sldMk cId="3470814038" sldId="257"/>
-            <ac:spMk id="48" creationId="{C7678E9F-89CB-C1A1-69DB-EFEDAFD55EAA}"/>
-          </ac:spMkLst>
-        </pc:spChg>
-        <pc:spChg chg="mod">
-          <ac:chgData name="Massey, Blake H" userId="1216071c-74eb-431e-bcbb-1fe11e6acb14" providerId="ADAL" clId="{0DEF61E0-9B94-4F73-BF49-E1F6036FE9B2}" dt="2024-03-29T20:14:31.371" v="0" actId="14100"/>
-          <ac:spMkLst>
-            <pc:docMk/>
-            <pc:sldMk cId="3470814038" sldId="257"/>
-            <ac:spMk id="50" creationId="{BC66ABE0-6398-AD5E-510A-7674AA67220E}"/>
-          </ac:spMkLst>
-        </pc:spChg>
-        <pc:spChg chg="mod">
-          <ac:chgData name="Massey, Blake H" userId="1216071c-74eb-431e-bcbb-1fe11e6acb14" providerId="ADAL" clId="{0DEF61E0-9B94-4F73-BF49-E1F6036FE9B2}" dt="2024-03-29T20:14:31.371" v="0" actId="14100"/>
-          <ac:spMkLst>
-            <pc:docMk/>
-            <pc:sldMk cId="3470814038" sldId="257"/>
-            <ac:spMk id="55" creationId="{73A35280-927E-130D-510B-62EC7B37D744}"/>
-          </ac:spMkLst>
-        </pc:spChg>
-        <pc:spChg chg="mod">
-          <ac:chgData name="Massey, Blake H" userId="1216071c-74eb-431e-bcbb-1fe11e6acb14" providerId="ADAL" clId="{0DEF61E0-9B94-4F73-BF49-E1F6036FE9B2}" dt="2024-03-29T20:14:31.371" v="0" actId="14100"/>
-          <ac:spMkLst>
-            <pc:docMk/>
-            <pc:sldMk cId="3470814038" sldId="257"/>
-            <ac:spMk id="56" creationId="{52B040F8-D70B-EA98-9DFD-330E91A539FA}"/>
-          </ac:spMkLst>
-        </pc:spChg>
-        <pc:spChg chg="mod">
-          <ac:chgData name="Massey, Blake H" userId="1216071c-74eb-431e-bcbb-1fe11e6acb14" providerId="ADAL" clId="{0DEF61E0-9B94-4F73-BF49-E1F6036FE9B2}" dt="2024-03-29T20:14:31.371" v="0" actId="14100"/>
-          <ac:spMkLst>
-            <pc:docMk/>
-            <pc:sldMk cId="3470814038" sldId="257"/>
-            <ac:spMk id="57" creationId="{D41BE97E-798E-AB3D-A375-7E77E3258CC1}"/>
-          </ac:spMkLst>
-        </pc:spChg>
-        <pc:spChg chg="mod">
-          <ac:chgData name="Massey, Blake H" userId="1216071c-74eb-431e-bcbb-1fe11e6acb14" providerId="ADAL" clId="{0DEF61E0-9B94-4F73-BF49-E1F6036FE9B2}" dt="2024-03-29T20:14:31.371" v="0" actId="14100"/>
-          <ac:spMkLst>
-            <pc:docMk/>
-            <pc:sldMk cId="3470814038" sldId="257"/>
-            <ac:spMk id="58" creationId="{0B3771BF-54C6-F688-A42C-36C117E9D7D1}"/>
-          </ac:spMkLst>
-        </pc:spChg>
-        <pc:spChg chg="mod">
-          <ac:chgData name="Massey, Blake H" userId="1216071c-74eb-431e-bcbb-1fe11e6acb14" providerId="ADAL" clId="{0DEF61E0-9B94-4F73-BF49-E1F6036FE9B2}" dt="2024-03-29T20:14:31.371" v="0" actId="14100"/>
-          <ac:spMkLst>
-            <pc:docMk/>
-            <pc:sldMk cId="3470814038" sldId="257"/>
-            <ac:spMk id="60" creationId="{2F16BE41-977E-89C8-E289-6ECADFB502F3}"/>
-          </ac:spMkLst>
-        </pc:spChg>
-        <pc:spChg chg="mod">
-          <ac:chgData name="Massey, Blake H" userId="1216071c-74eb-431e-bcbb-1fe11e6acb14" providerId="ADAL" clId="{0DEF61E0-9B94-4F73-BF49-E1F6036FE9B2}" dt="2024-03-29T20:14:31.371" v="0" actId="14100"/>
-          <ac:spMkLst>
-            <pc:docMk/>
-            <pc:sldMk cId="3470814038" sldId="257"/>
-            <ac:spMk id="61" creationId="{F8339712-6E32-8D42-5948-54FC8BCC877E}"/>
-          </ac:spMkLst>
-        </pc:spChg>
-        <pc:spChg chg="mod">
-          <ac:chgData name="Massey, Blake H" userId="1216071c-74eb-431e-bcbb-1fe11e6acb14" providerId="ADAL" clId="{0DEF61E0-9B94-4F73-BF49-E1F6036FE9B2}" dt="2024-03-29T20:14:31.371" v="0" actId="14100"/>
-          <ac:spMkLst>
-            <pc:docMk/>
-            <pc:sldMk cId="3470814038" sldId="257"/>
-            <ac:spMk id="62" creationId="{40B3F6D7-0C7D-D56D-0BF6-260E2058C78E}"/>
-          </ac:spMkLst>
-        </pc:spChg>
-        <pc:spChg chg="mod">
-          <ac:chgData name="Massey, Blake H" userId="1216071c-74eb-431e-bcbb-1fe11e6acb14" providerId="ADAL" clId="{0DEF61E0-9B94-4F73-BF49-E1F6036FE9B2}" dt="2024-03-29T20:14:31.371" v="0" actId="14100"/>
-          <ac:spMkLst>
-            <pc:docMk/>
-            <pc:sldMk cId="3470814038" sldId="257"/>
-            <ac:spMk id="65" creationId="{3148E915-B421-5ECB-94B6-547281E333DC}"/>
-          </ac:spMkLst>
-        </pc:spChg>
-        <pc:spChg chg="mod">
-          <ac:chgData name="Massey, Blake H" userId="1216071c-74eb-431e-bcbb-1fe11e6acb14" providerId="ADAL" clId="{0DEF61E0-9B94-4F73-BF49-E1F6036FE9B2}" dt="2024-03-29T20:14:31.371" v="0" actId="14100"/>
-          <ac:spMkLst>
-            <pc:docMk/>
-            <pc:sldMk cId="3470814038" sldId="257"/>
-            <ac:spMk id="68" creationId="{F36273C8-0697-6513-67CB-4A6B28C69B84}"/>
-          </ac:spMkLst>
-        </pc:spChg>
-        <pc:spChg chg="mod">
-          <ac:chgData name="Massey, Blake H" userId="1216071c-74eb-431e-bcbb-1fe11e6acb14" providerId="ADAL" clId="{0DEF61E0-9B94-4F73-BF49-E1F6036FE9B2}" dt="2024-03-29T20:14:31.371" v="0" actId="14100"/>
-          <ac:spMkLst>
-            <pc:docMk/>
-            <pc:sldMk cId="3470814038" sldId="257"/>
-            <ac:spMk id="69" creationId="{29F62814-CFC8-39D0-B9F0-57EE71C7ACFF}"/>
-          </ac:spMkLst>
-        </pc:spChg>
-        <pc:spChg chg="mod">
-          <ac:chgData name="Massey, Blake H" userId="1216071c-74eb-431e-bcbb-1fe11e6acb14" providerId="ADAL" clId="{0DEF61E0-9B94-4F73-BF49-E1F6036FE9B2}" dt="2024-03-29T20:14:31.371" v="0" actId="14100"/>
-          <ac:spMkLst>
-            <pc:docMk/>
-            <pc:sldMk cId="3470814038" sldId="257"/>
-            <ac:spMk id="73" creationId="{0940A01A-48C3-23A6-4A3E-8664FBD380DA}"/>
-          </ac:spMkLst>
-        </pc:spChg>
-        <pc:spChg chg="mod">
-          <ac:chgData name="Massey, Blake H" userId="1216071c-74eb-431e-bcbb-1fe11e6acb14" providerId="ADAL" clId="{0DEF61E0-9B94-4F73-BF49-E1F6036FE9B2}" dt="2024-03-29T20:14:31.371" v="0" actId="14100"/>
-          <ac:spMkLst>
-            <pc:docMk/>
-            <pc:sldMk cId="3470814038" sldId="257"/>
-            <ac:spMk id="87" creationId="{8E6518E3-6D44-641D-F481-9D840EBDA17D}"/>
-          </ac:spMkLst>
-        </pc:spChg>
-        <pc:spChg chg="mod">
-          <ac:chgData name="Massey, Blake H" userId="1216071c-74eb-431e-bcbb-1fe11e6acb14" providerId="ADAL" clId="{0DEF61E0-9B94-4F73-BF49-E1F6036FE9B2}" dt="2024-03-29T20:14:31.371" v="0" actId="14100"/>
-          <ac:spMkLst>
-            <pc:docMk/>
-            <pc:sldMk cId="3470814038" sldId="257"/>
-            <ac:spMk id="88" creationId="{33F46B86-7DA8-5FB3-3F32-7217833A2CE3}"/>
-          </ac:spMkLst>
-        </pc:spChg>
-        <pc:spChg chg="mod">
-          <ac:chgData name="Massey, Blake H" userId="1216071c-74eb-431e-bcbb-1fe11e6acb14" providerId="ADAL" clId="{0DEF61E0-9B94-4F73-BF49-E1F6036FE9B2}" dt="2024-03-29T20:14:31.371" v="0" actId="14100"/>
-          <ac:spMkLst>
-            <pc:docMk/>
-            <pc:sldMk cId="3470814038" sldId="257"/>
-            <ac:spMk id="90" creationId="{22E8FC40-F874-3C99-B3D5-52B8F5B21C72}"/>
-          </ac:spMkLst>
-        </pc:spChg>
-        <pc:spChg chg="mod">
-          <ac:chgData name="Massey, Blake H" userId="1216071c-74eb-431e-bcbb-1fe11e6acb14" providerId="ADAL" clId="{0DEF61E0-9B94-4F73-BF49-E1F6036FE9B2}" dt="2024-03-29T20:14:31.371" v="0" actId="14100"/>
-          <ac:spMkLst>
-            <pc:docMk/>
-            <pc:sldMk cId="3470814038" sldId="257"/>
-            <ac:spMk id="91" creationId="{68F7EE3E-CC39-16A7-0B46-19FD02153112}"/>
-          </ac:spMkLst>
-        </pc:spChg>
-        <pc:spChg chg="mod">
-          <ac:chgData name="Massey, Blake H" userId="1216071c-74eb-431e-bcbb-1fe11e6acb14" providerId="ADAL" clId="{0DEF61E0-9B94-4F73-BF49-E1F6036FE9B2}" dt="2024-03-29T20:14:31.371" v="0" actId="14100"/>
-          <ac:spMkLst>
-            <pc:docMk/>
-            <pc:sldMk cId="3470814038" sldId="257"/>
-            <ac:spMk id="92" creationId="{D3950819-0500-0A97-A6A3-CB8003029865}"/>
-          </ac:spMkLst>
-        </pc:spChg>
-        <pc:spChg chg="mod">
-          <ac:chgData name="Massey, Blake H" userId="1216071c-74eb-431e-bcbb-1fe11e6acb14" providerId="ADAL" clId="{0DEF61E0-9B94-4F73-BF49-E1F6036FE9B2}" dt="2024-03-29T20:14:31.371" v="0" actId="14100"/>
-          <ac:spMkLst>
-            <pc:docMk/>
-            <pc:sldMk cId="3470814038" sldId="257"/>
-            <ac:spMk id="95" creationId="{203F77B1-C39E-8623-2DB8-CF3F444BC83B}"/>
-          </ac:spMkLst>
-        </pc:spChg>
-        <pc:spChg chg="mod">
-          <ac:chgData name="Massey, Blake H" userId="1216071c-74eb-431e-bcbb-1fe11e6acb14" providerId="ADAL" clId="{0DEF61E0-9B94-4F73-BF49-E1F6036FE9B2}" dt="2024-03-29T20:14:31.371" v="0" actId="14100"/>
-          <ac:spMkLst>
-            <pc:docMk/>
-            <pc:sldMk cId="3470814038" sldId="257"/>
-            <ac:spMk id="96" creationId="{BBA06137-7EF6-D968-011F-FA8F950BB8BC}"/>
-          </ac:spMkLst>
-        </pc:spChg>
-        <pc:spChg chg="mod">
-          <ac:chgData name="Massey, Blake H" userId="1216071c-74eb-431e-bcbb-1fe11e6acb14" providerId="ADAL" clId="{0DEF61E0-9B94-4F73-BF49-E1F6036FE9B2}" dt="2024-03-29T20:14:31.371" v="0" actId="14100"/>
-          <ac:spMkLst>
-            <pc:docMk/>
-            <pc:sldMk cId="3470814038" sldId="257"/>
-            <ac:spMk id="97" creationId="{6F69F4FD-0E4D-F8C9-FE4B-7CF4329E7E6C}"/>
-          </ac:spMkLst>
-        </pc:spChg>
-        <pc:spChg chg="mod">
-          <ac:chgData name="Massey, Blake H" userId="1216071c-74eb-431e-bcbb-1fe11e6acb14" providerId="ADAL" clId="{0DEF61E0-9B94-4F73-BF49-E1F6036FE9B2}" dt="2024-03-29T20:14:31.371" v="0" actId="14100"/>
-          <ac:spMkLst>
-            <pc:docMk/>
-            <pc:sldMk cId="3470814038" sldId="257"/>
-            <ac:spMk id="98" creationId="{EC4D91F2-D68E-465C-B52A-8C5104B03C7A}"/>
-          </ac:spMkLst>
-        </pc:spChg>
-        <pc:spChg chg="mod">
-          <ac:chgData name="Massey, Blake H" userId="1216071c-74eb-431e-bcbb-1fe11e6acb14" providerId="ADAL" clId="{0DEF61E0-9B94-4F73-BF49-E1F6036FE9B2}" dt="2024-03-29T20:14:31.371" v="0" actId="14100"/>
-          <ac:spMkLst>
-            <pc:docMk/>
-            <pc:sldMk cId="3470814038" sldId="257"/>
-            <ac:spMk id="99" creationId="{80B836AB-3111-E8A7-0581-EA9AFE00126D}"/>
-          </ac:spMkLst>
-        </pc:spChg>
-        <pc:picChg chg="mod">
-          <ac:chgData name="Massey, Blake H" userId="1216071c-74eb-431e-bcbb-1fe11e6acb14" providerId="ADAL" clId="{0DEF61E0-9B94-4F73-BF49-E1F6036FE9B2}" dt="2024-03-29T20:14:31.371" v="0" actId="14100"/>
-          <ac:picMkLst>
-            <pc:docMk/>
-            <pc:sldMk cId="3470814038" sldId="257"/>
-            <ac:picMk id="23" creationId="{A4C0F57B-7CA2-E249-E5FE-972D04EF8F61}"/>
-          </ac:picMkLst>
-        </pc:picChg>
-        <pc:picChg chg="mod">
-          <ac:chgData name="Massey, Blake H" userId="1216071c-74eb-431e-bcbb-1fe11e6acb14" providerId="ADAL" clId="{0DEF61E0-9B94-4F73-BF49-E1F6036FE9B2}" dt="2024-03-29T20:14:31.371" v="0" actId="14100"/>
-          <ac:picMkLst>
-            <pc:docMk/>
-            <pc:sldMk cId="3470814038" sldId="257"/>
-            <ac:picMk id="24" creationId="{B67FE64A-324E-05EA-58D4-7C925332E04F}"/>
-          </ac:picMkLst>
-        </pc:picChg>
-        <pc:picChg chg="mod">
-          <ac:chgData name="Massey, Blake H" userId="1216071c-74eb-431e-bcbb-1fe11e6acb14" providerId="ADAL" clId="{0DEF61E0-9B94-4F73-BF49-E1F6036FE9B2}" dt="2024-03-29T20:14:31.371" v="0" actId="14100"/>
-          <ac:picMkLst>
-            <pc:docMk/>
-            <pc:sldMk cId="3470814038" sldId="257"/>
-            <ac:picMk id="25" creationId="{27751067-ED23-6063-B12A-517C7A8C4378}"/>
-          </ac:picMkLst>
-        </pc:picChg>
-        <pc:picChg chg="mod">
-          <ac:chgData name="Massey, Blake H" userId="1216071c-74eb-431e-bcbb-1fe11e6acb14" providerId="ADAL" clId="{0DEF61E0-9B94-4F73-BF49-E1F6036FE9B2}" dt="2024-03-29T20:14:31.371" v="0" actId="14100"/>
-          <ac:picMkLst>
-            <pc:docMk/>
-            <pc:sldMk cId="3470814038" sldId="257"/>
-            <ac:picMk id="26" creationId="{A8C40695-86F8-BF25-600B-227001E1591F}"/>
-          </ac:picMkLst>
-        </pc:picChg>
-        <pc:picChg chg="mod">
-          <ac:chgData name="Massey, Blake H" userId="1216071c-74eb-431e-bcbb-1fe11e6acb14" providerId="ADAL" clId="{0DEF61E0-9B94-4F73-BF49-E1F6036FE9B2}" dt="2024-03-29T20:14:31.371" v="0" actId="14100"/>
-          <ac:picMkLst>
-            <pc:docMk/>
-            <pc:sldMk cId="3470814038" sldId="257"/>
-            <ac:picMk id="28" creationId="{B1425988-6125-18AB-0532-3A80296CEE71}"/>
-          </ac:picMkLst>
-        </pc:picChg>
-        <pc:picChg chg="mod">
-          <ac:chgData name="Massey, Blake H" userId="1216071c-74eb-431e-bcbb-1fe11e6acb14" providerId="ADAL" clId="{0DEF61E0-9B94-4F73-BF49-E1F6036FE9B2}" dt="2024-03-29T20:14:31.371" v="0" actId="14100"/>
-          <ac:picMkLst>
-            <pc:docMk/>
-            <pc:sldMk cId="3470814038" sldId="257"/>
-            <ac:picMk id="29" creationId="{58C4F8C9-2A07-1C51-3CC1-4B29B8713EDD}"/>
-          </ac:picMkLst>
-        </pc:picChg>
-        <pc:picChg chg="mod">
-          <ac:chgData name="Massey, Blake H" userId="1216071c-74eb-431e-bcbb-1fe11e6acb14" providerId="ADAL" clId="{0DEF61E0-9B94-4F73-BF49-E1F6036FE9B2}" dt="2024-03-29T20:14:31.371" v="0" actId="14100"/>
-          <ac:picMkLst>
-            <pc:docMk/>
-            <pc:sldMk cId="3470814038" sldId="257"/>
-            <ac:picMk id="32" creationId="{C6A09734-2F7E-3F7A-35C5-BB594D1BEDF4}"/>
-          </ac:picMkLst>
-        </pc:picChg>
-        <pc:picChg chg="mod">
-          <ac:chgData name="Massey, Blake H" userId="1216071c-74eb-431e-bcbb-1fe11e6acb14" providerId="ADAL" clId="{0DEF61E0-9B94-4F73-BF49-E1F6036FE9B2}" dt="2024-03-29T20:14:31.371" v="0" actId="14100"/>
-          <ac:picMkLst>
-            <pc:docMk/>
-            <pc:sldMk cId="3470814038" sldId="257"/>
-            <ac:picMk id="38" creationId="{10F11842-5BDB-90F6-18E8-CAD6EE178E57}"/>
-          </ac:picMkLst>
-        </pc:picChg>
-        <pc:picChg chg="mod">
-          <ac:chgData name="Massey, Blake H" userId="1216071c-74eb-431e-bcbb-1fe11e6acb14" providerId="ADAL" clId="{0DEF61E0-9B94-4F73-BF49-E1F6036FE9B2}" dt="2024-03-29T20:14:31.371" v="0" actId="14100"/>
-          <ac:picMkLst>
-            <pc:docMk/>
-            <pc:sldMk cId="3470814038" sldId="257"/>
-            <ac:picMk id="39" creationId="{AB8DDE93-0810-F9B1-5493-C5E9F50817E6}"/>
-          </ac:picMkLst>
-        </pc:picChg>
-        <pc:picChg chg="mod">
-          <ac:chgData name="Massey, Blake H" userId="1216071c-74eb-431e-bcbb-1fe11e6acb14" providerId="ADAL" clId="{0DEF61E0-9B94-4F73-BF49-E1F6036FE9B2}" dt="2024-03-29T20:14:31.371" v="0" actId="14100"/>
-          <ac:picMkLst>
-            <pc:docMk/>
-            <pc:sldMk cId="3470814038" sldId="257"/>
-            <ac:picMk id="40" creationId="{5ED2A1A3-436F-D97B-E8E3-A3C9E294F032}"/>
-          </ac:picMkLst>
-        </pc:picChg>
-        <pc:picChg chg="mod">
-          <ac:chgData name="Massey, Blake H" userId="1216071c-74eb-431e-bcbb-1fe11e6acb14" providerId="ADAL" clId="{0DEF61E0-9B94-4F73-BF49-E1F6036FE9B2}" dt="2024-03-29T20:14:31.371" v="0" actId="14100"/>
-          <ac:picMkLst>
-            <pc:docMk/>
-            <pc:sldMk cId="3470814038" sldId="257"/>
-            <ac:picMk id="41" creationId="{9CEA991B-3E8B-5133-84E2-24611612587E}"/>
-          </ac:picMkLst>
-        </pc:picChg>
-        <pc:picChg chg="mod">
-          <ac:chgData name="Massey, Blake H" userId="1216071c-74eb-431e-bcbb-1fe11e6acb14" providerId="ADAL" clId="{0DEF61E0-9B94-4F73-BF49-E1F6036FE9B2}" dt="2024-03-29T20:14:31.371" v="0" actId="14100"/>
-          <ac:picMkLst>
-            <pc:docMk/>
-            <pc:sldMk cId="3470814038" sldId="257"/>
-            <ac:picMk id="49" creationId="{46A1D06F-ACEE-F836-0833-9E83CD9E4816}"/>
-          </ac:picMkLst>
-        </pc:picChg>
-        <pc:picChg chg="mod">
-          <ac:chgData name="Massey, Blake H" userId="1216071c-74eb-431e-bcbb-1fe11e6acb14" providerId="ADAL" clId="{0DEF61E0-9B94-4F73-BF49-E1F6036FE9B2}" dt="2024-03-29T20:14:31.371" v="0" actId="14100"/>
-          <ac:picMkLst>
-            <pc:docMk/>
-            <pc:sldMk cId="3470814038" sldId="257"/>
-            <ac:picMk id="51" creationId="{41EF9C00-E6FC-45B8-4759-1B655A5F15A9}"/>
-          </ac:picMkLst>
-        </pc:picChg>
-        <pc:picChg chg="mod">
-          <ac:chgData name="Massey, Blake H" userId="1216071c-74eb-431e-bcbb-1fe11e6acb14" providerId="ADAL" clId="{0DEF61E0-9B94-4F73-BF49-E1F6036FE9B2}" dt="2024-03-29T20:14:31.371" v="0" actId="14100"/>
-          <ac:picMkLst>
-            <pc:docMk/>
-            <pc:sldMk cId="3470814038" sldId="257"/>
-            <ac:picMk id="52" creationId="{21C70283-550B-5D7E-DEF9-4F5489AFC1C4}"/>
-          </ac:picMkLst>
-        </pc:picChg>
-        <pc:picChg chg="mod">
-          <ac:chgData name="Massey, Blake H" userId="1216071c-74eb-431e-bcbb-1fe11e6acb14" providerId="ADAL" clId="{0DEF61E0-9B94-4F73-BF49-E1F6036FE9B2}" dt="2024-03-29T20:14:31.371" v="0" actId="14100"/>
-          <ac:picMkLst>
-            <pc:docMk/>
-            <pc:sldMk cId="3470814038" sldId="257"/>
-            <ac:picMk id="53" creationId="{5C037FA1-07FA-55C0-E0DB-D857201A864F}"/>
-          </ac:picMkLst>
-        </pc:picChg>
-        <pc:picChg chg="mod">
-          <ac:chgData name="Massey, Blake H" userId="1216071c-74eb-431e-bcbb-1fe11e6acb14" providerId="ADAL" clId="{0DEF61E0-9B94-4F73-BF49-E1F6036FE9B2}" dt="2024-03-29T20:14:31.371" v="0" actId="14100"/>
-          <ac:picMkLst>
-            <pc:docMk/>
-            <pc:sldMk cId="3470814038" sldId="257"/>
-            <ac:picMk id="54" creationId="{21C41065-1747-47F2-2413-9E699E03769E}"/>
-          </ac:picMkLst>
-        </pc:picChg>
-        <pc:picChg chg="mod">
-          <ac:chgData name="Massey, Blake H" userId="1216071c-74eb-431e-bcbb-1fe11e6acb14" providerId="ADAL" clId="{0DEF61E0-9B94-4F73-BF49-E1F6036FE9B2}" dt="2024-03-29T20:14:31.371" v="0" actId="14100"/>
-          <ac:picMkLst>
-            <pc:docMk/>
-            <pc:sldMk cId="3470814038" sldId="257"/>
-            <ac:picMk id="63" creationId="{8E0DFF60-B81B-9969-396E-D55198E0F03C}"/>
-          </ac:picMkLst>
-        </pc:picChg>
-        <pc:picChg chg="mod">
-          <ac:chgData name="Massey, Blake H" userId="1216071c-74eb-431e-bcbb-1fe11e6acb14" providerId="ADAL" clId="{0DEF61E0-9B94-4F73-BF49-E1F6036FE9B2}" dt="2024-03-29T20:14:31.371" v="0" actId="14100"/>
-          <ac:picMkLst>
-            <pc:docMk/>
-            <pc:sldMk cId="3470814038" sldId="257"/>
-            <ac:picMk id="64" creationId="{2ADB87F8-7D2F-B2EE-97E4-AE53D59FCB8D}"/>
-          </ac:picMkLst>
-        </pc:picChg>
-        <pc:picChg chg="mod">
-          <ac:chgData name="Massey, Blake H" userId="1216071c-74eb-431e-bcbb-1fe11e6acb14" providerId="ADAL" clId="{0DEF61E0-9B94-4F73-BF49-E1F6036FE9B2}" dt="2024-03-29T20:14:31.371" v="0" actId="14100"/>
-          <ac:picMkLst>
-            <pc:docMk/>
-            <pc:sldMk cId="3470814038" sldId="257"/>
-            <ac:picMk id="66" creationId="{2E362A31-4605-EFAE-2CCE-ECB1B8F1454A}"/>
-          </ac:picMkLst>
-        </pc:picChg>
-        <pc:picChg chg="mod">
-          <ac:chgData name="Massey, Blake H" userId="1216071c-74eb-431e-bcbb-1fe11e6acb14" providerId="ADAL" clId="{0DEF61E0-9B94-4F73-BF49-E1F6036FE9B2}" dt="2024-03-29T20:14:31.371" v="0" actId="14100"/>
-          <ac:picMkLst>
-            <pc:docMk/>
-            <pc:sldMk cId="3470814038" sldId="257"/>
-            <ac:picMk id="67" creationId="{3336B505-1235-5A3F-6442-C4913BB4CB31}"/>
-          </ac:picMkLst>
-        </pc:picChg>
-        <pc:picChg chg="mod">
-          <ac:chgData name="Massey, Blake H" userId="1216071c-74eb-431e-bcbb-1fe11e6acb14" providerId="ADAL" clId="{0DEF61E0-9B94-4F73-BF49-E1F6036FE9B2}" dt="2024-03-29T20:14:31.371" v="0" actId="14100"/>
-          <ac:picMkLst>
-            <pc:docMk/>
-            <pc:sldMk cId="3470814038" sldId="257"/>
-            <ac:picMk id="70" creationId="{5256A853-EF62-DEB4-E75F-A1E2648F72FD}"/>
-          </ac:picMkLst>
-        </pc:picChg>
-        <pc:picChg chg="mod">
-          <ac:chgData name="Massey, Blake H" userId="1216071c-74eb-431e-bcbb-1fe11e6acb14" providerId="ADAL" clId="{0DEF61E0-9B94-4F73-BF49-E1F6036FE9B2}" dt="2024-03-29T20:14:31.371" v="0" actId="14100"/>
-          <ac:picMkLst>
-            <pc:docMk/>
-            <pc:sldMk cId="3470814038" sldId="257"/>
-            <ac:picMk id="81" creationId="{E8978B83-91CE-7F2F-4144-53FF5613AE12}"/>
-          </ac:picMkLst>
-        </pc:picChg>
-        <pc:picChg chg="mod">
-          <ac:chgData name="Massey, Blake H" userId="1216071c-74eb-431e-bcbb-1fe11e6acb14" providerId="ADAL" clId="{0DEF61E0-9B94-4F73-BF49-E1F6036FE9B2}" dt="2024-03-29T20:14:31.371" v="0" actId="14100"/>
-          <ac:picMkLst>
-            <pc:docMk/>
-            <pc:sldMk cId="3470814038" sldId="257"/>
-            <ac:picMk id="85" creationId="{2F54D0C2-A5FB-769E-FD07-34F3CD3B91A8}"/>
-          </ac:picMkLst>
-        </pc:picChg>
-        <pc:picChg chg="mod">
-          <ac:chgData name="Massey, Blake H" userId="1216071c-74eb-431e-bcbb-1fe11e6acb14" providerId="ADAL" clId="{0DEF61E0-9B94-4F73-BF49-E1F6036FE9B2}" dt="2024-03-29T20:14:31.371" v="0" actId="14100"/>
-          <ac:picMkLst>
-            <pc:docMk/>
-            <pc:sldMk cId="3470814038" sldId="257"/>
-            <ac:picMk id="86" creationId="{8CBD3E32-BA82-232B-084D-279116BA1998}"/>
-          </ac:picMkLst>
-        </pc:picChg>
-        <pc:cxnChg chg="mod">
-          <ac:chgData name="Massey, Blake H" userId="1216071c-74eb-431e-bcbb-1fe11e6acb14" providerId="ADAL" clId="{0DEF61E0-9B94-4F73-BF49-E1F6036FE9B2}" dt="2024-03-29T20:14:31.371" v="0" actId="14100"/>
-          <ac:cxnSpMkLst>
-            <pc:docMk/>
-            <pc:sldMk cId="3470814038" sldId="257"/>
-            <ac:cxnSpMk id="33" creationId="{9D803F70-E6F0-9DB9-014C-9311D3C802BB}"/>
-          </ac:cxnSpMkLst>
-        </pc:cxnChg>
-        <pc:cxnChg chg="mod">
-          <ac:chgData name="Massey, Blake H" userId="1216071c-74eb-431e-bcbb-1fe11e6acb14" providerId="ADAL" clId="{0DEF61E0-9B94-4F73-BF49-E1F6036FE9B2}" dt="2024-03-29T20:14:31.371" v="0" actId="14100"/>
-          <ac:cxnSpMkLst>
-            <pc:docMk/>
-            <pc:sldMk cId="3470814038" sldId="257"/>
-            <ac:cxnSpMk id="46" creationId="{4A93E6C3-F674-C7D9-DCAC-2FB038E2C341}"/>
-          </ac:cxnSpMkLst>
-        </pc:cxnChg>
-      </pc:sldChg>
-      <pc:sldChg chg="addSp delSp modSp add mod">
-        <pc:chgData name="Massey, Blake H" userId="1216071c-74eb-431e-bcbb-1fe11e6acb14" providerId="ADAL" clId="{0DEF61E0-9B94-4F73-BF49-E1F6036FE9B2}" dt="2024-03-29T20:40:15.965" v="388" actId="1076"/>
-        <pc:sldMkLst>
-          <pc:docMk/>
-          <pc:sldMk cId="3248887762" sldId="260"/>
-        </pc:sldMkLst>
-        <pc:spChg chg="del mod">
-          <ac:chgData name="Massey, Blake H" userId="1216071c-74eb-431e-bcbb-1fe11e6acb14" providerId="ADAL" clId="{0DEF61E0-9B94-4F73-BF49-E1F6036FE9B2}" dt="2024-03-29T20:22:29.772" v="98" actId="478"/>
-          <ac:spMkLst>
-            <pc:docMk/>
-            <pc:sldMk cId="3248887762" sldId="260"/>
-            <ac:spMk id="2" creationId="{C6D7EDB4-FD3B-3F21-C1E5-4E7C1CAD358F}"/>
-          </ac:spMkLst>
-        </pc:spChg>
-        <pc:spChg chg="mod">
-          <ac:chgData name="Massey, Blake H" userId="1216071c-74eb-431e-bcbb-1fe11e6acb14" providerId="ADAL" clId="{0DEF61E0-9B94-4F73-BF49-E1F6036FE9B2}" dt="2024-03-29T20:33:15.487" v="267" actId="14100"/>
-          <ac:spMkLst>
-            <pc:docMk/>
-            <pc:sldMk cId="3248887762" sldId="260"/>
-            <ac:spMk id="5" creationId="{9C784F2B-BD30-B7CF-FD14-098812CE82B1}"/>
-          </ac:spMkLst>
-        </pc:spChg>
-        <pc:spChg chg="mod">
-          <ac:chgData name="Massey, Blake H" userId="1216071c-74eb-431e-bcbb-1fe11e6acb14" providerId="ADAL" clId="{0DEF61E0-9B94-4F73-BF49-E1F6036FE9B2}" dt="2024-03-29T20:14:45.376" v="3" actId="14100"/>
-          <ac:spMkLst>
-            <pc:docMk/>
-            <pc:sldMk cId="3248887762" sldId="260"/>
-            <ac:spMk id="6" creationId="{C0ED4C0B-29A1-FEBD-C7B3-A27EAD704DBB}"/>
-          </ac:spMkLst>
-        </pc:spChg>
-        <pc:spChg chg="mod">
-          <ac:chgData name="Massey, Blake H" userId="1216071c-74eb-431e-bcbb-1fe11e6acb14" providerId="ADAL" clId="{0DEF61E0-9B94-4F73-BF49-E1F6036FE9B2}" dt="2024-03-29T20:35:36.075" v="312" actId="1076"/>
-          <ac:spMkLst>
-            <pc:docMk/>
-            <pc:sldMk cId="3248887762" sldId="260"/>
-            <ac:spMk id="7" creationId="{158518F8-6554-DA3F-DA70-892F60A9FDEF}"/>
-          </ac:spMkLst>
-        </pc:spChg>
-        <pc:spChg chg="mod">
-          <ac:chgData name="Massey, Blake H" userId="1216071c-74eb-431e-bcbb-1fe11e6acb14" providerId="ADAL" clId="{0DEF61E0-9B94-4F73-BF49-E1F6036FE9B2}" dt="2024-03-29T20:35:36.075" v="312" actId="1076"/>
-          <ac:spMkLst>
-            <pc:docMk/>
-            <pc:sldMk cId="3248887762" sldId="260"/>
-            <ac:spMk id="8" creationId="{D78234E5-DBCC-C80C-6C75-758B044206BE}"/>
-          </ac:spMkLst>
-        </pc:spChg>
-        <pc:spChg chg="del mod">
-          <ac:chgData name="Massey, Blake H" userId="1216071c-74eb-431e-bcbb-1fe11e6acb14" providerId="ADAL" clId="{0DEF61E0-9B94-4F73-BF49-E1F6036FE9B2}" dt="2024-03-29T20:32:46.788" v="255" actId="478"/>
-          <ac:spMkLst>
-            <pc:docMk/>
-            <pc:sldMk cId="3248887762" sldId="260"/>
-            <ac:spMk id="9" creationId="{CA81148F-B85C-8ECF-C9FB-83B25E18184B}"/>
-          </ac:spMkLst>
-        </pc:spChg>
-        <pc:spChg chg="mod">
-          <ac:chgData name="Massey, Blake H" userId="1216071c-74eb-431e-bcbb-1fe11e6acb14" providerId="ADAL" clId="{0DEF61E0-9B94-4F73-BF49-E1F6036FE9B2}" dt="2024-03-29T20:37:55.186" v="347" actId="14100"/>
-          <ac:spMkLst>
-            <pc:docMk/>
-            <pc:sldMk cId="3248887762" sldId="260"/>
-            <ac:spMk id="10" creationId="{96F2D7BC-23E3-0FEA-6A3F-B5FC7F8A566E}"/>
-          </ac:spMkLst>
-        </pc:spChg>
-        <pc:spChg chg="mod">
-          <ac:chgData name="Massey, Blake H" userId="1216071c-74eb-431e-bcbb-1fe11e6acb14" providerId="ADAL" clId="{0DEF61E0-9B94-4F73-BF49-E1F6036FE9B2}" dt="2024-03-29T20:39:14.810" v="369" actId="14100"/>
-          <ac:spMkLst>
-            <pc:docMk/>
-            <pc:sldMk cId="3248887762" sldId="260"/>
-            <ac:spMk id="11" creationId="{A9F513F6-0E22-486E-55ED-5DBFAB1BD5B7}"/>
-          </ac:spMkLst>
-        </pc:spChg>
-        <pc:spChg chg="mod">
-          <ac:chgData name="Massey, Blake H" userId="1216071c-74eb-431e-bcbb-1fe11e6acb14" providerId="ADAL" clId="{0DEF61E0-9B94-4F73-BF49-E1F6036FE9B2}" dt="2024-03-29T20:22:18.445" v="95" actId="14100"/>
-          <ac:spMkLst>
-            <pc:docMk/>
-            <pc:sldMk cId="3248887762" sldId="260"/>
-            <ac:spMk id="12" creationId="{7345C7FD-DE64-B7D8-19DA-F0F64EDB72EC}"/>
-          </ac:spMkLst>
-        </pc:spChg>
-        <pc:spChg chg="mod">
-          <ac:chgData name="Massey, Blake H" userId="1216071c-74eb-431e-bcbb-1fe11e6acb14" providerId="ADAL" clId="{0DEF61E0-9B94-4F73-BF49-E1F6036FE9B2}" dt="2024-03-29T20:36:05.855" v="321" actId="14100"/>
-          <ac:spMkLst>
-            <pc:docMk/>
-            <pc:sldMk cId="3248887762" sldId="260"/>
-            <ac:spMk id="14" creationId="{B2B3B874-005B-DD6C-B55B-D7CF6EF149A4}"/>
-          </ac:spMkLst>
-        </pc:spChg>
-        <pc:spChg chg="mod">
-          <ac:chgData name="Massey, Blake H" userId="1216071c-74eb-431e-bcbb-1fe11e6acb14" providerId="ADAL" clId="{0DEF61E0-9B94-4F73-BF49-E1F6036FE9B2}" dt="2024-03-29T20:36:01.621" v="320" actId="14100"/>
-          <ac:spMkLst>
-            <pc:docMk/>
-            <pc:sldMk cId="3248887762" sldId="260"/>
-            <ac:spMk id="15" creationId="{536CCEF9-2FEF-B8C1-1FBA-82D5F4801B80}"/>
-          </ac:spMkLst>
-        </pc:spChg>
-        <pc:spChg chg="add mod">
-          <ac:chgData name="Massey, Blake H" userId="1216071c-74eb-431e-bcbb-1fe11e6acb14" providerId="ADAL" clId="{0DEF61E0-9B94-4F73-BF49-E1F6036FE9B2}" dt="2024-03-29T20:23:05.809" v="102" actId="1076"/>
-          <ac:spMkLst>
-            <pc:docMk/>
-            <pc:sldMk cId="3248887762" sldId="260"/>
-            <ac:spMk id="18" creationId="{7F08AEEA-8845-AA43-14E9-8C0D7AF70FFE}"/>
-          </ac:spMkLst>
-        </pc:spChg>
-        <pc:spChg chg="mod">
-          <ac:chgData name="Massey, Blake H" userId="1216071c-74eb-431e-bcbb-1fe11e6acb14" providerId="ADAL" clId="{0DEF61E0-9B94-4F73-BF49-E1F6036FE9B2}" dt="2024-03-29T20:25:58.759" v="155" actId="14100"/>
-          <ac:spMkLst>
-            <pc:docMk/>
-            <pc:sldMk cId="3248887762" sldId="260"/>
-            <ac:spMk id="19" creationId="{9E8D9B5A-1FDA-32FE-B440-5A8D96DB3C8C}"/>
-          </ac:spMkLst>
-        </pc:spChg>
-        <pc:spChg chg="mod">
-          <ac:chgData name="Massey, Blake H" userId="1216071c-74eb-431e-bcbb-1fe11e6acb14" providerId="ADAL" clId="{0DEF61E0-9B94-4F73-BF49-E1F6036FE9B2}" dt="2024-03-29T20:31:30.418" v="233" actId="1076"/>
-          <ac:spMkLst>
-            <pc:docMk/>
-            <pc:sldMk cId="3248887762" sldId="260"/>
-            <ac:spMk id="20" creationId="{A042BE74-B314-9947-D83F-A21EA3E2F1D2}"/>
-          </ac:spMkLst>
-        </pc:spChg>
-        <pc:spChg chg="add mod ord">
-          <ac:chgData name="Massey, Blake H" userId="1216071c-74eb-431e-bcbb-1fe11e6acb14" providerId="ADAL" clId="{0DEF61E0-9B94-4F73-BF49-E1F6036FE9B2}" dt="2024-03-29T20:40:06.397" v="387" actId="552"/>
-          <ac:spMkLst>
-            <pc:docMk/>
-            <pc:sldMk cId="3248887762" sldId="260"/>
-            <ac:spMk id="21" creationId="{13728267-34E5-24C2-635A-66D157B51929}"/>
-          </ac:spMkLst>
-        </pc:spChg>
-        <pc:spChg chg="mod">
-          <ac:chgData name="Massey, Blake H" userId="1216071c-74eb-431e-bcbb-1fe11e6acb14" providerId="ADAL" clId="{0DEF61E0-9B94-4F73-BF49-E1F6036FE9B2}" dt="2024-03-29T20:22:39.524" v="99" actId="1076"/>
-          <ac:spMkLst>
-            <pc:docMk/>
-            <pc:sldMk cId="3248887762" sldId="260"/>
-            <ac:spMk id="22" creationId="{0194F109-1239-8F25-9C57-81D816AB803E}"/>
-          </ac:spMkLst>
-        </pc:spChg>
-        <pc:spChg chg="add mod">
-          <ac:chgData name="Massey, Blake H" userId="1216071c-74eb-431e-bcbb-1fe11e6acb14" providerId="ADAL" clId="{0DEF61E0-9B94-4F73-BF49-E1F6036FE9B2}" dt="2024-03-29T20:32:30.231" v="250" actId="14100"/>
-          <ac:spMkLst>
-            <pc:docMk/>
-            <pc:sldMk cId="3248887762" sldId="260"/>
-            <ac:spMk id="27" creationId="{DDD366B7-6665-53B6-5A21-2DBE28EA2791}"/>
-          </ac:spMkLst>
-        </pc:spChg>
-        <pc:spChg chg="mod">
-          <ac:chgData name="Massey, Blake H" userId="1216071c-74eb-431e-bcbb-1fe11e6acb14" providerId="ADAL" clId="{0DEF61E0-9B94-4F73-BF49-E1F6036FE9B2}" dt="2024-03-29T20:22:39.524" v="99" actId="1076"/>
-          <ac:spMkLst>
-            <pc:docMk/>
-            <pc:sldMk cId="3248887762" sldId="260"/>
-            <ac:spMk id="30" creationId="{2F5831CF-A934-61AF-2C90-1671582D4EED}"/>
-          </ac:spMkLst>
-        </pc:spChg>
-        <pc:spChg chg="mod">
-          <ac:chgData name="Massey, Blake H" userId="1216071c-74eb-431e-bcbb-1fe11e6acb14" providerId="ADAL" clId="{0DEF61E0-9B94-4F73-BF49-E1F6036FE9B2}" dt="2024-03-29T20:22:39.524" v="99" actId="1076"/>
-          <ac:spMkLst>
-            <pc:docMk/>
-            <pc:sldMk cId="3248887762" sldId="260"/>
-            <ac:spMk id="31" creationId="{360D0355-1AFA-65A8-6AE7-03959C98E877}"/>
-          </ac:spMkLst>
-        </pc:spChg>
-        <pc:spChg chg="mod">
-          <ac:chgData name="Massey, Blake H" userId="1216071c-74eb-431e-bcbb-1fe11e6acb14" providerId="ADAL" clId="{0DEF61E0-9B94-4F73-BF49-E1F6036FE9B2}" dt="2024-03-29T20:33:13.176" v="266" actId="1076"/>
-          <ac:spMkLst>
-            <pc:docMk/>
-            <pc:sldMk cId="3248887762" sldId="260"/>
-            <ac:spMk id="34" creationId="{5CCF5D9D-B421-F7BC-9B06-59D11E3814A9}"/>
-          </ac:spMkLst>
-        </pc:spChg>
-        <pc:spChg chg="mod">
-          <ac:chgData name="Massey, Blake H" userId="1216071c-74eb-431e-bcbb-1fe11e6acb14" providerId="ADAL" clId="{0DEF61E0-9B94-4F73-BF49-E1F6036FE9B2}" dt="2024-03-29T20:40:15.965" v="388" actId="1076"/>
-          <ac:spMkLst>
-            <pc:docMk/>
-            <pc:sldMk cId="3248887762" sldId="260"/>
-            <ac:spMk id="35" creationId="{735AA4E5-285C-8234-2C4A-31D0880265D4}"/>
-          </ac:spMkLst>
-        </pc:spChg>
-        <pc:spChg chg="mod">
-          <ac:chgData name="Massey, Blake H" userId="1216071c-74eb-431e-bcbb-1fe11e6acb14" providerId="ADAL" clId="{0DEF61E0-9B94-4F73-BF49-E1F6036FE9B2}" dt="2024-03-29T20:27:23.138" v="173" actId="1076"/>
-          <ac:spMkLst>
-            <pc:docMk/>
-            <pc:sldMk cId="3248887762" sldId="260"/>
-            <ac:spMk id="36" creationId="{03F0A668-45A1-B389-1247-015A5CE1A589}"/>
-          </ac:spMkLst>
-        </pc:spChg>
-        <pc:spChg chg="mod">
-          <ac:chgData name="Massey, Blake H" userId="1216071c-74eb-431e-bcbb-1fe11e6acb14" providerId="ADAL" clId="{0DEF61E0-9B94-4F73-BF49-E1F6036FE9B2}" dt="2024-03-29T20:27:16.818" v="171" actId="1076"/>
-          <ac:spMkLst>
-            <pc:docMk/>
-            <pc:sldMk cId="3248887762" sldId="260"/>
-            <ac:spMk id="37" creationId="{A8E7AFD9-CBB1-EF31-F3C0-0BF1A22593C5}"/>
-          </ac:spMkLst>
-        </pc:spChg>
-        <pc:spChg chg="add mod">
-          <ac:chgData name="Massey, Blake H" userId="1216071c-74eb-431e-bcbb-1fe11e6acb14" providerId="ADAL" clId="{0DEF61E0-9B94-4F73-BF49-E1F6036FE9B2}" dt="2024-03-29T20:33:07.894" v="264" actId="1076"/>
-          <ac:spMkLst>
-            <pc:docMk/>
-            <pc:sldMk cId="3248887762" sldId="260"/>
-            <ac:spMk id="42" creationId="{86FA2B7C-F31D-9720-350B-627820CBD98C}"/>
-          </ac:spMkLst>
-        </pc:spChg>
-        <pc:spChg chg="mod">
-          <ac:chgData name="Massey, Blake H" userId="1216071c-74eb-431e-bcbb-1fe11e6acb14" providerId="ADAL" clId="{0DEF61E0-9B94-4F73-BF49-E1F6036FE9B2}" dt="2024-03-29T20:37:15.246" v="340" actId="1076"/>
-          <ac:spMkLst>
-            <pc:docMk/>
-            <pc:sldMk cId="3248887762" sldId="260"/>
-            <ac:spMk id="43" creationId="{AE4D0B4E-D804-DF50-C155-930F465ACADD}"/>
-          </ac:spMkLst>
-        </pc:spChg>
-        <pc:spChg chg="mod">
-          <ac:chgData name="Massey, Blake H" userId="1216071c-74eb-431e-bcbb-1fe11e6acb14" providerId="ADAL" clId="{0DEF61E0-9B94-4F73-BF49-E1F6036FE9B2}" dt="2024-03-29T20:37:07.661" v="339" actId="1076"/>
-          <ac:spMkLst>
-            <pc:docMk/>
-            <pc:sldMk cId="3248887762" sldId="260"/>
-            <ac:spMk id="44" creationId="{9ABB5AD6-CDF4-90F7-D031-C06CA2B78E5E}"/>
-          </ac:spMkLst>
-        </pc:spChg>
-        <pc:spChg chg="mod">
-          <ac:chgData name="Massey, Blake H" userId="1216071c-74eb-431e-bcbb-1fe11e6acb14" providerId="ADAL" clId="{0DEF61E0-9B94-4F73-BF49-E1F6036FE9B2}" dt="2024-03-29T20:32:16.568" v="247" actId="1076"/>
-          <ac:spMkLst>
-            <pc:docMk/>
-            <pc:sldMk cId="3248887762" sldId="260"/>
-            <ac:spMk id="45" creationId="{E10A65E2-CDB0-6FFA-3388-B5D519668B7C}"/>
-          </ac:spMkLst>
-        </pc:spChg>
-        <pc:spChg chg="mod">
-          <ac:chgData name="Massey, Blake H" userId="1216071c-74eb-431e-bcbb-1fe11e6acb14" providerId="ADAL" clId="{0DEF61E0-9B94-4F73-BF49-E1F6036FE9B2}" dt="2024-03-29T20:35:28.934" v="311" actId="1076"/>
-          <ac:spMkLst>
-            <pc:docMk/>
-            <pc:sldMk cId="3248887762" sldId="260"/>
-            <ac:spMk id="47" creationId="{2118B05A-7964-375B-3A12-9C00C556A5DA}"/>
-          </ac:spMkLst>
-        </pc:spChg>
-        <pc:spChg chg="mod">
-          <ac:chgData name="Massey, Blake H" userId="1216071c-74eb-431e-bcbb-1fe11e6acb14" providerId="ADAL" clId="{0DEF61E0-9B94-4F73-BF49-E1F6036FE9B2}" dt="2024-03-29T20:35:10.364" v="307" actId="1076"/>
-          <ac:spMkLst>
-            <pc:docMk/>
-            <pc:sldMk cId="3248887762" sldId="260"/>
-            <ac:spMk id="48" creationId="{C7678E9F-89CB-C1A1-69DB-EFEDAFD55EAA}"/>
-          </ac:spMkLst>
-        </pc:spChg>
-        <pc:spChg chg="del mod">
-          <ac:chgData name="Massey, Blake H" userId="1216071c-74eb-431e-bcbb-1fe11e6acb14" providerId="ADAL" clId="{0DEF61E0-9B94-4F73-BF49-E1F6036FE9B2}" dt="2024-03-29T20:28:47.349" v="186" actId="478"/>
-          <ac:spMkLst>
-            <pc:docMk/>
-            <pc:sldMk cId="3248887762" sldId="260"/>
-            <ac:spMk id="50" creationId="{BC66ABE0-6398-AD5E-510A-7674AA67220E}"/>
-          </ac:spMkLst>
-        </pc:spChg>
-        <pc:spChg chg="mod">
-          <ac:chgData name="Massey, Blake H" userId="1216071c-74eb-431e-bcbb-1fe11e6acb14" providerId="ADAL" clId="{0DEF61E0-9B94-4F73-BF49-E1F6036FE9B2}" dt="2024-03-29T20:20:00.790" v="58" actId="1076"/>
-          <ac:spMkLst>
-            <pc:docMk/>
-            <pc:sldMk cId="3248887762" sldId="260"/>
-            <ac:spMk id="55" creationId="{73A35280-927E-130D-510B-62EC7B37D744}"/>
-          </ac:spMkLst>
-        </pc:spChg>
-        <pc:spChg chg="mod">
-          <ac:chgData name="Massey, Blake H" userId="1216071c-74eb-431e-bcbb-1fe11e6acb14" providerId="ADAL" clId="{0DEF61E0-9B94-4F73-BF49-E1F6036FE9B2}" dt="2024-03-29T20:20:00.790" v="58" actId="1076"/>
-          <ac:spMkLst>
-            <pc:docMk/>
-            <pc:sldMk cId="3248887762" sldId="260"/>
-            <ac:spMk id="56" creationId="{52B040F8-D70B-EA98-9DFD-330E91A539FA}"/>
-          </ac:spMkLst>
-        </pc:spChg>
-        <pc:spChg chg="mod">
-          <ac:chgData name="Massey, Blake H" userId="1216071c-74eb-431e-bcbb-1fe11e6acb14" providerId="ADAL" clId="{0DEF61E0-9B94-4F73-BF49-E1F6036FE9B2}" dt="2024-03-29T20:20:00.790" v="58" actId="1076"/>
-          <ac:spMkLst>
-            <pc:docMk/>
-            <pc:sldMk cId="3248887762" sldId="260"/>
-            <ac:spMk id="57" creationId="{D41BE97E-798E-AB3D-A375-7E77E3258CC1}"/>
-          </ac:spMkLst>
-        </pc:spChg>
-        <pc:spChg chg="mod">
-          <ac:chgData name="Massey, Blake H" userId="1216071c-74eb-431e-bcbb-1fe11e6acb14" providerId="ADAL" clId="{0DEF61E0-9B94-4F73-BF49-E1F6036FE9B2}" dt="2024-03-29T20:20:00.790" v="58" actId="1076"/>
-          <ac:spMkLst>
-            <pc:docMk/>
-            <pc:sldMk cId="3248887762" sldId="260"/>
-            <ac:spMk id="58" creationId="{0B3771BF-54C6-F688-A42C-36C117E9D7D1}"/>
-          </ac:spMkLst>
-        </pc:spChg>
-        <pc:spChg chg="mod">
-          <ac:chgData name="Massey, Blake H" userId="1216071c-74eb-431e-bcbb-1fe11e6acb14" providerId="ADAL" clId="{0DEF61E0-9B94-4F73-BF49-E1F6036FE9B2}" dt="2024-03-29T20:20:00.790" v="58" actId="1076"/>
-          <ac:spMkLst>
-            <pc:docMk/>
-            <pc:sldMk cId="3248887762" sldId="260"/>
-            <ac:spMk id="60" creationId="{2F16BE41-977E-89C8-E289-6ECADFB502F3}"/>
-          </ac:spMkLst>
-        </pc:spChg>
-        <pc:spChg chg="mod">
-          <ac:chgData name="Massey, Blake H" userId="1216071c-74eb-431e-bcbb-1fe11e6acb14" providerId="ADAL" clId="{0DEF61E0-9B94-4F73-BF49-E1F6036FE9B2}" dt="2024-03-29T20:14:45.376" v="3" actId="14100"/>
-          <ac:spMkLst>
-            <pc:docMk/>
-            <pc:sldMk cId="3248887762" sldId="260"/>
-            <ac:spMk id="61" creationId="{F8339712-6E32-8D42-5948-54FC8BCC877E}"/>
-          </ac:spMkLst>
-        </pc:spChg>
-        <pc:spChg chg="mod">
-          <ac:chgData name="Massey, Blake H" userId="1216071c-74eb-431e-bcbb-1fe11e6acb14" providerId="ADAL" clId="{0DEF61E0-9B94-4F73-BF49-E1F6036FE9B2}" dt="2024-03-29T20:27:07.486" v="170" actId="3064"/>
-          <ac:spMkLst>
-            <pc:docMk/>
-            <pc:sldMk cId="3248887762" sldId="260"/>
-            <ac:spMk id="62" creationId="{40B3F6D7-0C7D-D56D-0BF6-260E2058C78E}"/>
-          </ac:spMkLst>
-        </pc:spChg>
-        <pc:spChg chg="mod">
-          <ac:chgData name="Massey, Blake H" userId="1216071c-74eb-431e-bcbb-1fe11e6acb14" providerId="ADAL" clId="{0DEF61E0-9B94-4F73-BF49-E1F6036FE9B2}" dt="2024-03-29T20:31:39.082" v="236" actId="1076"/>
-          <ac:spMkLst>
-            <pc:docMk/>
-            <pc:sldMk cId="3248887762" sldId="260"/>
-            <ac:spMk id="65" creationId="{3148E915-B421-5ECB-94B6-547281E333DC}"/>
-          </ac:spMkLst>
-        </pc:spChg>
-        <pc:spChg chg="mod">
-          <ac:chgData name="Massey, Blake H" userId="1216071c-74eb-431e-bcbb-1fe11e6acb14" providerId="ADAL" clId="{0DEF61E0-9B94-4F73-BF49-E1F6036FE9B2}" dt="2024-03-29T20:23:46.698" v="120" actId="1076"/>
-          <ac:spMkLst>
-            <pc:docMk/>
-            <pc:sldMk cId="3248887762" sldId="260"/>
-            <ac:spMk id="68" creationId="{F36273C8-0697-6513-67CB-4A6B28C69B84}"/>
-          </ac:spMkLst>
-        </pc:spChg>
-        <pc:spChg chg="mod">
-          <ac:chgData name="Massey, Blake H" userId="1216071c-74eb-431e-bcbb-1fe11e6acb14" providerId="ADAL" clId="{0DEF61E0-9B94-4F73-BF49-E1F6036FE9B2}" dt="2024-03-29T20:23:13.947" v="104" actId="1076"/>
-          <ac:spMkLst>
-            <pc:docMk/>
-            <pc:sldMk cId="3248887762" sldId="260"/>
-            <ac:spMk id="69" creationId="{29F62814-CFC8-39D0-B9F0-57EE71C7ACFF}"/>
-          </ac:spMkLst>
-        </pc:spChg>
-        <pc:spChg chg="mod">
-          <ac:chgData name="Massey, Blake H" userId="1216071c-74eb-431e-bcbb-1fe11e6acb14" providerId="ADAL" clId="{0DEF61E0-9B94-4F73-BF49-E1F6036FE9B2}" dt="2024-03-29T20:23:37.351" v="119" actId="1036"/>
-          <ac:spMkLst>
-            <pc:docMk/>
-            <pc:sldMk cId="3248887762" sldId="260"/>
-            <ac:spMk id="73" creationId="{0940A01A-48C3-23A6-4A3E-8664FBD380DA}"/>
-          </ac:spMkLst>
-        </pc:spChg>
-        <pc:spChg chg="add mod">
-          <ac:chgData name="Massey, Blake H" userId="1216071c-74eb-431e-bcbb-1fe11e6acb14" providerId="ADAL" clId="{0DEF61E0-9B94-4F73-BF49-E1F6036FE9B2}" dt="2024-03-29T20:38:29.850" v="360" actId="1076"/>
-          <ac:spMkLst>
-            <pc:docMk/>
-            <pc:sldMk cId="3248887762" sldId="260"/>
-            <ac:spMk id="79" creationId="{7B327A67-1920-C96D-5470-CA25145D55FF}"/>
-          </ac:spMkLst>
-        </pc:spChg>
-        <pc:spChg chg="mod">
-          <ac:chgData name="Massey, Blake H" userId="1216071c-74eb-431e-bcbb-1fe11e6acb14" providerId="ADAL" clId="{0DEF61E0-9B94-4F73-BF49-E1F6036FE9B2}" dt="2024-03-29T20:40:06.397" v="387" actId="552"/>
-          <ac:spMkLst>
-            <pc:docMk/>
-            <pc:sldMk cId="3248887762" sldId="260"/>
-            <ac:spMk id="87" creationId="{8E6518E3-6D44-641D-F481-9D840EBDA17D}"/>
-          </ac:spMkLst>
-        </pc:spChg>
-        <pc:spChg chg="del mod">
-          <ac:chgData name="Massey, Blake H" userId="1216071c-74eb-431e-bcbb-1fe11e6acb14" providerId="ADAL" clId="{0DEF61E0-9B94-4F73-BF49-E1F6036FE9B2}" dt="2024-03-29T20:24:09.988" v="124" actId="478"/>
-          <ac:spMkLst>
-            <pc:docMk/>
-            <pc:sldMk cId="3248887762" sldId="260"/>
-            <ac:spMk id="88" creationId="{33F46B86-7DA8-5FB3-3F32-7217833A2CE3}"/>
-          </ac:spMkLst>
-        </pc:spChg>
-        <pc:spChg chg="mod">
-          <ac:chgData name="Massey, Blake H" userId="1216071c-74eb-431e-bcbb-1fe11e6acb14" providerId="ADAL" clId="{0DEF61E0-9B94-4F73-BF49-E1F6036FE9B2}" dt="2024-03-29T20:31:26.589" v="232" actId="1076"/>
-          <ac:spMkLst>
-            <pc:docMk/>
-            <pc:sldMk cId="3248887762" sldId="260"/>
-            <ac:spMk id="90" creationId="{22E8FC40-F874-3C99-B3D5-52B8F5B21C72}"/>
-          </ac:spMkLst>
-        </pc:spChg>
-        <pc:spChg chg="mod">
-          <ac:chgData name="Massey, Blake H" userId="1216071c-74eb-431e-bcbb-1fe11e6acb14" providerId="ADAL" clId="{0DEF61E0-9B94-4F73-BF49-E1F6036FE9B2}" dt="2024-03-29T20:31:26.589" v="232" actId="1076"/>
-          <ac:spMkLst>
-            <pc:docMk/>
-            <pc:sldMk cId="3248887762" sldId="260"/>
-            <ac:spMk id="91" creationId="{68F7EE3E-CC39-16A7-0B46-19FD02153112}"/>
-          </ac:spMkLst>
-        </pc:spChg>
-        <pc:spChg chg="mod">
-          <ac:chgData name="Massey, Blake H" userId="1216071c-74eb-431e-bcbb-1fe11e6acb14" providerId="ADAL" clId="{0DEF61E0-9B94-4F73-BF49-E1F6036FE9B2}" dt="2024-03-29T20:31:19.435" v="229" actId="1076"/>
-          <ac:spMkLst>
-            <pc:docMk/>
-            <pc:sldMk cId="3248887762" sldId="260"/>
-            <ac:spMk id="92" creationId="{D3950819-0500-0A97-A6A3-CB8003029865}"/>
-          </ac:spMkLst>
-        </pc:spChg>
-        <pc:spChg chg="mod">
-          <ac:chgData name="Massey, Blake H" userId="1216071c-74eb-431e-bcbb-1fe11e6acb14" providerId="ADAL" clId="{0DEF61E0-9B94-4F73-BF49-E1F6036FE9B2}" dt="2024-03-29T20:38:50.559" v="365" actId="1076"/>
-          <ac:spMkLst>
-            <pc:docMk/>
-            <pc:sldMk cId="3248887762" sldId="260"/>
-            <ac:spMk id="95" creationId="{203F77B1-C39E-8623-2DB8-CF3F444BC83B}"/>
-          </ac:spMkLst>
-        </pc:spChg>
-        <pc:spChg chg="del mod">
-          <ac:chgData name="Massey, Blake H" userId="1216071c-74eb-431e-bcbb-1fe11e6acb14" providerId="ADAL" clId="{0DEF61E0-9B94-4F73-BF49-E1F6036FE9B2}" dt="2024-03-29T20:38:08.536" v="351" actId="478"/>
-          <ac:spMkLst>
-            <pc:docMk/>
-            <pc:sldMk cId="3248887762" sldId="260"/>
-            <ac:spMk id="96" creationId="{BBA06137-7EF6-D968-011F-FA8F950BB8BC}"/>
-          </ac:spMkLst>
-        </pc:spChg>
-        <pc:spChg chg="mod">
-          <ac:chgData name="Massey, Blake H" userId="1216071c-74eb-431e-bcbb-1fe11e6acb14" providerId="ADAL" clId="{0DEF61E0-9B94-4F73-BF49-E1F6036FE9B2}" dt="2024-03-29T20:38:05.365" v="350" actId="14100"/>
-          <ac:spMkLst>
-            <pc:docMk/>
-            <pc:sldMk cId="3248887762" sldId="260"/>
-            <ac:spMk id="97" creationId="{6F69F4FD-0E4D-F8C9-FE4B-7CF4329E7E6C}"/>
-          </ac:spMkLst>
-        </pc:spChg>
-        <pc:spChg chg="mod">
-          <ac:chgData name="Massey, Blake H" userId="1216071c-74eb-431e-bcbb-1fe11e6acb14" providerId="ADAL" clId="{0DEF61E0-9B94-4F73-BF49-E1F6036FE9B2}" dt="2024-03-29T20:35:24.778" v="310" actId="1076"/>
-          <ac:spMkLst>
-            <pc:docMk/>
-            <pc:sldMk cId="3248887762" sldId="260"/>
-            <ac:spMk id="98" creationId="{EC4D91F2-D68E-465C-B52A-8C5104B03C7A}"/>
-          </ac:spMkLst>
-        </pc:spChg>
-        <pc:spChg chg="mod">
-          <ac:chgData name="Massey, Blake H" userId="1216071c-74eb-431e-bcbb-1fe11e6acb14" providerId="ADAL" clId="{0DEF61E0-9B94-4F73-BF49-E1F6036FE9B2}" dt="2024-03-29T20:35:07.300" v="306" actId="1076"/>
-          <ac:spMkLst>
-            <pc:docMk/>
-            <pc:sldMk cId="3248887762" sldId="260"/>
-            <ac:spMk id="99" creationId="{80B836AB-3111-E8A7-0581-EA9AFE00126D}"/>
-          </ac:spMkLst>
-        </pc:spChg>
-        <pc:picChg chg="del mod">
-          <ac:chgData name="Massey, Blake H" userId="1216071c-74eb-431e-bcbb-1fe11e6acb14" providerId="ADAL" clId="{0DEF61E0-9B94-4F73-BF49-E1F6036FE9B2}" dt="2024-03-29T20:37:46.220" v="344" actId="478"/>
-          <ac:picMkLst>
-            <pc:docMk/>
-            <pc:sldMk cId="3248887762" sldId="260"/>
-            <ac:picMk id="23" creationId="{A4C0F57B-7CA2-E249-E5FE-972D04EF8F61}"/>
-          </ac:picMkLst>
-        </pc:picChg>
-        <pc:picChg chg="mod">
-          <ac:chgData name="Massey, Blake H" userId="1216071c-74eb-431e-bcbb-1fe11e6acb14" providerId="ADAL" clId="{0DEF61E0-9B94-4F73-BF49-E1F6036FE9B2}" dt="2024-03-29T20:32:25.996" v="249" actId="1076"/>
-          <ac:picMkLst>
-            <pc:docMk/>
-            <pc:sldMk cId="3248887762" sldId="260"/>
-            <ac:picMk id="24" creationId="{B67FE64A-324E-05EA-58D4-7C925332E04F}"/>
-          </ac:picMkLst>
-        </pc:picChg>
-        <pc:picChg chg="mod">
-          <ac:chgData name="Massey, Blake H" userId="1216071c-74eb-431e-bcbb-1fe11e6acb14" providerId="ADAL" clId="{0DEF61E0-9B94-4F73-BF49-E1F6036FE9B2}" dt="2024-03-29T20:25:12.384" v="144" actId="1076"/>
-          <ac:picMkLst>
-            <pc:docMk/>
-            <pc:sldMk cId="3248887762" sldId="260"/>
-            <ac:picMk id="25" creationId="{27751067-ED23-6063-B12A-517C7A8C4378}"/>
-          </ac:picMkLst>
-        </pc:picChg>
-        <pc:picChg chg="mod">
-          <ac:chgData name="Massey, Blake H" userId="1216071c-74eb-431e-bcbb-1fe11e6acb14" providerId="ADAL" clId="{0DEF61E0-9B94-4F73-BF49-E1F6036FE9B2}" dt="2024-03-29T20:20:00.790" v="58" actId="1076"/>
-          <ac:picMkLst>
-            <pc:docMk/>
-            <pc:sldMk cId="3248887762" sldId="260"/>
-            <ac:picMk id="26" creationId="{A8C40695-86F8-BF25-600B-227001E1591F}"/>
-          </ac:picMkLst>
-        </pc:picChg>
-        <pc:picChg chg="del mod">
-          <ac:chgData name="Massey, Blake H" userId="1216071c-74eb-431e-bcbb-1fe11e6acb14" providerId="ADAL" clId="{0DEF61E0-9B94-4F73-BF49-E1F6036FE9B2}" dt="2024-03-29T20:38:13.524" v="353" actId="478"/>
-          <ac:picMkLst>
-            <pc:docMk/>
-            <pc:sldMk cId="3248887762" sldId="260"/>
-            <ac:picMk id="28" creationId="{B1425988-6125-18AB-0532-3A80296CEE71}"/>
-          </ac:picMkLst>
-        </pc:picChg>
-        <pc:picChg chg="mod">
-          <ac:chgData name="Massey, Blake H" userId="1216071c-74eb-431e-bcbb-1fe11e6acb14" providerId="ADAL" clId="{0DEF61E0-9B94-4F73-BF49-E1F6036FE9B2}" dt="2024-03-29T20:22:15.786" v="94" actId="1076"/>
-          <ac:picMkLst>
-            <pc:docMk/>
-            <pc:sldMk cId="3248887762" sldId="260"/>
-            <ac:picMk id="29" creationId="{58C4F8C9-2A07-1C51-3CC1-4B29B8713EDD}"/>
-          </ac:picMkLst>
-        </pc:picChg>
-        <pc:picChg chg="del mod">
-          <ac:chgData name="Massey, Blake H" userId="1216071c-74eb-431e-bcbb-1fe11e6acb14" providerId="ADAL" clId="{0DEF61E0-9B94-4F73-BF49-E1F6036FE9B2}" dt="2024-03-29T20:35:16.925" v="309" actId="478"/>
-          <ac:picMkLst>
-            <pc:docMk/>
-            <pc:sldMk cId="3248887762" sldId="260"/>
-            <ac:picMk id="32" creationId="{C6A09734-2F7E-3F7A-35C5-BB594D1BEDF4}"/>
-          </ac:picMkLst>
-        </pc:picChg>
-        <pc:picChg chg="del mod">
-          <ac:chgData name="Massey, Blake H" userId="1216071c-74eb-431e-bcbb-1fe11e6acb14" providerId="ADAL" clId="{0DEF61E0-9B94-4F73-BF49-E1F6036FE9B2}" dt="2024-03-29T20:33:56.719" v="281" actId="478"/>
-          <ac:picMkLst>
-            <pc:docMk/>
-            <pc:sldMk cId="3248887762" sldId="260"/>
-            <ac:picMk id="38" creationId="{10F11842-5BDB-90F6-18E8-CAD6EE178E57}"/>
-          </ac:picMkLst>
-        </pc:picChg>
-        <pc:picChg chg="del mod">
-          <ac:chgData name="Massey, Blake H" userId="1216071c-74eb-431e-bcbb-1fe11e6acb14" providerId="ADAL" clId="{0DEF61E0-9B94-4F73-BF49-E1F6036FE9B2}" dt="2024-03-29T20:33:57.754" v="282" actId="478"/>
-          <ac:picMkLst>
-            <pc:docMk/>
-            <pc:sldMk cId="3248887762" sldId="260"/>
-            <ac:picMk id="39" creationId="{AB8DDE93-0810-F9B1-5493-C5E9F50817E6}"/>
-          </ac:picMkLst>
-        </pc:picChg>
-        <pc:picChg chg="del mod">
-          <ac:chgData name="Massey, Blake H" userId="1216071c-74eb-431e-bcbb-1fe11e6acb14" providerId="ADAL" clId="{0DEF61E0-9B94-4F73-BF49-E1F6036FE9B2}" dt="2024-03-29T20:35:16.925" v="309" actId="478"/>
-          <ac:picMkLst>
-            <pc:docMk/>
-            <pc:sldMk cId="3248887762" sldId="260"/>
-            <ac:picMk id="40" creationId="{5ED2A1A3-436F-D97B-E8E3-A3C9E294F032}"/>
-          </ac:picMkLst>
-        </pc:picChg>
-        <pc:picChg chg="mod">
-          <ac:chgData name="Massey, Blake H" userId="1216071c-74eb-431e-bcbb-1fe11e6acb14" providerId="ADAL" clId="{0DEF61E0-9B94-4F73-BF49-E1F6036FE9B2}" dt="2024-03-29T20:14:45.376" v="3" actId="14100"/>
-          <ac:picMkLst>
-            <pc:docMk/>
-            <pc:sldMk cId="3248887762" sldId="260"/>
-            <ac:picMk id="41" creationId="{9CEA991B-3E8B-5133-84E2-24611612587E}"/>
-          </ac:picMkLst>
-        </pc:picChg>
-        <pc:picChg chg="mod">
-          <ac:chgData name="Massey, Blake H" userId="1216071c-74eb-431e-bcbb-1fe11e6acb14" providerId="ADAL" clId="{0DEF61E0-9B94-4F73-BF49-E1F6036FE9B2}" dt="2024-03-29T20:34:25.488" v="292" actId="1076"/>
-          <ac:picMkLst>
-            <pc:docMk/>
-            <pc:sldMk cId="3248887762" sldId="260"/>
-            <ac:picMk id="49" creationId="{46A1D06F-ACEE-F836-0833-9E83CD9E4816}"/>
-          </ac:picMkLst>
-        </pc:picChg>
-        <pc:picChg chg="mod">
-          <ac:chgData name="Massey, Blake H" userId="1216071c-74eb-431e-bcbb-1fe11e6acb14" providerId="ADAL" clId="{0DEF61E0-9B94-4F73-BF49-E1F6036FE9B2}" dt="2024-03-29T20:34:22.646" v="291" actId="14100"/>
-          <ac:picMkLst>
-            <pc:docMk/>
-            <pc:sldMk cId="3248887762" sldId="260"/>
-            <ac:picMk id="51" creationId="{41EF9C00-E6FC-45B8-4759-1B655A5F15A9}"/>
-          </ac:picMkLst>
-        </pc:picChg>
-        <pc:picChg chg="mod">
-          <ac:chgData name="Massey, Blake H" userId="1216071c-74eb-431e-bcbb-1fe11e6acb14" providerId="ADAL" clId="{0DEF61E0-9B94-4F73-BF49-E1F6036FE9B2}" dt="2024-03-29T20:20:00.790" v="58" actId="1076"/>
-          <ac:picMkLst>
-            <pc:docMk/>
-            <pc:sldMk cId="3248887762" sldId="260"/>
-            <ac:picMk id="52" creationId="{21C70283-550B-5D7E-DEF9-4F5489AFC1C4}"/>
-          </ac:picMkLst>
-        </pc:picChg>
-        <pc:picChg chg="mod">
-          <ac:chgData name="Massey, Blake H" userId="1216071c-74eb-431e-bcbb-1fe11e6acb14" providerId="ADAL" clId="{0DEF61E0-9B94-4F73-BF49-E1F6036FE9B2}" dt="2024-03-29T20:20:00.790" v="58" actId="1076"/>
-          <ac:picMkLst>
-            <pc:docMk/>
-            <pc:sldMk cId="3248887762" sldId="260"/>
-            <ac:picMk id="53" creationId="{5C037FA1-07FA-55C0-E0DB-D857201A864F}"/>
-          </ac:picMkLst>
-        </pc:picChg>
-        <pc:picChg chg="mod">
-          <ac:chgData name="Massey, Blake H" userId="1216071c-74eb-431e-bcbb-1fe11e6acb14" providerId="ADAL" clId="{0DEF61E0-9B94-4F73-BF49-E1F6036FE9B2}" dt="2024-03-29T20:20:00.790" v="58" actId="1076"/>
-          <ac:picMkLst>
-            <pc:docMk/>
-            <pc:sldMk cId="3248887762" sldId="260"/>
-            <ac:picMk id="54" creationId="{21C41065-1747-47F2-2413-9E699E03769E}"/>
-          </ac:picMkLst>
-        </pc:picChg>
-        <pc:picChg chg="add mod">
-          <ac:chgData name="Massey, Blake H" userId="1216071c-74eb-431e-bcbb-1fe11e6acb14" providerId="ADAL" clId="{0DEF61E0-9B94-4F73-BF49-E1F6036FE9B2}" dt="2024-03-29T20:36:13.115" v="323" actId="1076"/>
-          <ac:picMkLst>
-            <pc:docMk/>
-            <pc:sldMk cId="3248887762" sldId="260"/>
-            <ac:picMk id="59" creationId="{4D2838EB-9998-478B-CBBF-90F65F5074DB}"/>
-          </ac:picMkLst>
-        </pc:picChg>
-        <pc:picChg chg="mod">
-          <ac:chgData name="Massey, Blake H" userId="1216071c-74eb-431e-bcbb-1fe11e6acb14" providerId="ADAL" clId="{0DEF61E0-9B94-4F73-BF49-E1F6036FE9B2}" dt="2024-03-29T20:20:00.790" v="58" actId="1076"/>
-          <ac:picMkLst>
-            <pc:docMk/>
-            <pc:sldMk cId="3248887762" sldId="260"/>
-            <ac:picMk id="63" creationId="{8E0DFF60-B81B-9969-396E-D55198E0F03C}"/>
-          </ac:picMkLst>
-        </pc:picChg>
-        <pc:picChg chg="mod">
-          <ac:chgData name="Massey, Blake H" userId="1216071c-74eb-431e-bcbb-1fe11e6acb14" providerId="ADAL" clId="{0DEF61E0-9B94-4F73-BF49-E1F6036FE9B2}" dt="2024-03-29T20:22:39.524" v="99" actId="1076"/>
-          <ac:picMkLst>
-            <pc:docMk/>
-            <pc:sldMk cId="3248887762" sldId="260"/>
-            <ac:picMk id="64" creationId="{2ADB87F8-7D2F-B2EE-97E4-AE53D59FCB8D}"/>
-          </ac:picMkLst>
-        </pc:picChg>
-        <pc:picChg chg="mod">
-          <ac:chgData name="Massey, Blake H" userId="1216071c-74eb-431e-bcbb-1fe11e6acb14" providerId="ADAL" clId="{0DEF61E0-9B94-4F73-BF49-E1F6036FE9B2}" dt="2024-03-29T20:22:39.524" v="99" actId="1076"/>
-          <ac:picMkLst>
-            <pc:docMk/>
-            <pc:sldMk cId="3248887762" sldId="260"/>
-            <ac:picMk id="66" creationId="{2E362A31-4605-EFAE-2CCE-ECB1B8F1454A}"/>
-          </ac:picMkLst>
-        </pc:picChg>
-        <pc:picChg chg="mod">
-          <ac:chgData name="Massey, Blake H" userId="1216071c-74eb-431e-bcbb-1fe11e6acb14" providerId="ADAL" clId="{0DEF61E0-9B94-4F73-BF49-E1F6036FE9B2}" dt="2024-03-29T20:35:05.301" v="305" actId="1076"/>
-          <ac:picMkLst>
-            <pc:docMk/>
-            <pc:sldMk cId="3248887762" sldId="260"/>
-            <ac:picMk id="67" creationId="{3336B505-1235-5A3F-6442-C4913BB4CB31}"/>
-          </ac:picMkLst>
-        </pc:picChg>
-        <pc:picChg chg="mod">
-          <ac:chgData name="Massey, Blake H" userId="1216071c-74eb-431e-bcbb-1fe11e6acb14" providerId="ADAL" clId="{0DEF61E0-9B94-4F73-BF49-E1F6036FE9B2}" dt="2024-03-29T20:23:33.898" v="118" actId="1035"/>
-          <ac:picMkLst>
-            <pc:docMk/>
-            <pc:sldMk cId="3248887762" sldId="260"/>
-            <ac:picMk id="70" creationId="{5256A853-EF62-DEB4-E75F-A1E2648F72FD}"/>
-          </ac:picMkLst>
-        </pc:picChg>
-        <pc:picChg chg="add mod">
-          <ac:chgData name="Massey, Blake H" userId="1216071c-74eb-431e-bcbb-1fe11e6acb14" providerId="ADAL" clId="{0DEF61E0-9B94-4F73-BF49-E1F6036FE9B2}" dt="2024-03-29T20:36:23.451" v="329" actId="1038"/>
-          <ac:picMkLst>
-            <pc:docMk/>
-            <pc:sldMk cId="3248887762" sldId="260"/>
-            <ac:picMk id="71" creationId="{6E84A5BF-13AD-3CE8-C55C-C44052ADFF61}"/>
-          </ac:picMkLst>
-        </pc:picChg>
-        <pc:picChg chg="add mod">
-          <ac:chgData name="Massey, Blake H" userId="1216071c-74eb-431e-bcbb-1fe11e6acb14" providerId="ADAL" clId="{0DEF61E0-9B94-4F73-BF49-E1F6036FE9B2}" dt="2024-03-29T20:36:45.443" v="331" actId="1076"/>
-          <ac:picMkLst>
-            <pc:docMk/>
-            <pc:sldMk cId="3248887762" sldId="260"/>
-            <ac:picMk id="72" creationId="{E8B9D5C9-4317-F8F5-98F5-104A97682DCC}"/>
-          </ac:picMkLst>
-        </pc:picChg>
-        <pc:picChg chg="add mod">
-          <ac:chgData name="Massey, Blake H" userId="1216071c-74eb-431e-bcbb-1fe11e6acb14" providerId="ADAL" clId="{0DEF61E0-9B94-4F73-BF49-E1F6036FE9B2}" dt="2024-03-29T20:36:49.989" v="333" actId="1076"/>
-          <ac:picMkLst>
-            <pc:docMk/>
-            <pc:sldMk cId="3248887762" sldId="260"/>
-            <ac:picMk id="74" creationId="{F2587F85-E693-46F0-CE8F-75AC56FFF398}"/>
-          </ac:picMkLst>
-        </pc:picChg>
-        <pc:picChg chg="add mod">
-          <ac:chgData name="Massey, Blake H" userId="1216071c-74eb-431e-bcbb-1fe11e6acb14" providerId="ADAL" clId="{0DEF61E0-9B94-4F73-BF49-E1F6036FE9B2}" dt="2024-03-29T20:37:52.265" v="346" actId="1076"/>
-          <ac:picMkLst>
-            <pc:docMk/>
-            <pc:sldMk cId="3248887762" sldId="260"/>
-            <ac:picMk id="77" creationId="{7A351582-2D1C-9F59-A646-0BE4BEEA9988}"/>
-          </ac:picMkLst>
-        </pc:picChg>
-        <pc:picChg chg="add mod">
-          <ac:chgData name="Massey, Blake H" userId="1216071c-74eb-431e-bcbb-1fe11e6acb14" providerId="ADAL" clId="{0DEF61E0-9B94-4F73-BF49-E1F6036FE9B2}" dt="2024-03-29T20:38:27.937" v="359" actId="1076"/>
-          <ac:picMkLst>
-            <pc:docMk/>
-            <pc:sldMk cId="3248887762" sldId="260"/>
-            <ac:picMk id="78" creationId="{AF68D023-B6EB-568E-32DF-2C9A9973F770}"/>
-          </ac:picMkLst>
-        </pc:picChg>
-        <pc:picChg chg="mod">
-          <ac:chgData name="Massey, Blake H" userId="1216071c-74eb-431e-bcbb-1fe11e6acb14" providerId="ADAL" clId="{0DEF61E0-9B94-4F73-BF49-E1F6036FE9B2}" dt="2024-03-29T20:15:38.142" v="8" actId="1038"/>
-          <ac:picMkLst>
-            <pc:docMk/>
-            <pc:sldMk cId="3248887762" sldId="260"/>
-            <ac:picMk id="81" creationId="{E8978B83-91CE-7F2F-4144-53FF5613AE12}"/>
-          </ac:picMkLst>
-        </pc:picChg>
-        <pc:picChg chg="mod">
-          <ac:chgData name="Massey, Blake H" userId="1216071c-74eb-431e-bcbb-1fe11e6acb14" providerId="ADAL" clId="{0DEF61E0-9B94-4F73-BF49-E1F6036FE9B2}" dt="2024-03-29T20:31:50.348" v="240" actId="1076"/>
-          <ac:picMkLst>
-            <pc:docMk/>
-            <pc:sldMk cId="3248887762" sldId="260"/>
-            <ac:picMk id="85" creationId="{2F54D0C2-A5FB-769E-FD07-34F3CD3B91A8}"/>
-          </ac:picMkLst>
-        </pc:picChg>
-        <pc:picChg chg="mod">
-          <ac:chgData name="Massey, Blake H" userId="1216071c-74eb-431e-bcbb-1fe11e6acb14" providerId="ADAL" clId="{0DEF61E0-9B94-4F73-BF49-E1F6036FE9B2}" dt="2024-03-29T20:25:09.831" v="143" actId="14100"/>
-          <ac:picMkLst>
-            <pc:docMk/>
-            <pc:sldMk cId="3248887762" sldId="260"/>
-            <ac:picMk id="86" creationId="{8CBD3E32-BA82-232B-084D-279116BA1998}"/>
-          </ac:picMkLst>
-        </pc:picChg>
-        <pc:cxnChg chg="mod">
-          <ac:chgData name="Massey, Blake H" userId="1216071c-74eb-431e-bcbb-1fe11e6acb14" providerId="ADAL" clId="{0DEF61E0-9B94-4F73-BF49-E1F6036FE9B2}" dt="2024-03-29T20:20:05.461" v="59" actId="1076"/>
-          <ac:cxnSpMkLst>
-            <pc:docMk/>
-            <pc:sldMk cId="3248887762" sldId="260"/>
-            <ac:cxnSpMk id="33" creationId="{9D803F70-E6F0-9DB9-014C-9311D3C802BB}"/>
-          </ac:cxnSpMkLst>
-        </pc:cxnChg>
-        <pc:cxnChg chg="mod">
-          <ac:chgData name="Massey, Blake H" userId="1216071c-74eb-431e-bcbb-1fe11e6acb14" providerId="ADAL" clId="{0DEF61E0-9B94-4F73-BF49-E1F6036FE9B2}" dt="2024-03-29T20:37:30.660" v="343" actId="1076"/>
-          <ac:cxnSpMkLst>
-            <pc:docMk/>
-            <pc:sldMk cId="3248887762" sldId="260"/>
-            <ac:cxnSpMk id="46" creationId="{4A93E6C3-F674-C7D9-DCAC-2FB038E2C341}"/>
-          </ac:cxnSpMkLst>
-        </pc:cxnChg>
-      </pc:sldChg>
-      <pc:sldChg chg="addSp delSp modSp add mod">
-        <pc:chgData name="Massey, Blake H" userId="1216071c-74eb-431e-bcbb-1fe11e6acb14" providerId="ADAL" clId="{0DEF61E0-9B94-4F73-BF49-E1F6036FE9B2}" dt="2024-03-29T22:15:03.977" v="1446" actId="1076"/>
-        <pc:sldMkLst>
-          <pc:docMk/>
-          <pc:sldMk cId="2730553850" sldId="261"/>
-        </pc:sldMkLst>
-        <pc:spChg chg="add del mod">
-          <ac:chgData name="Massey, Blake H" userId="1216071c-74eb-431e-bcbb-1fe11e6acb14" providerId="ADAL" clId="{0DEF61E0-9B94-4F73-BF49-E1F6036FE9B2}" dt="2024-03-29T21:08:12.364" v="662" actId="478"/>
-          <ac:spMkLst>
-            <pc:docMk/>
-            <pc:sldMk cId="2730553850" sldId="261"/>
-            <ac:spMk id="2" creationId="{7F37815C-EA94-CF3F-177A-E463F415D55C}"/>
-          </ac:spMkLst>
-        </pc:spChg>
-        <pc:spChg chg="add mod ord">
-          <ac:chgData name="Massey, Blake H" userId="1216071c-74eb-431e-bcbb-1fe11e6acb14" providerId="ADAL" clId="{0DEF61E0-9B94-4F73-BF49-E1F6036FE9B2}" dt="2024-03-29T22:13:40.030" v="1435" actId="1035"/>
-          <ac:spMkLst>
-            <pc:docMk/>
-            <pc:sldMk cId="2730553850" sldId="261"/>
-            <ac:spMk id="3" creationId="{E0F39086-C15D-A16F-F907-508D490E5C63}"/>
-          </ac:spMkLst>
-        </pc:spChg>
-        <pc:spChg chg="add mod">
-          <ac:chgData name="Massey, Blake H" userId="1216071c-74eb-431e-bcbb-1fe11e6acb14" providerId="ADAL" clId="{0DEF61E0-9B94-4F73-BF49-E1F6036FE9B2}" dt="2024-03-29T22:13:40.030" v="1435" actId="1035"/>
-          <ac:spMkLst>
-            <pc:docMk/>
-            <pc:sldMk cId="2730553850" sldId="261"/>
-            <ac:spMk id="4" creationId="{45BBA8B3-E209-4977-7322-0E115CF35AB3}"/>
-          </ac:spMkLst>
-        </pc:spChg>
-        <pc:spChg chg="mod">
-          <ac:chgData name="Massey, Blake H" userId="1216071c-74eb-431e-bcbb-1fe11e6acb14" providerId="ADAL" clId="{0DEF61E0-9B94-4F73-BF49-E1F6036FE9B2}" dt="2024-03-29T22:13:40.030" v="1435" actId="1035"/>
-          <ac:spMkLst>
-            <pc:docMk/>
-            <pc:sldMk cId="2730553850" sldId="261"/>
-            <ac:spMk id="5" creationId="{9C784F2B-BD30-B7CF-FD14-098812CE82B1}"/>
-          </ac:spMkLst>
-        </pc:spChg>
-        <pc:spChg chg="mod">
-          <ac:chgData name="Massey, Blake H" userId="1216071c-74eb-431e-bcbb-1fe11e6acb14" providerId="ADAL" clId="{0DEF61E0-9B94-4F73-BF49-E1F6036FE9B2}" dt="2024-03-29T22:13:40.030" v="1435" actId="1035"/>
-          <ac:spMkLst>
-            <pc:docMk/>
-            <pc:sldMk cId="2730553850" sldId="261"/>
-            <ac:spMk id="6" creationId="{C0ED4C0B-29A1-FEBD-C7B3-A27EAD704DBB}"/>
-          </ac:spMkLst>
-        </pc:spChg>
-        <pc:spChg chg="mod">
-          <ac:chgData name="Massey, Blake H" userId="1216071c-74eb-431e-bcbb-1fe11e6acb14" providerId="ADAL" clId="{0DEF61E0-9B94-4F73-BF49-E1F6036FE9B2}" dt="2024-03-29T22:13:40.030" v="1435" actId="1035"/>
-          <ac:spMkLst>
-            <pc:docMk/>
-            <pc:sldMk cId="2730553850" sldId="261"/>
-            <ac:spMk id="7" creationId="{158518F8-6554-DA3F-DA70-892F60A9FDEF}"/>
-          </ac:spMkLst>
-        </pc:spChg>
-        <pc:spChg chg="mod">
-          <ac:chgData name="Massey, Blake H" userId="1216071c-74eb-431e-bcbb-1fe11e6acb14" providerId="ADAL" clId="{0DEF61E0-9B94-4F73-BF49-E1F6036FE9B2}" dt="2024-03-29T22:13:40.030" v="1435" actId="1035"/>
-          <ac:spMkLst>
-            <pc:docMk/>
-            <pc:sldMk cId="2730553850" sldId="261"/>
-            <ac:spMk id="8" creationId="{D78234E5-DBCC-C80C-6C75-758B044206BE}"/>
-          </ac:spMkLst>
-        </pc:spChg>
-        <pc:spChg chg="add mod">
-          <ac:chgData name="Massey, Blake H" userId="1216071c-74eb-431e-bcbb-1fe11e6acb14" providerId="ADAL" clId="{0DEF61E0-9B94-4F73-BF49-E1F6036FE9B2}" dt="2024-03-29T22:13:40.030" v="1435" actId="1035"/>
-          <ac:spMkLst>
-            <pc:docMk/>
-            <pc:sldMk cId="2730553850" sldId="261"/>
-            <ac:spMk id="9" creationId="{09788F97-DB50-3A89-442D-21EE50A4B591}"/>
-          </ac:spMkLst>
-        </pc:spChg>
-        <pc:spChg chg="del">
-          <ac:chgData name="Massey, Blake H" userId="1216071c-74eb-431e-bcbb-1fe11e6acb14" providerId="ADAL" clId="{0DEF61E0-9B94-4F73-BF49-E1F6036FE9B2}" dt="2024-03-29T20:46:56.419" v="416" actId="478"/>
-          <ac:spMkLst>
-            <pc:docMk/>
-            <pc:sldMk cId="2730553850" sldId="261"/>
-            <ac:spMk id="10" creationId="{96F2D7BC-23E3-0FEA-6A3F-B5FC7F8A566E}"/>
-          </ac:spMkLst>
-        </pc:spChg>
-        <pc:spChg chg="del">
-          <ac:chgData name="Massey, Blake H" userId="1216071c-74eb-431e-bcbb-1fe11e6acb14" providerId="ADAL" clId="{0DEF61E0-9B94-4F73-BF49-E1F6036FE9B2}" dt="2024-03-29T20:44:30.799" v="399" actId="478"/>
-          <ac:spMkLst>
-            <pc:docMk/>
-            <pc:sldMk cId="2730553850" sldId="261"/>
-            <ac:spMk id="11" creationId="{A9F513F6-0E22-486E-55ED-5DBFAB1BD5B7}"/>
-          </ac:spMkLst>
-        </pc:spChg>
-        <pc:spChg chg="del mod">
-          <ac:chgData name="Massey, Blake H" userId="1216071c-74eb-431e-bcbb-1fe11e6acb14" providerId="ADAL" clId="{0DEF61E0-9B94-4F73-BF49-E1F6036FE9B2}" dt="2024-03-29T21:10:28.901" v="688" actId="478"/>
-          <ac:spMkLst>
-            <pc:docMk/>
-            <pc:sldMk cId="2730553850" sldId="261"/>
-            <ac:spMk id="12" creationId="{7345C7FD-DE64-B7D8-19DA-F0F64EDB72EC}"/>
-          </ac:spMkLst>
-        </pc:spChg>
-        <pc:spChg chg="add mod">
-          <ac:chgData name="Massey, Blake H" userId="1216071c-74eb-431e-bcbb-1fe11e6acb14" providerId="ADAL" clId="{0DEF61E0-9B94-4F73-BF49-E1F6036FE9B2}" dt="2024-03-29T22:13:40.030" v="1435" actId="1035"/>
-          <ac:spMkLst>
-            <pc:docMk/>
-            <pc:sldMk cId="2730553850" sldId="261"/>
-            <ac:spMk id="13" creationId="{E72DF6D8-A8DD-8787-85DE-219067EE946F}"/>
-          </ac:spMkLst>
-        </pc:spChg>
-        <pc:spChg chg="mod">
-          <ac:chgData name="Massey, Blake H" userId="1216071c-74eb-431e-bcbb-1fe11e6acb14" providerId="ADAL" clId="{0DEF61E0-9B94-4F73-BF49-E1F6036FE9B2}" dt="2024-03-29T22:13:40.030" v="1435" actId="1035"/>
-          <ac:spMkLst>
-            <pc:docMk/>
-            <pc:sldMk cId="2730553850" sldId="261"/>
-            <ac:spMk id="14" creationId="{B2B3B874-005B-DD6C-B55B-D7CF6EF149A4}"/>
-          </ac:spMkLst>
-        </pc:spChg>
-        <pc:spChg chg="mod">
-          <ac:chgData name="Massey, Blake H" userId="1216071c-74eb-431e-bcbb-1fe11e6acb14" providerId="ADAL" clId="{0DEF61E0-9B94-4F73-BF49-E1F6036FE9B2}" dt="2024-03-29T22:13:40.030" v="1435" actId="1035"/>
-          <ac:spMkLst>
-            <pc:docMk/>
-            <pc:sldMk cId="2730553850" sldId="261"/>
-            <ac:spMk id="15" creationId="{536CCEF9-2FEF-B8C1-1FBA-82D5F4801B80}"/>
-          </ac:spMkLst>
-        </pc:spChg>
-        <pc:spChg chg="del mod">
-          <ac:chgData name="Massey, Blake H" userId="1216071c-74eb-431e-bcbb-1fe11e6acb14" providerId="ADAL" clId="{0DEF61E0-9B94-4F73-BF49-E1F6036FE9B2}" dt="2024-03-29T21:10:48.166" v="717" actId="478"/>
-          <ac:spMkLst>
-            <pc:docMk/>
-            <pc:sldMk cId="2730553850" sldId="261"/>
-            <ac:spMk id="18" creationId="{7F08AEEA-8845-AA43-14E9-8C0D7AF70FFE}"/>
-          </ac:spMkLst>
-        </pc:spChg>
-        <pc:spChg chg="del mod ord">
-          <ac:chgData name="Massey, Blake H" userId="1216071c-74eb-431e-bcbb-1fe11e6acb14" providerId="ADAL" clId="{0DEF61E0-9B94-4F73-BF49-E1F6036FE9B2}" dt="2024-03-29T21:07:11.627" v="627" actId="478"/>
-          <ac:spMkLst>
-            <pc:docMk/>
-            <pc:sldMk cId="2730553850" sldId="261"/>
-            <ac:spMk id="19" creationId="{9E8D9B5A-1FDA-32FE-B440-5A8D96DB3C8C}"/>
-          </ac:spMkLst>
-        </pc:spChg>
-        <pc:spChg chg="del">
-          <ac:chgData name="Massey, Blake H" userId="1216071c-74eb-431e-bcbb-1fe11e6acb14" providerId="ADAL" clId="{0DEF61E0-9B94-4F73-BF49-E1F6036FE9B2}" dt="2024-03-29T20:43:18.452" v="390" actId="478"/>
-          <ac:spMkLst>
-            <pc:docMk/>
-            <pc:sldMk cId="2730553850" sldId="261"/>
-            <ac:spMk id="20" creationId="{A042BE74-B314-9947-D83F-A21EA3E2F1D2}"/>
-          </ac:spMkLst>
-        </pc:spChg>
-        <pc:spChg chg="del">
-          <ac:chgData name="Massey, Blake H" userId="1216071c-74eb-431e-bcbb-1fe11e6acb14" providerId="ADAL" clId="{0DEF61E0-9B94-4F73-BF49-E1F6036FE9B2}" dt="2024-03-29T20:43:18.452" v="390" actId="478"/>
-          <ac:spMkLst>
-            <pc:docMk/>
-            <pc:sldMk cId="2730553850" sldId="261"/>
-            <ac:spMk id="21" creationId="{13728267-34E5-24C2-635A-66D157B51929}"/>
-          </ac:spMkLst>
-        </pc:spChg>
-        <pc:spChg chg="mod">
-          <ac:chgData name="Massey, Blake H" userId="1216071c-74eb-431e-bcbb-1fe11e6acb14" providerId="ADAL" clId="{0DEF61E0-9B94-4F73-BF49-E1F6036FE9B2}" dt="2024-03-29T22:13:40.030" v="1435" actId="1035"/>
-          <ac:spMkLst>
-            <pc:docMk/>
-            <pc:sldMk cId="2730553850" sldId="261"/>
-            <ac:spMk id="22" creationId="{0194F109-1239-8F25-9C57-81D816AB803E}"/>
-          </ac:spMkLst>
-        </pc:spChg>
-        <pc:spChg chg="del mod ord">
-          <ac:chgData name="Massey, Blake H" userId="1216071c-74eb-431e-bcbb-1fe11e6acb14" providerId="ADAL" clId="{0DEF61E0-9B94-4F73-BF49-E1F6036FE9B2}" dt="2024-03-29T21:07:48.757" v="630" actId="478"/>
-          <ac:spMkLst>
-            <pc:docMk/>
-            <pc:sldMk cId="2730553850" sldId="261"/>
-            <ac:spMk id="27" creationId="{DDD366B7-6665-53B6-5A21-2DBE28EA2791}"/>
-          </ac:spMkLst>
-        </pc:spChg>
-        <pc:spChg chg="add mod">
-          <ac:chgData name="Massey, Blake H" userId="1216071c-74eb-431e-bcbb-1fe11e6acb14" providerId="ADAL" clId="{0DEF61E0-9B94-4F73-BF49-E1F6036FE9B2}" dt="2024-03-29T21:48:06.668" v="1316" actId="164"/>
-          <ac:spMkLst>
-            <pc:docMk/>
-            <pc:sldMk cId="2730553850" sldId="261"/>
-            <ac:spMk id="28" creationId="{BAA290DD-6430-5BC4-84DE-F169CB723D8D}"/>
-          </ac:spMkLst>
-        </pc:spChg>
-        <pc:spChg chg="mod">
-          <ac:chgData name="Massey, Blake H" userId="1216071c-74eb-431e-bcbb-1fe11e6acb14" providerId="ADAL" clId="{0DEF61E0-9B94-4F73-BF49-E1F6036FE9B2}" dt="2024-03-29T22:13:40.030" v="1435" actId="1035"/>
-          <ac:spMkLst>
-            <pc:docMk/>
-            <pc:sldMk cId="2730553850" sldId="261"/>
-            <ac:spMk id="30" creationId="{2F5831CF-A934-61AF-2C90-1671582D4EED}"/>
-          </ac:spMkLst>
-        </pc:spChg>
-        <pc:spChg chg="mod">
-          <ac:chgData name="Massey, Blake H" userId="1216071c-74eb-431e-bcbb-1fe11e6acb14" providerId="ADAL" clId="{0DEF61E0-9B94-4F73-BF49-E1F6036FE9B2}" dt="2024-03-29T22:13:40.030" v="1435" actId="1035"/>
-          <ac:spMkLst>
-            <pc:docMk/>
-            <pc:sldMk cId="2730553850" sldId="261"/>
-            <ac:spMk id="31" creationId="{360D0355-1AFA-65A8-6AE7-03959C98E877}"/>
-          </ac:spMkLst>
-        </pc:spChg>
-        <pc:spChg chg="add del mod">
-          <ac:chgData name="Massey, Blake H" userId="1216071c-74eb-431e-bcbb-1fe11e6acb14" providerId="ADAL" clId="{0DEF61E0-9B94-4F73-BF49-E1F6036FE9B2}" dt="2024-03-29T21:05:39.318" v="615" actId="478"/>
-          <ac:spMkLst>
-            <pc:docMk/>
-            <pc:sldMk cId="2730553850" sldId="261"/>
-            <ac:spMk id="32" creationId="{CE5BEA16-8171-8C8C-9429-EE6CD098F1E9}"/>
-          </ac:spMkLst>
-        </pc:spChg>
-        <pc:spChg chg="del mod">
-          <ac:chgData name="Massey, Blake H" userId="1216071c-74eb-431e-bcbb-1fe11e6acb14" providerId="ADAL" clId="{0DEF61E0-9B94-4F73-BF49-E1F6036FE9B2}" dt="2024-03-29T21:19:01.705" v="850" actId="478"/>
-          <ac:spMkLst>
-            <pc:docMk/>
-            <pc:sldMk cId="2730553850" sldId="261"/>
-            <ac:spMk id="34" creationId="{5CCF5D9D-B421-F7BC-9B06-59D11E3814A9}"/>
-          </ac:spMkLst>
-        </pc:spChg>
-        <pc:spChg chg="del mod">
-          <ac:chgData name="Massey, Blake H" userId="1216071c-74eb-431e-bcbb-1fe11e6acb14" providerId="ADAL" clId="{0DEF61E0-9B94-4F73-BF49-E1F6036FE9B2}" dt="2024-03-29T21:19:12.987" v="861" actId="478"/>
-          <ac:spMkLst>
-            <pc:docMk/>
-            <pc:sldMk cId="2730553850" sldId="261"/>
-            <ac:spMk id="35" creationId="{735AA4E5-285C-8234-2C4A-31D0880265D4}"/>
-          </ac:spMkLst>
-        </pc:spChg>
-        <pc:spChg chg="del mod">
-          <ac:chgData name="Massey, Blake H" userId="1216071c-74eb-431e-bcbb-1fe11e6acb14" providerId="ADAL" clId="{0DEF61E0-9B94-4F73-BF49-E1F6036FE9B2}" dt="2024-03-29T20:50:31.354" v="493" actId="478"/>
-          <ac:spMkLst>
-            <pc:docMk/>
-            <pc:sldMk cId="2730553850" sldId="261"/>
-            <ac:spMk id="36" creationId="{03F0A668-45A1-B389-1247-015A5CE1A589}"/>
-          </ac:spMkLst>
-        </pc:spChg>
-        <pc:spChg chg="del">
-          <ac:chgData name="Massey, Blake H" userId="1216071c-74eb-431e-bcbb-1fe11e6acb14" providerId="ADAL" clId="{0DEF61E0-9B94-4F73-BF49-E1F6036FE9B2}" dt="2024-03-29T20:43:18.452" v="390" actId="478"/>
-          <ac:spMkLst>
-            <pc:docMk/>
-            <pc:sldMk cId="2730553850" sldId="261"/>
-            <ac:spMk id="37" creationId="{A8E7AFD9-CBB1-EF31-F3C0-0BF1A22593C5}"/>
-          </ac:spMkLst>
-        </pc:spChg>
-        <pc:spChg chg="add del mod">
-          <ac:chgData name="Massey, Blake H" userId="1216071c-74eb-431e-bcbb-1fe11e6acb14" providerId="ADAL" clId="{0DEF61E0-9B94-4F73-BF49-E1F6036FE9B2}" dt="2024-03-29T21:07:09.218" v="626" actId="478"/>
-          <ac:spMkLst>
-            <pc:docMk/>
-            <pc:sldMk cId="2730553850" sldId="261"/>
-            <ac:spMk id="38" creationId="{6ABB743D-B899-AA43-2624-E975C92C46A9}"/>
-          </ac:spMkLst>
-        </pc:spChg>
-        <pc:spChg chg="del mod">
-          <ac:chgData name="Massey, Blake H" userId="1216071c-74eb-431e-bcbb-1fe11e6acb14" providerId="ADAL" clId="{0DEF61E0-9B94-4F73-BF49-E1F6036FE9B2}" dt="2024-03-29T21:08:28.813" v="668" actId="478"/>
-          <ac:spMkLst>
-            <pc:docMk/>
-            <pc:sldMk cId="2730553850" sldId="261"/>
-            <ac:spMk id="42" creationId="{86FA2B7C-F31D-9720-350B-627820CBD98C}"/>
-          </ac:spMkLst>
-        </pc:spChg>
-        <pc:spChg chg="mod">
-          <ac:chgData name="Massey, Blake H" userId="1216071c-74eb-431e-bcbb-1fe11e6acb14" providerId="ADAL" clId="{0DEF61E0-9B94-4F73-BF49-E1F6036FE9B2}" dt="2024-03-29T22:13:40.030" v="1435" actId="1035"/>
-          <ac:spMkLst>
-            <pc:docMk/>
-            <pc:sldMk cId="2730553850" sldId="261"/>
-            <ac:spMk id="43" creationId="{AE4D0B4E-D804-DF50-C155-930F465ACADD}"/>
-          </ac:spMkLst>
-        </pc:spChg>
-        <pc:spChg chg="del mod">
-          <ac:chgData name="Massey, Blake H" userId="1216071c-74eb-431e-bcbb-1fe11e6acb14" providerId="ADAL" clId="{0DEF61E0-9B94-4F73-BF49-E1F6036FE9B2}" dt="2024-03-29T21:36:40.688" v="1149" actId="478"/>
-          <ac:spMkLst>
-            <pc:docMk/>
-            <pc:sldMk cId="2730553850" sldId="261"/>
-            <ac:spMk id="44" creationId="{9ABB5AD6-CDF4-90F7-D031-C06CA2B78E5E}"/>
-          </ac:spMkLst>
-        </pc:spChg>
-        <pc:spChg chg="del">
-          <ac:chgData name="Massey, Blake H" userId="1216071c-74eb-431e-bcbb-1fe11e6acb14" providerId="ADAL" clId="{0DEF61E0-9B94-4F73-BF49-E1F6036FE9B2}" dt="2024-03-29T20:43:18.452" v="390" actId="478"/>
-          <ac:spMkLst>
-            <pc:docMk/>
-            <pc:sldMk cId="2730553850" sldId="261"/>
-            <ac:spMk id="45" creationId="{E10A65E2-CDB0-6FFA-3388-B5D519668B7C}"/>
-          </ac:spMkLst>
-        </pc:spChg>
-        <pc:spChg chg="del mod">
-          <ac:chgData name="Massey, Blake H" userId="1216071c-74eb-431e-bcbb-1fe11e6acb14" providerId="ADAL" clId="{0DEF61E0-9B94-4F73-BF49-E1F6036FE9B2}" dt="2024-03-29T21:15:03.478" v="765" actId="478"/>
-          <ac:spMkLst>
-            <pc:docMk/>
-            <pc:sldMk cId="2730553850" sldId="261"/>
-            <ac:spMk id="47" creationId="{2118B05A-7964-375B-3A12-9C00C556A5DA}"/>
-          </ac:spMkLst>
-        </pc:spChg>
-        <pc:spChg chg="del mod">
-          <ac:chgData name="Massey, Blake H" userId="1216071c-74eb-431e-bcbb-1fe11e6acb14" providerId="ADAL" clId="{0DEF61E0-9B94-4F73-BF49-E1F6036FE9B2}" dt="2024-03-29T21:12:54.084" v="746" actId="478"/>
-          <ac:spMkLst>
-            <pc:docMk/>
-            <pc:sldMk cId="2730553850" sldId="261"/>
-            <ac:spMk id="48" creationId="{C7678E9F-89CB-C1A1-69DB-EFEDAFD55EAA}"/>
-          </ac:spMkLst>
-        </pc:spChg>
-        <pc:spChg chg="mod">
-          <ac:chgData name="Massey, Blake H" userId="1216071c-74eb-431e-bcbb-1fe11e6acb14" providerId="ADAL" clId="{0DEF61E0-9B94-4F73-BF49-E1F6036FE9B2}" dt="2024-03-29T22:13:40.030" v="1435" actId="1035"/>
-          <ac:spMkLst>
-            <pc:docMk/>
-            <pc:sldMk cId="2730553850" sldId="261"/>
-            <ac:spMk id="55" creationId="{73A35280-927E-130D-510B-62EC7B37D744}"/>
-          </ac:spMkLst>
-        </pc:spChg>
-        <pc:spChg chg="mod">
-          <ac:chgData name="Massey, Blake H" userId="1216071c-74eb-431e-bcbb-1fe11e6acb14" providerId="ADAL" clId="{0DEF61E0-9B94-4F73-BF49-E1F6036FE9B2}" dt="2024-03-29T22:13:40.030" v="1435" actId="1035"/>
-          <ac:spMkLst>
-            <pc:docMk/>
-            <pc:sldMk cId="2730553850" sldId="261"/>
-            <ac:spMk id="56" creationId="{52B040F8-D70B-EA98-9DFD-330E91A539FA}"/>
-          </ac:spMkLst>
-        </pc:spChg>
-        <pc:spChg chg="mod">
-          <ac:chgData name="Massey, Blake H" userId="1216071c-74eb-431e-bcbb-1fe11e6acb14" providerId="ADAL" clId="{0DEF61E0-9B94-4F73-BF49-E1F6036FE9B2}" dt="2024-03-29T22:13:40.030" v="1435" actId="1035"/>
-          <ac:spMkLst>
-            <pc:docMk/>
-            <pc:sldMk cId="2730553850" sldId="261"/>
-            <ac:spMk id="57" creationId="{D41BE97E-798E-AB3D-A375-7E77E3258CC1}"/>
-          </ac:spMkLst>
-        </pc:spChg>
-        <pc:spChg chg="mod">
-          <ac:chgData name="Massey, Blake H" userId="1216071c-74eb-431e-bcbb-1fe11e6acb14" providerId="ADAL" clId="{0DEF61E0-9B94-4F73-BF49-E1F6036FE9B2}" dt="2024-03-29T22:13:40.030" v="1435" actId="1035"/>
-          <ac:spMkLst>
-            <pc:docMk/>
-            <pc:sldMk cId="2730553850" sldId="261"/>
-            <ac:spMk id="58" creationId="{0B3771BF-54C6-F688-A42C-36C117E9D7D1}"/>
-          </ac:spMkLst>
-        </pc:spChg>
-        <pc:spChg chg="mod">
-          <ac:chgData name="Massey, Blake H" userId="1216071c-74eb-431e-bcbb-1fe11e6acb14" providerId="ADAL" clId="{0DEF61E0-9B94-4F73-BF49-E1F6036FE9B2}" dt="2024-03-29T22:13:40.030" v="1435" actId="1035"/>
-          <ac:spMkLst>
-            <pc:docMk/>
-            <pc:sldMk cId="2730553850" sldId="261"/>
-            <ac:spMk id="60" creationId="{2F16BE41-977E-89C8-E289-6ECADFB502F3}"/>
-          </ac:spMkLst>
-        </pc:spChg>
-        <pc:spChg chg="mod">
-          <ac:chgData name="Massey, Blake H" userId="1216071c-74eb-431e-bcbb-1fe11e6acb14" providerId="ADAL" clId="{0DEF61E0-9B94-4F73-BF49-E1F6036FE9B2}" dt="2024-03-29T22:13:40.030" v="1435" actId="1035"/>
-          <ac:spMkLst>
-            <pc:docMk/>
-            <pc:sldMk cId="2730553850" sldId="261"/>
-            <ac:spMk id="61" creationId="{F8339712-6E32-8D42-5948-54FC8BCC877E}"/>
-          </ac:spMkLst>
-        </pc:spChg>
-        <pc:spChg chg="del">
-          <ac:chgData name="Massey, Blake H" userId="1216071c-74eb-431e-bcbb-1fe11e6acb14" providerId="ADAL" clId="{0DEF61E0-9B94-4F73-BF49-E1F6036FE9B2}" dt="2024-03-29T20:44:30.799" v="399" actId="478"/>
-          <ac:spMkLst>
-            <pc:docMk/>
-            <pc:sldMk cId="2730553850" sldId="261"/>
-            <ac:spMk id="62" creationId="{40B3F6D7-0C7D-D56D-0BF6-260E2058C78E}"/>
-          </ac:spMkLst>
-        </pc:spChg>
-        <pc:spChg chg="mod">
-          <ac:chgData name="Massey, Blake H" userId="1216071c-74eb-431e-bcbb-1fe11e6acb14" providerId="ADAL" clId="{0DEF61E0-9B94-4F73-BF49-E1F6036FE9B2}" dt="2024-03-29T22:13:40.030" v="1435" actId="1035"/>
-          <ac:spMkLst>
-            <pc:docMk/>
-            <pc:sldMk cId="2730553850" sldId="261"/>
-            <ac:spMk id="65" creationId="{3148E915-B421-5ECB-94B6-547281E333DC}"/>
-          </ac:spMkLst>
-        </pc:spChg>
-        <pc:spChg chg="mod">
-          <ac:chgData name="Massey, Blake H" userId="1216071c-74eb-431e-bcbb-1fe11e6acb14" providerId="ADAL" clId="{0DEF61E0-9B94-4F73-BF49-E1F6036FE9B2}" dt="2024-03-29T22:13:40.030" v="1435" actId="1035"/>
-          <ac:spMkLst>
-            <pc:docMk/>
-            <pc:sldMk cId="2730553850" sldId="261"/>
-            <ac:spMk id="68" creationId="{F36273C8-0697-6513-67CB-4A6B28C69B84}"/>
-          </ac:spMkLst>
-        </pc:spChg>
-        <pc:spChg chg="mod">
-          <ac:chgData name="Massey, Blake H" userId="1216071c-74eb-431e-bcbb-1fe11e6acb14" providerId="ADAL" clId="{0DEF61E0-9B94-4F73-BF49-E1F6036FE9B2}" dt="2024-03-29T22:13:40.030" v="1435" actId="1035"/>
-          <ac:spMkLst>
-            <pc:docMk/>
-            <pc:sldMk cId="2730553850" sldId="261"/>
-            <ac:spMk id="69" creationId="{29F62814-CFC8-39D0-B9F0-57EE71C7ACFF}"/>
-          </ac:spMkLst>
-        </pc:spChg>
-        <pc:spChg chg="del mod">
-          <ac:chgData name="Massey, Blake H" userId="1216071c-74eb-431e-bcbb-1fe11e6acb14" providerId="ADAL" clId="{0DEF61E0-9B94-4F73-BF49-E1F6036FE9B2}" dt="2024-03-29T21:16:37.617" v="818" actId="478"/>
-          <ac:spMkLst>
-            <pc:docMk/>
-            <pc:sldMk cId="2730553850" sldId="261"/>
-            <ac:spMk id="73" creationId="{0940A01A-48C3-23A6-4A3E-8664FBD380DA}"/>
-          </ac:spMkLst>
-        </pc:spChg>
-        <pc:spChg chg="del">
-          <ac:chgData name="Massey, Blake H" userId="1216071c-74eb-431e-bcbb-1fe11e6acb14" providerId="ADAL" clId="{0DEF61E0-9B94-4F73-BF49-E1F6036FE9B2}" dt="2024-03-29T20:44:30.799" v="399" actId="478"/>
-          <ac:spMkLst>
-            <pc:docMk/>
-            <pc:sldMk cId="2730553850" sldId="261"/>
-            <ac:spMk id="79" creationId="{7B327A67-1920-C96D-5470-CA25145D55FF}"/>
-          </ac:spMkLst>
-        </pc:spChg>
-        <pc:spChg chg="del">
-          <ac:chgData name="Massey, Blake H" userId="1216071c-74eb-431e-bcbb-1fe11e6acb14" providerId="ADAL" clId="{0DEF61E0-9B94-4F73-BF49-E1F6036FE9B2}" dt="2024-03-29T20:43:18.452" v="390" actId="478"/>
-          <ac:spMkLst>
-            <pc:docMk/>
-            <pc:sldMk cId="2730553850" sldId="261"/>
-            <ac:spMk id="87" creationId="{8E6518E3-6D44-641D-F481-9D840EBDA17D}"/>
-          </ac:spMkLst>
-        </pc:spChg>
-        <pc:spChg chg="del">
-          <ac:chgData name="Massey, Blake H" userId="1216071c-74eb-431e-bcbb-1fe11e6acb14" providerId="ADAL" clId="{0DEF61E0-9B94-4F73-BF49-E1F6036FE9B2}" dt="2024-03-29T20:43:18.452" v="390" actId="478"/>
-          <ac:spMkLst>
-            <pc:docMk/>
-            <pc:sldMk cId="2730553850" sldId="261"/>
-            <ac:spMk id="90" creationId="{22E8FC40-F874-3C99-B3D5-52B8F5B21C72}"/>
-          </ac:spMkLst>
-        </pc:spChg>
-        <pc:spChg chg="del">
-          <ac:chgData name="Massey, Blake H" userId="1216071c-74eb-431e-bcbb-1fe11e6acb14" providerId="ADAL" clId="{0DEF61E0-9B94-4F73-BF49-E1F6036FE9B2}" dt="2024-03-29T20:43:18.452" v="390" actId="478"/>
-          <ac:spMkLst>
-            <pc:docMk/>
-            <pc:sldMk cId="2730553850" sldId="261"/>
-            <ac:spMk id="91" creationId="{68F7EE3E-CC39-16A7-0B46-19FD02153112}"/>
-          </ac:spMkLst>
-        </pc:spChg>
-        <pc:spChg chg="del">
-          <ac:chgData name="Massey, Blake H" userId="1216071c-74eb-431e-bcbb-1fe11e6acb14" providerId="ADAL" clId="{0DEF61E0-9B94-4F73-BF49-E1F6036FE9B2}" dt="2024-03-29T20:43:18.452" v="390" actId="478"/>
-          <ac:spMkLst>
-            <pc:docMk/>
-            <pc:sldMk cId="2730553850" sldId="261"/>
-            <ac:spMk id="92" creationId="{D3950819-0500-0A97-A6A3-CB8003029865}"/>
-          </ac:spMkLst>
-        </pc:spChg>
-        <pc:spChg chg="del">
-          <ac:chgData name="Massey, Blake H" userId="1216071c-74eb-431e-bcbb-1fe11e6acb14" providerId="ADAL" clId="{0DEF61E0-9B94-4F73-BF49-E1F6036FE9B2}" dt="2024-03-29T20:44:30.799" v="399" actId="478"/>
-          <ac:spMkLst>
-            <pc:docMk/>
-            <pc:sldMk cId="2730553850" sldId="261"/>
-            <ac:spMk id="95" creationId="{203F77B1-C39E-8623-2DB8-CF3F444BC83B}"/>
-          </ac:spMkLst>
-        </pc:spChg>
-        <pc:spChg chg="del">
-          <ac:chgData name="Massey, Blake H" userId="1216071c-74eb-431e-bcbb-1fe11e6acb14" providerId="ADAL" clId="{0DEF61E0-9B94-4F73-BF49-E1F6036FE9B2}" dt="2024-03-29T20:43:18.452" v="390" actId="478"/>
-          <ac:spMkLst>
-            <pc:docMk/>
-            <pc:sldMk cId="2730553850" sldId="261"/>
-            <ac:spMk id="97" creationId="{6F69F4FD-0E4D-F8C9-FE4B-7CF4329E7E6C}"/>
-          </ac:spMkLst>
-        </pc:spChg>
-        <pc:spChg chg="del mod">
-          <ac:chgData name="Massey, Blake H" userId="1216071c-74eb-431e-bcbb-1fe11e6acb14" providerId="ADAL" clId="{0DEF61E0-9B94-4F73-BF49-E1F6036FE9B2}" dt="2024-03-29T21:15:03.478" v="765" actId="478"/>
-          <ac:spMkLst>
-            <pc:docMk/>
-            <pc:sldMk cId="2730553850" sldId="261"/>
-            <ac:spMk id="98" creationId="{EC4D91F2-D68E-465C-B52A-8C5104B03C7A}"/>
-          </ac:spMkLst>
-        </pc:spChg>
-        <pc:spChg chg="del mod">
-          <ac:chgData name="Massey, Blake H" userId="1216071c-74eb-431e-bcbb-1fe11e6acb14" providerId="ADAL" clId="{0DEF61E0-9B94-4F73-BF49-E1F6036FE9B2}" dt="2024-03-29T21:11:41.240" v="727" actId="478"/>
-          <ac:spMkLst>
-            <pc:docMk/>
-            <pc:sldMk cId="2730553850" sldId="261"/>
-            <ac:spMk id="99" creationId="{80B836AB-3111-E8A7-0581-EA9AFE00126D}"/>
-          </ac:spMkLst>
-        </pc:spChg>
-        <pc:spChg chg="add mod">
-          <ac:chgData name="Massey, Blake H" userId="1216071c-74eb-431e-bcbb-1fe11e6acb14" providerId="ADAL" clId="{0DEF61E0-9B94-4F73-BF49-E1F6036FE9B2}" dt="2024-03-29T22:13:40.030" v="1435" actId="1035"/>
-          <ac:spMkLst>
-            <pc:docMk/>
-            <pc:sldMk cId="2730553850" sldId="261"/>
-            <ac:spMk id="118" creationId="{F0209ED7-4EFB-0910-2D20-27462ADA153A}"/>
-          </ac:spMkLst>
-        </pc:spChg>
-        <pc:spChg chg="add mod">
-          <ac:chgData name="Massey, Blake H" userId="1216071c-74eb-431e-bcbb-1fe11e6acb14" providerId="ADAL" clId="{0DEF61E0-9B94-4F73-BF49-E1F6036FE9B2}" dt="2024-03-29T22:13:40.030" v="1435" actId="1035"/>
-          <ac:spMkLst>
-            <pc:docMk/>
-            <pc:sldMk cId="2730553850" sldId="261"/>
-            <ac:spMk id="131" creationId="{205CABCF-3B9D-6597-5E48-075C1AFF9029}"/>
-          </ac:spMkLst>
-        </pc:spChg>
-        <pc:spChg chg="add mod">
-          <ac:chgData name="Massey, Blake H" userId="1216071c-74eb-431e-bcbb-1fe11e6acb14" providerId="ADAL" clId="{0DEF61E0-9B94-4F73-BF49-E1F6036FE9B2}" dt="2024-03-29T22:13:40.030" v="1435" actId="1035"/>
-          <ac:spMkLst>
-            <pc:docMk/>
-            <pc:sldMk cId="2730553850" sldId="261"/>
-            <ac:spMk id="132" creationId="{01785EAE-02F5-FD77-7E17-D1045A6120D1}"/>
-          </ac:spMkLst>
-        </pc:spChg>
-        <pc:spChg chg="add mod">
-          <ac:chgData name="Massey, Blake H" userId="1216071c-74eb-431e-bcbb-1fe11e6acb14" providerId="ADAL" clId="{0DEF61E0-9B94-4F73-BF49-E1F6036FE9B2}" dt="2024-03-29T22:13:40.030" v="1435" actId="1035"/>
-          <ac:spMkLst>
-            <pc:docMk/>
-            <pc:sldMk cId="2730553850" sldId="261"/>
-            <ac:spMk id="139" creationId="{60202E7F-B67F-F78A-7B77-5C795357F709}"/>
-          </ac:spMkLst>
-        </pc:spChg>
-        <pc:spChg chg="add del mod">
-          <ac:chgData name="Massey, Blake H" userId="1216071c-74eb-431e-bcbb-1fe11e6acb14" providerId="ADAL" clId="{0DEF61E0-9B94-4F73-BF49-E1F6036FE9B2}" dt="2024-03-29T21:56:29.861" v="1348" actId="478"/>
-          <ac:spMkLst>
-            <pc:docMk/>
-            <pc:sldMk cId="2730553850" sldId="261"/>
-            <ac:spMk id="173" creationId="{77C35791-590D-6F5D-F002-20128E0A9203}"/>
-          </ac:spMkLst>
-        </pc:spChg>
-        <pc:spChg chg="add mod ord">
-          <ac:chgData name="Massey, Blake H" userId="1216071c-74eb-431e-bcbb-1fe11e6acb14" providerId="ADAL" clId="{0DEF61E0-9B94-4F73-BF49-E1F6036FE9B2}" dt="2024-03-29T22:06:57.188" v="1374" actId="164"/>
-          <ac:spMkLst>
-            <pc:docMk/>
-            <pc:sldMk cId="2730553850" sldId="261"/>
-            <ac:spMk id="176" creationId="{AA1B9E5A-C174-27D9-BAF3-648FC186826A}"/>
-          </ac:spMkLst>
-        </pc:spChg>
-        <pc:spChg chg="add mod">
-          <ac:chgData name="Massey, Blake H" userId="1216071c-74eb-431e-bcbb-1fe11e6acb14" providerId="ADAL" clId="{0DEF61E0-9B94-4F73-BF49-E1F6036FE9B2}" dt="2024-03-29T22:13:40.030" v="1435" actId="1035"/>
-          <ac:spMkLst>
-            <pc:docMk/>
-            <pc:sldMk cId="2730553850" sldId="261"/>
-            <ac:spMk id="181" creationId="{187254F9-8F3C-29FF-5909-0774B82381C1}"/>
-          </ac:spMkLst>
-        </pc:spChg>
-        <pc:spChg chg="add mod">
-          <ac:chgData name="Massey, Blake H" userId="1216071c-74eb-431e-bcbb-1fe11e6acb14" providerId="ADAL" clId="{0DEF61E0-9B94-4F73-BF49-E1F6036FE9B2}" dt="2024-03-29T22:15:03.977" v="1446" actId="1076"/>
-          <ac:spMkLst>
-            <pc:docMk/>
-            <pc:sldMk cId="2730553850" sldId="261"/>
-            <ac:spMk id="183" creationId="{75152E8C-2A10-2FE9-A819-68477CDD9C95}"/>
-          </ac:spMkLst>
-        </pc:spChg>
-        <pc:grpChg chg="add mod">
-          <ac:chgData name="Massey, Blake H" userId="1216071c-74eb-431e-bcbb-1fe11e6acb14" providerId="ADAL" clId="{0DEF61E0-9B94-4F73-BF49-E1F6036FE9B2}" dt="2024-03-29T22:13:40.030" v="1435" actId="1035"/>
-          <ac:grpSpMkLst>
-            <pc:docMk/>
-            <pc:sldMk cId="2730553850" sldId="261"/>
-            <ac:grpSpMk id="2" creationId="{CC289050-1570-A4EF-B98F-E76240B0CC61}"/>
-          </ac:grpSpMkLst>
-        </pc:grpChg>
-        <pc:grpChg chg="add mod">
-          <ac:chgData name="Massey, Blake H" userId="1216071c-74eb-431e-bcbb-1fe11e6acb14" providerId="ADAL" clId="{0DEF61E0-9B94-4F73-BF49-E1F6036FE9B2}" dt="2024-03-29T22:13:40.030" v="1435" actId="1035"/>
-          <ac:grpSpMkLst>
-            <pc:docMk/>
-            <pc:sldMk cId="2730553850" sldId="261"/>
-            <ac:grpSpMk id="180" creationId="{9B270FB9-EC84-AF19-1905-307659569820}"/>
-          </ac:grpSpMkLst>
-        </pc:grpChg>
-        <pc:picChg chg="add mod">
-          <ac:chgData name="Massey, Blake H" userId="1216071c-74eb-431e-bcbb-1fe11e6acb14" providerId="ADAL" clId="{0DEF61E0-9B94-4F73-BF49-E1F6036FE9B2}" dt="2024-03-29T22:14:43.617" v="1441" actId="1076"/>
-          <ac:picMkLst>
-            <pc:docMk/>
-            <pc:sldMk cId="2730553850" sldId="261"/>
-            <ac:picMk id="10" creationId="{3BD04996-A010-488C-36D0-22EF6DA7BD9B}"/>
-          </ac:picMkLst>
-        </pc:picChg>
-        <pc:picChg chg="add mod">
-          <ac:chgData name="Massey, Blake H" userId="1216071c-74eb-431e-bcbb-1fe11e6acb14" providerId="ADAL" clId="{0DEF61E0-9B94-4F73-BF49-E1F6036FE9B2}" dt="2024-03-29T22:13:40.030" v="1435" actId="1035"/>
-          <ac:picMkLst>
-            <pc:docMk/>
-            <pc:sldMk cId="2730553850" sldId="261"/>
-            <ac:picMk id="16" creationId="{878E814A-E8AE-3B7A-9099-3FC3884DD6C1}"/>
-          </ac:picMkLst>
-        </pc:picChg>
-        <pc:picChg chg="add mod">
-          <ac:chgData name="Massey, Blake H" userId="1216071c-74eb-431e-bcbb-1fe11e6acb14" providerId="ADAL" clId="{0DEF61E0-9B94-4F73-BF49-E1F6036FE9B2}" dt="2024-03-29T21:48:06.668" v="1316" actId="164"/>
-          <ac:picMkLst>
-            <pc:docMk/>
-            <pc:sldMk cId="2730553850" sldId="261"/>
-            <ac:picMk id="23" creationId="{CAF9D026-04AC-9C96-813E-AB8EC39E2EFF}"/>
-          </ac:picMkLst>
-        </pc:picChg>
-        <pc:picChg chg="mod">
-          <ac:chgData name="Massey, Blake H" userId="1216071c-74eb-431e-bcbb-1fe11e6acb14" providerId="ADAL" clId="{0DEF61E0-9B94-4F73-BF49-E1F6036FE9B2}" dt="2024-03-29T22:13:40.030" v="1435" actId="1035"/>
-          <ac:picMkLst>
-            <pc:docMk/>
-            <pc:sldMk cId="2730553850" sldId="261"/>
-            <ac:picMk id="24" creationId="{B67FE64A-324E-05EA-58D4-7C925332E04F}"/>
-          </ac:picMkLst>
-        </pc:picChg>
-        <pc:picChg chg="mod">
-          <ac:chgData name="Massey, Blake H" userId="1216071c-74eb-431e-bcbb-1fe11e6acb14" providerId="ADAL" clId="{0DEF61E0-9B94-4F73-BF49-E1F6036FE9B2}" dt="2024-03-29T22:13:40.030" v="1435" actId="1035"/>
-          <ac:picMkLst>
-            <pc:docMk/>
-            <pc:sldMk cId="2730553850" sldId="261"/>
-            <ac:picMk id="25" creationId="{27751067-ED23-6063-B12A-517C7A8C4378}"/>
-          </ac:picMkLst>
-        </pc:picChg>
-        <pc:picChg chg="mod">
-          <ac:chgData name="Massey, Blake H" userId="1216071c-74eb-431e-bcbb-1fe11e6acb14" providerId="ADAL" clId="{0DEF61E0-9B94-4F73-BF49-E1F6036FE9B2}" dt="2024-03-29T22:13:40.030" v="1435" actId="1035"/>
-          <ac:picMkLst>
-            <pc:docMk/>
-            <pc:sldMk cId="2730553850" sldId="261"/>
-            <ac:picMk id="26" creationId="{A8C40695-86F8-BF25-600B-227001E1591F}"/>
-          </ac:picMkLst>
-        </pc:picChg>
-        <pc:picChg chg="del mod">
-          <ac:chgData name="Massey, Blake H" userId="1216071c-74eb-431e-bcbb-1fe11e6acb14" providerId="ADAL" clId="{0DEF61E0-9B94-4F73-BF49-E1F6036FE9B2}" dt="2024-03-29T21:23:35.856" v="892" actId="478"/>
-          <ac:picMkLst>
-            <pc:docMk/>
-            <pc:sldMk cId="2730553850" sldId="261"/>
-            <ac:picMk id="29" creationId="{58C4F8C9-2A07-1C51-3CC1-4B29B8713EDD}"/>
-          </ac:picMkLst>
-        </pc:picChg>
-        <pc:picChg chg="mod">
-          <ac:chgData name="Massey, Blake H" userId="1216071c-74eb-431e-bcbb-1fe11e6acb14" providerId="ADAL" clId="{0DEF61E0-9B94-4F73-BF49-E1F6036FE9B2}" dt="2024-03-29T22:13:40.030" v="1435" actId="1035"/>
-          <ac:picMkLst>
-            <pc:docMk/>
-            <pc:sldMk cId="2730553850" sldId="261"/>
-            <ac:picMk id="41" creationId="{9CEA991B-3E8B-5133-84E2-24611612587E}"/>
-          </ac:picMkLst>
-        </pc:picChg>
-        <pc:picChg chg="mod modCrop">
-          <ac:chgData name="Massey, Blake H" userId="1216071c-74eb-431e-bcbb-1fe11e6acb14" providerId="ADAL" clId="{0DEF61E0-9B94-4F73-BF49-E1F6036FE9B2}" dt="2024-03-29T22:13:40.030" v="1435" actId="1035"/>
-          <ac:picMkLst>
-            <pc:docMk/>
-            <pc:sldMk cId="2730553850" sldId="261"/>
-            <ac:picMk id="49" creationId="{46A1D06F-ACEE-F836-0833-9E83CD9E4816}"/>
-          </ac:picMkLst>
-        </pc:picChg>
-        <pc:picChg chg="mod modCrop">
-          <ac:chgData name="Massey, Blake H" userId="1216071c-74eb-431e-bcbb-1fe11e6acb14" providerId="ADAL" clId="{0DEF61E0-9B94-4F73-BF49-E1F6036FE9B2}" dt="2024-03-29T22:13:40.030" v="1435" actId="1035"/>
-          <ac:picMkLst>
-            <pc:docMk/>
-            <pc:sldMk cId="2730553850" sldId="261"/>
-            <ac:picMk id="51" creationId="{41EF9C00-E6FC-45B8-4759-1B655A5F15A9}"/>
-          </ac:picMkLst>
-        </pc:picChg>
-        <pc:picChg chg="mod modCrop">
-          <ac:chgData name="Massey, Blake H" userId="1216071c-74eb-431e-bcbb-1fe11e6acb14" providerId="ADAL" clId="{0DEF61E0-9B94-4F73-BF49-E1F6036FE9B2}" dt="2024-03-29T22:13:40.030" v="1435" actId="1035"/>
-          <ac:picMkLst>
-            <pc:docMk/>
-            <pc:sldMk cId="2730553850" sldId="261"/>
-            <ac:picMk id="52" creationId="{21C70283-550B-5D7E-DEF9-4F5489AFC1C4}"/>
-          </ac:picMkLst>
-        </pc:picChg>
-        <pc:picChg chg="mod modCrop">
-          <ac:chgData name="Massey, Blake H" userId="1216071c-74eb-431e-bcbb-1fe11e6acb14" providerId="ADAL" clId="{0DEF61E0-9B94-4F73-BF49-E1F6036FE9B2}" dt="2024-03-29T22:13:40.030" v="1435" actId="1035"/>
-          <ac:picMkLst>
-            <pc:docMk/>
-            <pc:sldMk cId="2730553850" sldId="261"/>
-            <ac:picMk id="53" creationId="{5C037FA1-07FA-55C0-E0DB-D857201A864F}"/>
-          </ac:picMkLst>
-        </pc:picChg>
-        <pc:picChg chg="mod">
-          <ac:chgData name="Massey, Blake H" userId="1216071c-74eb-431e-bcbb-1fe11e6acb14" providerId="ADAL" clId="{0DEF61E0-9B94-4F73-BF49-E1F6036FE9B2}" dt="2024-03-29T22:13:40.030" v="1435" actId="1035"/>
-          <ac:picMkLst>
-            <pc:docMk/>
-            <pc:sldMk cId="2730553850" sldId="261"/>
-            <ac:picMk id="54" creationId="{21C41065-1747-47F2-2413-9E699E03769E}"/>
-          </ac:picMkLst>
-        </pc:picChg>
-        <pc:picChg chg="del mod">
-          <ac:chgData name="Massey, Blake H" userId="1216071c-74eb-431e-bcbb-1fe11e6acb14" providerId="ADAL" clId="{0DEF61E0-9B94-4F73-BF49-E1F6036FE9B2}" dt="2024-03-29T21:35:20.010" v="1123" actId="478"/>
-          <ac:picMkLst>
-            <pc:docMk/>
-            <pc:sldMk cId="2730553850" sldId="261"/>
-            <ac:picMk id="59" creationId="{4D2838EB-9998-478B-CBBF-90F65F5074DB}"/>
-          </ac:picMkLst>
-        </pc:picChg>
-        <pc:picChg chg="del">
-          <ac:chgData name="Massey, Blake H" userId="1216071c-74eb-431e-bcbb-1fe11e6acb14" providerId="ADAL" clId="{0DEF61E0-9B94-4F73-BF49-E1F6036FE9B2}" dt="2024-03-29T21:37:39.449" v="1183" actId="478"/>
-          <ac:picMkLst>
-            <pc:docMk/>
-            <pc:sldMk cId="2730553850" sldId="261"/>
-            <ac:picMk id="63" creationId="{8E0DFF60-B81B-9969-396E-D55198E0F03C}"/>
-          </ac:picMkLst>
-        </pc:picChg>
-        <pc:picChg chg="mod">
-          <ac:chgData name="Massey, Blake H" userId="1216071c-74eb-431e-bcbb-1fe11e6acb14" providerId="ADAL" clId="{0DEF61E0-9B94-4F73-BF49-E1F6036FE9B2}" dt="2024-03-29T22:13:40.030" v="1435" actId="1035"/>
-          <ac:picMkLst>
-            <pc:docMk/>
-            <pc:sldMk cId="2730553850" sldId="261"/>
-            <ac:picMk id="64" creationId="{2ADB87F8-7D2F-B2EE-97E4-AE53D59FCB8D}"/>
-          </ac:picMkLst>
-        </pc:picChg>
-        <pc:picChg chg="mod modCrop">
-          <ac:chgData name="Massey, Blake H" userId="1216071c-74eb-431e-bcbb-1fe11e6acb14" providerId="ADAL" clId="{0DEF61E0-9B94-4F73-BF49-E1F6036FE9B2}" dt="2024-03-29T22:13:40.030" v="1435" actId="1035"/>
-          <ac:picMkLst>
-            <pc:docMk/>
-            <pc:sldMk cId="2730553850" sldId="261"/>
-            <ac:picMk id="66" creationId="{2E362A31-4605-EFAE-2CCE-ECB1B8F1454A}"/>
-          </ac:picMkLst>
-        </pc:picChg>
-        <pc:picChg chg="del mod">
-          <ac:chgData name="Massey, Blake H" userId="1216071c-74eb-431e-bcbb-1fe11e6acb14" providerId="ADAL" clId="{0DEF61E0-9B94-4F73-BF49-E1F6036FE9B2}" dt="2024-03-29T20:57:15.515" v="504" actId="478"/>
-          <ac:picMkLst>
-            <pc:docMk/>
-            <pc:sldMk cId="2730553850" sldId="261"/>
-            <ac:picMk id="67" creationId="{3336B505-1235-5A3F-6442-C4913BB4CB31}"/>
-          </ac:picMkLst>
-        </pc:picChg>
-        <pc:picChg chg="del mod">
-          <ac:chgData name="Massey, Blake H" userId="1216071c-74eb-431e-bcbb-1fe11e6acb14" providerId="ADAL" clId="{0DEF61E0-9B94-4F73-BF49-E1F6036FE9B2}" dt="2024-03-29T21:17:05.971" v="828" actId="478"/>
-          <ac:picMkLst>
-            <pc:docMk/>
-            <pc:sldMk cId="2730553850" sldId="261"/>
-            <ac:picMk id="70" creationId="{5256A853-EF62-DEB4-E75F-A1E2648F72FD}"/>
-          </ac:picMkLst>
-        </pc:picChg>
-        <pc:picChg chg="del mod">
-          <ac:chgData name="Massey, Blake H" userId="1216071c-74eb-431e-bcbb-1fe11e6acb14" providerId="ADAL" clId="{0DEF61E0-9B94-4F73-BF49-E1F6036FE9B2}" dt="2024-03-29T21:35:15.226" v="1122" actId="478"/>
-          <ac:picMkLst>
-            <pc:docMk/>
-            <pc:sldMk cId="2730553850" sldId="261"/>
-            <ac:picMk id="71" creationId="{6E84A5BF-13AD-3CE8-C55C-C44052ADFF61}"/>
-          </ac:picMkLst>
-        </pc:picChg>
-        <pc:picChg chg="del mod">
-          <ac:chgData name="Massey, Blake H" userId="1216071c-74eb-431e-bcbb-1fe11e6acb14" providerId="ADAL" clId="{0DEF61E0-9B94-4F73-BF49-E1F6036FE9B2}" dt="2024-03-29T21:35:06.617" v="1120" actId="478"/>
-          <ac:picMkLst>
-            <pc:docMk/>
-            <pc:sldMk cId="2730553850" sldId="261"/>
-            <ac:picMk id="72" creationId="{E8B9D5C9-4317-F8F5-98F5-104A97682DCC}"/>
-          </ac:picMkLst>
-        </pc:picChg>
-        <pc:picChg chg="mod">
-          <ac:chgData name="Massey, Blake H" userId="1216071c-74eb-431e-bcbb-1fe11e6acb14" providerId="ADAL" clId="{0DEF61E0-9B94-4F73-BF49-E1F6036FE9B2}" dt="2024-03-29T22:14:36.944" v="1438" actId="1076"/>
-          <ac:picMkLst>
-            <pc:docMk/>
-            <pc:sldMk cId="2730553850" sldId="261"/>
-            <ac:picMk id="74" creationId="{F2587F85-E693-46F0-CE8F-75AC56FFF398}"/>
-          </ac:picMkLst>
-        </pc:picChg>
-        <pc:picChg chg="mod">
-          <ac:chgData name="Massey, Blake H" userId="1216071c-74eb-431e-bcbb-1fe11e6acb14" providerId="ADAL" clId="{0DEF61E0-9B94-4F73-BF49-E1F6036FE9B2}" dt="2024-03-29T22:13:40.030" v="1435" actId="1035"/>
-          <ac:picMkLst>
-            <pc:docMk/>
-            <pc:sldMk cId="2730553850" sldId="261"/>
-            <ac:picMk id="77" creationId="{7A351582-2D1C-9F59-A646-0BE4BEEA9988}"/>
-          </ac:picMkLst>
-        </pc:picChg>
-        <pc:picChg chg="del">
-          <ac:chgData name="Massey, Blake H" userId="1216071c-74eb-431e-bcbb-1fe11e6acb14" providerId="ADAL" clId="{0DEF61E0-9B94-4F73-BF49-E1F6036FE9B2}" dt="2024-03-29T20:44:26.796" v="398" actId="478"/>
-          <ac:picMkLst>
-            <pc:docMk/>
-            <pc:sldMk cId="2730553850" sldId="261"/>
-            <ac:picMk id="78" creationId="{AF68D023-B6EB-568E-32DF-2C9A9973F770}"/>
-          </ac:picMkLst>
-        </pc:picChg>
-        <pc:picChg chg="del">
-          <ac:chgData name="Massey, Blake H" userId="1216071c-74eb-431e-bcbb-1fe11e6acb14" providerId="ADAL" clId="{0DEF61E0-9B94-4F73-BF49-E1F6036FE9B2}" dt="2024-03-29T20:44:30.799" v="399" actId="478"/>
-          <ac:picMkLst>
-            <pc:docMk/>
-            <pc:sldMk cId="2730553850" sldId="261"/>
-            <ac:picMk id="81" creationId="{E8978B83-91CE-7F2F-4144-53FF5613AE12}"/>
-          </ac:picMkLst>
-        </pc:picChg>
-        <pc:picChg chg="del mod">
-          <ac:chgData name="Massey, Blake H" userId="1216071c-74eb-431e-bcbb-1fe11e6acb14" providerId="ADAL" clId="{0DEF61E0-9B94-4F73-BF49-E1F6036FE9B2}" dt="2024-03-29T21:15:29.865" v="780" actId="478"/>
-          <ac:picMkLst>
-            <pc:docMk/>
-            <pc:sldMk cId="2730553850" sldId="261"/>
-            <ac:picMk id="85" creationId="{2F54D0C2-A5FB-769E-FD07-34F3CD3B91A8}"/>
-          </ac:picMkLst>
-        </pc:picChg>
-        <pc:picChg chg="mod">
-          <ac:chgData name="Massey, Blake H" userId="1216071c-74eb-431e-bcbb-1fe11e6acb14" providerId="ADAL" clId="{0DEF61E0-9B94-4F73-BF49-E1F6036FE9B2}" dt="2024-03-29T22:13:40.030" v="1435" actId="1035"/>
-          <ac:picMkLst>
-            <pc:docMk/>
-            <pc:sldMk cId="2730553850" sldId="261"/>
-            <ac:picMk id="86" creationId="{8CBD3E32-BA82-232B-084D-279116BA1998}"/>
-          </ac:picMkLst>
-        </pc:picChg>
-        <pc:picChg chg="add mod">
-          <ac:chgData name="Massey, Blake H" userId="1216071c-74eb-431e-bcbb-1fe11e6acb14" providerId="ADAL" clId="{0DEF61E0-9B94-4F73-BF49-E1F6036FE9B2}" dt="2024-03-29T22:14:56.568" v="1445" actId="1076"/>
-          <ac:picMkLst>
-            <pc:docMk/>
-            <pc:sldMk cId="2730553850" sldId="261"/>
-            <ac:picMk id="123" creationId="{EA5EFAA8-E655-4EE7-085C-BDBFCBD5F146}"/>
-          </ac:picMkLst>
-        </pc:picChg>
-        <pc:picChg chg="add mod modCrop">
-          <ac:chgData name="Massey, Blake H" userId="1216071c-74eb-431e-bcbb-1fe11e6acb14" providerId="ADAL" clId="{0DEF61E0-9B94-4F73-BF49-E1F6036FE9B2}" dt="2024-03-29T22:13:40.030" v="1435" actId="1035"/>
-          <ac:picMkLst>
-            <pc:docMk/>
-            <pc:sldMk cId="2730553850" sldId="261"/>
-            <ac:picMk id="142" creationId="{D24AD8C4-CC03-BCAA-D39A-B6C1FF87D445}"/>
-          </ac:picMkLst>
-        </pc:picChg>
-        <pc:picChg chg="add del mod">
-          <ac:chgData name="Massey, Blake H" userId="1216071c-74eb-431e-bcbb-1fe11e6acb14" providerId="ADAL" clId="{0DEF61E0-9B94-4F73-BF49-E1F6036FE9B2}" dt="2024-03-29T21:30:34.184" v="1048" actId="478"/>
-          <ac:picMkLst>
-            <pc:docMk/>
-            <pc:sldMk cId="2730553850" sldId="261"/>
-            <ac:picMk id="164" creationId="{D805EBBE-57F2-5514-6D52-C2ACC00D08BA}"/>
-          </ac:picMkLst>
-        </pc:picChg>
-        <pc:picChg chg="add mod">
-          <ac:chgData name="Massey, Blake H" userId="1216071c-74eb-431e-bcbb-1fe11e6acb14" providerId="ADAL" clId="{0DEF61E0-9B94-4F73-BF49-E1F6036FE9B2}" dt="2024-03-29T22:13:40.030" v="1435" actId="1035"/>
-          <ac:picMkLst>
-            <pc:docMk/>
-            <pc:sldMk cId="2730553850" sldId="261"/>
-            <ac:picMk id="165" creationId="{7C732280-B67E-E95D-D357-EB6B73DF0873}"/>
-          </ac:picMkLst>
-        </pc:picChg>
-        <pc:picChg chg="add mod">
-          <ac:chgData name="Massey, Blake H" userId="1216071c-74eb-431e-bcbb-1fe11e6acb14" providerId="ADAL" clId="{0DEF61E0-9B94-4F73-BF49-E1F6036FE9B2}" dt="2024-03-29T22:13:40.030" v="1435" actId="1035"/>
-          <ac:picMkLst>
-            <pc:docMk/>
-            <pc:sldMk cId="2730553850" sldId="261"/>
-            <ac:picMk id="166" creationId="{2342B846-FCD4-10FE-1B9B-2880E3BED6DD}"/>
-          </ac:picMkLst>
-        </pc:picChg>
-        <pc:picChg chg="add mod">
-          <ac:chgData name="Massey, Blake H" userId="1216071c-74eb-431e-bcbb-1fe11e6acb14" providerId="ADAL" clId="{0DEF61E0-9B94-4F73-BF49-E1F6036FE9B2}" dt="2024-03-29T22:13:40.030" v="1435" actId="1035"/>
-          <ac:picMkLst>
-            <pc:docMk/>
-            <pc:sldMk cId="2730553850" sldId="261"/>
-            <ac:picMk id="169" creationId="{3A222817-A6EB-681A-E30A-54D6F243EA1A}"/>
-          </ac:picMkLst>
-        </pc:picChg>
-        <pc:picChg chg="add del mod">
-          <ac:chgData name="Massey, Blake H" userId="1216071c-74eb-431e-bcbb-1fe11e6acb14" providerId="ADAL" clId="{0DEF61E0-9B94-4F73-BF49-E1F6036FE9B2}" dt="2024-03-29T21:35:20.984" v="1124" actId="478"/>
-          <ac:picMkLst>
-            <pc:docMk/>
-            <pc:sldMk cId="2730553850" sldId="261"/>
-            <ac:picMk id="170" creationId="{D8E54499-814A-6BB3-DDFA-B86DE718A8D1}"/>
-          </ac:picMkLst>
-        </pc:picChg>
-        <pc:picChg chg="add del mod">
-          <ac:chgData name="Massey, Blake H" userId="1216071c-74eb-431e-bcbb-1fe11e6acb14" providerId="ADAL" clId="{0DEF61E0-9B94-4F73-BF49-E1F6036FE9B2}" dt="2024-03-29T22:14:38.646" v="1439" actId="478"/>
-          <ac:picMkLst>
-            <pc:docMk/>
-            <pc:sldMk cId="2730553850" sldId="261"/>
-            <ac:picMk id="171" creationId="{E0185C0A-A8DF-D313-93BA-6B95DA79E35E}"/>
-          </ac:picMkLst>
-        </pc:picChg>
-        <pc:picChg chg="add mod">
-          <ac:chgData name="Massey, Blake H" userId="1216071c-74eb-431e-bcbb-1fe11e6acb14" providerId="ADAL" clId="{0DEF61E0-9B94-4F73-BF49-E1F6036FE9B2}" dt="2024-03-29T22:13:40.030" v="1435" actId="1035"/>
-          <ac:picMkLst>
-            <pc:docMk/>
-            <pc:sldMk cId="2730553850" sldId="261"/>
-            <ac:picMk id="172" creationId="{B1C24983-D51D-B83E-53EC-CB86D9143334}"/>
-          </ac:picMkLst>
-        </pc:picChg>
-        <pc:picChg chg="add mod">
-          <ac:chgData name="Massey, Blake H" userId="1216071c-74eb-431e-bcbb-1fe11e6acb14" providerId="ADAL" clId="{0DEF61E0-9B94-4F73-BF49-E1F6036FE9B2}" dt="2024-03-29T22:13:40.030" v="1435" actId="1035"/>
-          <ac:picMkLst>
-            <pc:docMk/>
-            <pc:sldMk cId="2730553850" sldId="261"/>
-            <ac:picMk id="174" creationId="{02868C8C-2DF8-E4A2-B7AB-AE559CE507D6}"/>
-          </ac:picMkLst>
-        </pc:picChg>
-        <pc:picChg chg="add mod ord">
-          <ac:chgData name="Massey, Blake H" userId="1216071c-74eb-431e-bcbb-1fe11e6acb14" providerId="ADAL" clId="{0DEF61E0-9B94-4F73-BF49-E1F6036FE9B2}" dt="2024-03-29T22:06:57.188" v="1374" actId="164"/>
-          <ac:picMkLst>
-            <pc:docMk/>
-            <pc:sldMk cId="2730553850" sldId="261"/>
-            <ac:picMk id="175" creationId="{B4DAFF50-21C8-0644-8F92-80A616C3F1E8}"/>
-          </ac:picMkLst>
-        </pc:picChg>
-        <pc:cxnChg chg="mod">
-          <ac:chgData name="Massey, Blake H" userId="1216071c-74eb-431e-bcbb-1fe11e6acb14" providerId="ADAL" clId="{0DEF61E0-9B94-4F73-BF49-E1F6036FE9B2}" dt="2024-03-29T22:13:40.030" v="1435" actId="1035"/>
-          <ac:cxnSpMkLst>
-            <pc:docMk/>
-            <pc:sldMk cId="2730553850" sldId="261"/>
-            <ac:cxnSpMk id="33" creationId="{9D803F70-E6F0-9DB9-014C-9311D3C802BB}"/>
-          </ac:cxnSpMkLst>
-        </pc:cxnChg>
-        <pc:cxnChg chg="add del mod">
-          <ac:chgData name="Massey, Blake H" userId="1216071c-74eb-431e-bcbb-1fe11e6acb14" providerId="ADAL" clId="{0DEF61E0-9B94-4F73-BF49-E1F6036FE9B2}" dt="2024-03-29T21:17:46.481" v="838" actId="478"/>
-          <ac:cxnSpMkLst>
-            <pc:docMk/>
-            <pc:sldMk cId="2730553850" sldId="261"/>
-            <ac:cxnSpMk id="40" creationId="{308E77B0-EB36-3F25-BF0B-30725AE9FBC5}"/>
-          </ac:cxnSpMkLst>
-        </pc:cxnChg>
-        <pc:cxnChg chg="del mod">
-          <ac:chgData name="Massey, Blake H" userId="1216071c-74eb-431e-bcbb-1fe11e6acb14" providerId="ADAL" clId="{0DEF61E0-9B94-4F73-BF49-E1F6036FE9B2}" dt="2024-03-29T20:48:09.596" v="433" actId="478"/>
-          <ac:cxnSpMkLst>
-            <pc:docMk/>
-            <pc:sldMk cId="2730553850" sldId="261"/>
-            <ac:cxnSpMk id="46" creationId="{4A93E6C3-F674-C7D9-DCAC-2FB038E2C341}"/>
-          </ac:cxnSpMkLst>
-        </pc:cxnChg>
-        <pc:cxnChg chg="add mod">
-          <ac:chgData name="Massey, Blake H" userId="1216071c-74eb-431e-bcbb-1fe11e6acb14" providerId="ADAL" clId="{0DEF61E0-9B94-4F73-BF49-E1F6036FE9B2}" dt="2024-03-29T22:13:40.030" v="1435" actId="1035"/>
-          <ac:cxnSpMkLst>
-            <pc:docMk/>
-            <pc:sldMk cId="2730553850" sldId="261"/>
-            <ac:cxnSpMk id="76" creationId="{9F6CB291-2D27-F794-CB4D-9A2F20BBB41F}"/>
-          </ac:cxnSpMkLst>
-        </pc:cxnChg>
-        <pc:cxnChg chg="add mod">
-          <ac:chgData name="Massey, Blake H" userId="1216071c-74eb-431e-bcbb-1fe11e6acb14" providerId="ADAL" clId="{0DEF61E0-9B94-4F73-BF49-E1F6036FE9B2}" dt="2024-03-29T22:13:40.030" v="1435" actId="1035"/>
-          <ac:cxnSpMkLst>
-            <pc:docMk/>
-            <pc:sldMk cId="2730553850" sldId="261"/>
-            <ac:cxnSpMk id="83" creationId="{1E036DBE-F87F-05FB-1403-D57BB6F90ABD}"/>
-          </ac:cxnSpMkLst>
-        </pc:cxnChg>
-        <pc:cxnChg chg="add mod">
-          <ac:chgData name="Massey, Blake H" userId="1216071c-74eb-431e-bcbb-1fe11e6acb14" providerId="ADAL" clId="{0DEF61E0-9B94-4F73-BF49-E1F6036FE9B2}" dt="2024-03-29T22:13:40.030" v="1435" actId="1035"/>
-          <ac:cxnSpMkLst>
-            <pc:docMk/>
-            <pc:sldMk cId="2730553850" sldId="261"/>
-            <ac:cxnSpMk id="96" creationId="{1C462A0B-0EB8-F384-E496-EA8D6A4FD96D}"/>
-          </ac:cxnSpMkLst>
-        </pc:cxnChg>
-        <pc:cxnChg chg="add mod">
-          <ac:chgData name="Massey, Blake H" userId="1216071c-74eb-431e-bcbb-1fe11e6acb14" providerId="ADAL" clId="{0DEF61E0-9B94-4F73-BF49-E1F6036FE9B2}" dt="2024-03-29T22:13:40.030" v="1435" actId="1035"/>
-          <ac:cxnSpMkLst>
-            <pc:docMk/>
-            <pc:sldMk cId="2730553850" sldId="261"/>
-            <ac:cxnSpMk id="101" creationId="{E99DA6AC-FBB7-200B-43E5-84F9193ED14D}"/>
-          </ac:cxnSpMkLst>
-        </pc:cxnChg>
-        <pc:cxnChg chg="add mod">
-          <ac:chgData name="Massey, Blake H" userId="1216071c-74eb-431e-bcbb-1fe11e6acb14" providerId="ADAL" clId="{0DEF61E0-9B94-4F73-BF49-E1F6036FE9B2}" dt="2024-03-29T22:13:40.030" v="1435" actId="1035"/>
-          <ac:cxnSpMkLst>
-            <pc:docMk/>
-            <pc:sldMk cId="2730553850" sldId="261"/>
-            <ac:cxnSpMk id="103" creationId="{C05BD209-B602-9B58-5F82-061079C75049}"/>
-          </ac:cxnSpMkLst>
-        </pc:cxnChg>
-        <pc:cxnChg chg="add mod">
-          <ac:chgData name="Massey, Blake H" userId="1216071c-74eb-431e-bcbb-1fe11e6acb14" providerId="ADAL" clId="{0DEF61E0-9B94-4F73-BF49-E1F6036FE9B2}" dt="2024-03-29T22:13:40.030" v="1435" actId="1035"/>
-          <ac:cxnSpMkLst>
-            <pc:docMk/>
-            <pc:sldMk cId="2730553850" sldId="261"/>
-            <ac:cxnSpMk id="109" creationId="{CC472F0F-58A3-CC2B-BAC6-24CAE5D52181}"/>
-          </ac:cxnSpMkLst>
-        </pc:cxnChg>
-        <pc:cxnChg chg="add mod">
-          <ac:chgData name="Massey, Blake H" userId="1216071c-74eb-431e-bcbb-1fe11e6acb14" providerId="ADAL" clId="{0DEF61E0-9B94-4F73-BF49-E1F6036FE9B2}" dt="2024-03-29T22:13:40.030" v="1435" actId="1035"/>
-          <ac:cxnSpMkLst>
-            <pc:docMk/>
-            <pc:sldMk cId="2730553850" sldId="261"/>
-            <ac:cxnSpMk id="125" creationId="{00F40E3E-D856-2F43-CB22-222BB0893DCF}"/>
-          </ac:cxnSpMkLst>
-        </pc:cxnChg>
       </pc:sldChg>
     </pc:docChg>
   </pc:docChgLst>
@@ -3787,7 +3787,7 @@
           <a:p>
             <a:fld id="{2F3B0BD4-F5D8-41F9-9354-B14D27600A1D}" type="datetimeFigureOut">
               <a:rPr lang="en-US" smtClean="0"/>
-              <a:t>3/29/2024</a:t>
+              <a:t>3/31/2024</a:t>
             </a:fld>
             <a:endParaRPr lang="en-US"/>
           </a:p>
@@ -3985,7 +3985,7 @@
           <a:p>
             <a:fld id="{2F3B0BD4-F5D8-41F9-9354-B14D27600A1D}" type="datetimeFigureOut">
               <a:rPr lang="en-US" smtClean="0"/>
-              <a:t>3/29/2024</a:t>
+              <a:t>3/31/2024</a:t>
             </a:fld>
             <a:endParaRPr lang="en-US"/>
           </a:p>
@@ -4193,7 +4193,7 @@
           <a:p>
             <a:fld id="{2F3B0BD4-F5D8-41F9-9354-B14D27600A1D}" type="datetimeFigureOut">
               <a:rPr lang="en-US" smtClean="0"/>
-              <a:t>3/29/2024</a:t>
+              <a:t>3/31/2024</a:t>
             </a:fld>
             <a:endParaRPr lang="en-US"/>
           </a:p>
@@ -4391,7 +4391,7 @@
           <a:p>
             <a:fld id="{2F3B0BD4-F5D8-41F9-9354-B14D27600A1D}" type="datetimeFigureOut">
               <a:rPr lang="en-US" smtClean="0"/>
-              <a:t>3/29/2024</a:t>
+              <a:t>3/31/2024</a:t>
             </a:fld>
             <a:endParaRPr lang="en-US"/>
           </a:p>
@@ -4666,7 +4666,7 @@
           <a:p>
             <a:fld id="{2F3B0BD4-F5D8-41F9-9354-B14D27600A1D}" type="datetimeFigureOut">
               <a:rPr lang="en-US" smtClean="0"/>
-              <a:t>3/29/2024</a:t>
+              <a:t>3/31/2024</a:t>
             </a:fld>
             <a:endParaRPr lang="en-US"/>
           </a:p>
@@ -4931,7 +4931,7 @@
           <a:p>
             <a:fld id="{2F3B0BD4-F5D8-41F9-9354-B14D27600A1D}" type="datetimeFigureOut">
               <a:rPr lang="en-US" smtClean="0"/>
-              <a:t>3/29/2024</a:t>
+              <a:t>3/31/2024</a:t>
             </a:fld>
             <a:endParaRPr lang="en-US"/>
           </a:p>
@@ -5343,7 +5343,7 @@
           <a:p>
             <a:fld id="{2F3B0BD4-F5D8-41F9-9354-B14D27600A1D}" type="datetimeFigureOut">
               <a:rPr lang="en-US" smtClean="0"/>
-              <a:t>3/29/2024</a:t>
+              <a:t>3/31/2024</a:t>
             </a:fld>
             <a:endParaRPr lang="en-US"/>
           </a:p>
@@ -5484,7 +5484,7 @@
           <a:p>
             <a:fld id="{2F3B0BD4-F5D8-41F9-9354-B14D27600A1D}" type="datetimeFigureOut">
               <a:rPr lang="en-US" smtClean="0"/>
-              <a:t>3/29/2024</a:t>
+              <a:t>3/31/2024</a:t>
             </a:fld>
             <a:endParaRPr lang="en-US"/>
           </a:p>
@@ -5597,7 +5597,7 @@
           <a:p>
             <a:fld id="{2F3B0BD4-F5D8-41F9-9354-B14D27600A1D}" type="datetimeFigureOut">
               <a:rPr lang="en-US" smtClean="0"/>
-              <a:t>3/29/2024</a:t>
+              <a:t>3/31/2024</a:t>
             </a:fld>
             <a:endParaRPr lang="en-US"/>
           </a:p>
@@ -5908,7 +5908,7 @@
           <a:p>
             <a:fld id="{2F3B0BD4-F5D8-41F9-9354-B14D27600A1D}" type="datetimeFigureOut">
               <a:rPr lang="en-US" smtClean="0"/>
-              <a:t>3/29/2024</a:t>
+              <a:t>3/31/2024</a:t>
             </a:fld>
             <a:endParaRPr lang="en-US"/>
           </a:p>
@@ -6196,7 +6196,7 @@
           <a:p>
             <a:fld id="{2F3B0BD4-F5D8-41F9-9354-B14D27600A1D}" type="datetimeFigureOut">
               <a:rPr lang="en-US" smtClean="0"/>
-              <a:t>3/29/2024</a:t>
+              <a:t>3/31/2024</a:t>
             </a:fld>
             <a:endParaRPr lang="en-US"/>
           </a:p>
@@ -6437,7 +6437,7 @@
           <a:p>
             <a:fld id="{2F3B0BD4-F5D8-41F9-9354-B14D27600A1D}" type="datetimeFigureOut">
               <a:rPr lang="en-US" smtClean="0"/>
-              <a:t>3/29/2024</a:t>
+              <a:t>3/31/2024</a:t>
             </a:fld>
             <a:endParaRPr lang="en-US"/>
           </a:p>
@@ -17764,14 +17764,12 @@
 </file>
 
 <file path=customXml/item1.xml><?xml version="1.0" encoding="utf-8"?>
-<p:properties xmlns:p="http://schemas.microsoft.com/office/2006/metadata/properties" xmlns:xsi="http://www.w3.org/2001/XMLSchema-instance" xmlns:pc="http://schemas.microsoft.com/office/infopath/2007/PartnerControls">
-  <documentManagement>
-    <lcf76f155ced4ddcb4097134ff3c332f xmlns="db87db67-96a3-4d72-91a8-81563af8600c">
-      <Terms xmlns="http://schemas.microsoft.com/office/infopath/2007/PartnerControls"/>
-    </lcf76f155ced4ddcb4097134ff3c332f>
-    <TaxCatchAll xmlns="31062a0d-ede8-4112-b4bb-00a9c1bc8e16" xsi:nil="true"/>
-  </documentManagement>
-</p:properties>
+<?mso-contentType ?>
+<FormTemplates xmlns="http://schemas.microsoft.com/sharepoint/v3/contenttype/forms">
+  <Display>DocumentLibraryForm</Display>
+  <Edit>DocumentLibraryForm</Edit>
+  <New>DocumentLibraryForm</New>
+</FormTemplates>
 </file>
 
 <file path=customXml/item2.xml><?xml version="1.0" encoding="utf-8"?>
@@ -18015,28 +18013,20 @@
 </file>
 
 <file path=customXml/item3.xml><?xml version="1.0" encoding="utf-8"?>
-<?mso-contentType ?>
-<FormTemplates xmlns="http://schemas.microsoft.com/sharepoint/v3/contenttype/forms">
-  <Display>DocumentLibraryForm</Display>
-  <Edit>DocumentLibraryForm</Edit>
-  <New>DocumentLibraryForm</New>
-</FormTemplates>
+<p:properties xmlns:p="http://schemas.microsoft.com/office/2006/metadata/properties" xmlns:xsi="http://www.w3.org/2001/XMLSchema-instance" xmlns:pc="http://schemas.microsoft.com/office/infopath/2007/PartnerControls">
+  <documentManagement>
+    <lcf76f155ced4ddcb4097134ff3c332f xmlns="db87db67-96a3-4d72-91a8-81563af8600c">
+      <Terms xmlns="http://schemas.microsoft.com/office/infopath/2007/PartnerControls"/>
+    </lcf76f155ced4ddcb4097134ff3c332f>
+    <TaxCatchAll xmlns="31062a0d-ede8-4112-b4bb-00a9c1bc8e16" xsi:nil="true"/>
+  </documentManagement>
+</p:properties>
 </file>
 
 <file path=customXml/itemProps1.xml><?xml version="1.0" encoding="utf-8"?>
-<ds:datastoreItem xmlns:ds="http://schemas.openxmlformats.org/officeDocument/2006/customXml" ds:itemID="{BEFAA33E-CE3C-4FBC-AC45-C1B2A87C655E}">
+<ds:datastoreItem xmlns:ds="http://schemas.openxmlformats.org/officeDocument/2006/customXml" ds:itemID="{D2C9E12A-69ED-4F7F-BE34-9607F5B60EAA}">
   <ds:schemaRefs>
-    <ds:schemaRef ds:uri="http://schemas.microsoft.com/office/infopath/2007/PartnerControls"/>
-    <ds:schemaRef ds:uri="http://schemas.microsoft.com/office/2006/documentManagement/types"/>
-    <ds:schemaRef ds:uri="http://purl.org/dc/terms/"/>
-    <ds:schemaRef ds:uri="31062a0d-ede8-4112-b4bb-00a9c1bc8e16"/>
-    <ds:schemaRef ds:uri="http://schemas.microsoft.com/office/2006/metadata/properties"/>
-    <ds:schemaRef ds:uri="http://www.w3.org/XML/1998/namespace"/>
-    <ds:schemaRef ds:uri="http://purl.org/dc/elements/1.1/"/>
-    <ds:schemaRef ds:uri="48bb7575-d4a1-41b2-9b61-de08cfdbf3b5"/>
-    <ds:schemaRef ds:uri="http://schemas.openxmlformats.org/package/2006/metadata/core-properties"/>
-    <ds:schemaRef ds:uri="db87db67-96a3-4d72-91a8-81563af8600c"/>
-    <ds:schemaRef ds:uri="http://purl.org/dc/dcmitype/"/>
+    <ds:schemaRef ds:uri="http://schemas.microsoft.com/sharepoint/v3/contenttype/forms"/>
   </ds:schemaRefs>
 </ds:datastoreItem>
 </file>
@@ -18062,9 +18052,19 @@
 </file>
 
 <file path=customXml/itemProps3.xml><?xml version="1.0" encoding="utf-8"?>
-<ds:datastoreItem xmlns:ds="http://schemas.openxmlformats.org/officeDocument/2006/customXml" ds:itemID="{D2C9E12A-69ED-4F7F-BE34-9607F5B60EAA}">
+<ds:datastoreItem xmlns:ds="http://schemas.openxmlformats.org/officeDocument/2006/customXml" ds:itemID="{BEFAA33E-CE3C-4FBC-AC45-C1B2A87C655E}">
   <ds:schemaRefs>
-    <ds:schemaRef ds:uri="http://schemas.microsoft.com/sharepoint/v3/contenttype/forms"/>
+    <ds:schemaRef ds:uri="http://schemas.microsoft.com/office/infopath/2007/PartnerControls"/>
+    <ds:schemaRef ds:uri="http://schemas.microsoft.com/office/2006/documentManagement/types"/>
+    <ds:schemaRef ds:uri="http://purl.org/dc/terms/"/>
+    <ds:schemaRef ds:uri="31062a0d-ede8-4112-b4bb-00a9c1bc8e16"/>
+    <ds:schemaRef ds:uri="http://schemas.microsoft.com/office/2006/metadata/properties"/>
+    <ds:schemaRef ds:uri="http://www.w3.org/XML/1998/namespace"/>
+    <ds:schemaRef ds:uri="http://purl.org/dc/elements/1.1/"/>
+    <ds:schemaRef ds:uri="48bb7575-d4a1-41b2-9b61-de08cfdbf3b5"/>
+    <ds:schemaRef ds:uri="http://schemas.openxmlformats.org/package/2006/metadata/core-properties"/>
+    <ds:schemaRef ds:uri="db87db67-96a3-4d72-91a8-81563af8600c"/>
+    <ds:schemaRef ds:uri="http://purl.org/dc/dcmitype/"/>
   </ds:schemaRefs>
 </ds:datastoreItem>
 </file>
--- a/assets/Metadata_System_Architecture_PowerPoint/Metadata_System_Architecture.pptx
+++ b/assets/Metadata_System_Architecture_PowerPoint/Metadata_System_Architecture.pptx
@@ -131,13 +131,84 @@
 <file path=ppt/revisionInfo.xml><?xml version="1.0" encoding="utf-8"?>
 <p1510:revInfo xmlns:a="http://schemas.openxmlformats.org/drawingml/2006/main" xmlns:r="http://schemas.openxmlformats.org/officeDocument/2006/relationships" xmlns:p1510="http://schemas.microsoft.com/office/powerpoint/2015/10/main">
   <p1510:revLst>
-    <p1510:client id="{2E765D45-F01F-4C8E-B920-321B02B582F2}" v="1" dt="2024-04-17T20:43:41.858"/>
+    <p1510:client id="{D40E747B-DBB4-435B-8C51-ACA97BEB267F}" v="1" dt="2024-07-03T12:15:56.557"/>
   </p1510:revLst>
 </p1510:revInfo>
 </file>
 
 <file path=ppt/changesInfos/changesInfo1.xml><?xml version="1.0" encoding="utf-8"?>
 <pc:chgInfo xmlns:a="http://schemas.openxmlformats.org/drawingml/2006/main" xmlns:r="http://schemas.openxmlformats.org/officeDocument/2006/relationships" xmlns:ac="http://schemas.microsoft.com/office/drawing/2013/main/command" xmlns:pc="http://schemas.microsoft.com/office/powerpoint/2013/main/command">
+  <pc:docChgLst>
+    <pc:chgData name="Massey, Blake H" userId="1216071c-74eb-431e-bcbb-1fe11e6acb14" providerId="ADAL" clId="{D40E747B-DBB4-435B-8C51-ACA97BEB267F}"/>
+    <pc:docChg chg="undo custSel modSld">
+      <pc:chgData name="Massey, Blake H" userId="1216071c-74eb-431e-bcbb-1fe11e6acb14" providerId="ADAL" clId="{D40E747B-DBB4-435B-8C51-ACA97BEB267F}" dt="2024-07-03T12:16:21.028" v="37" actId="1038"/>
+      <pc:docMkLst>
+        <pc:docMk/>
+      </pc:docMkLst>
+      <pc:sldChg chg="modSp mod">
+        <pc:chgData name="Massey, Blake H" userId="1216071c-74eb-431e-bcbb-1fe11e6acb14" providerId="ADAL" clId="{D40E747B-DBB4-435B-8C51-ACA97BEB267F}" dt="2024-07-03T12:15:07.536" v="0" actId="1076"/>
+        <pc:sldMkLst>
+          <pc:docMk/>
+          <pc:sldMk cId="3231909131" sldId="258"/>
+        </pc:sldMkLst>
+        <pc:spChg chg="mod">
+          <ac:chgData name="Massey, Blake H" userId="1216071c-74eb-431e-bcbb-1fe11e6acb14" providerId="ADAL" clId="{D40E747B-DBB4-435B-8C51-ACA97BEB267F}" dt="2024-07-03T12:15:07.536" v="0" actId="1076"/>
+          <ac:spMkLst>
+            <pc:docMk/>
+            <pc:sldMk cId="3231909131" sldId="258"/>
+            <ac:spMk id="7" creationId="{7F3E2AF7-6E3F-8C32-1829-EB7E56754D48}"/>
+          </ac:spMkLst>
+        </pc:spChg>
+        <pc:grpChg chg="mod">
+          <ac:chgData name="Massey, Blake H" userId="1216071c-74eb-431e-bcbb-1fe11e6acb14" providerId="ADAL" clId="{D40E747B-DBB4-435B-8C51-ACA97BEB267F}" dt="2024-07-03T12:15:07.536" v="0" actId="1076"/>
+          <ac:grpSpMkLst>
+            <pc:docMk/>
+            <pc:sldMk cId="3231909131" sldId="258"/>
+            <ac:grpSpMk id="10" creationId="{E20322E7-EC1C-5D72-BE2C-BAE61840D5C6}"/>
+          </ac:grpSpMkLst>
+        </pc:grpChg>
+      </pc:sldChg>
+      <pc:sldChg chg="addSp delSp modSp mod">
+        <pc:chgData name="Massey, Blake H" userId="1216071c-74eb-431e-bcbb-1fe11e6acb14" providerId="ADAL" clId="{D40E747B-DBB4-435B-8C51-ACA97BEB267F}" dt="2024-07-03T12:16:21.028" v="37" actId="1038"/>
+        <pc:sldMkLst>
+          <pc:docMk/>
+          <pc:sldMk cId="3248887762" sldId="260"/>
+        </pc:sldMkLst>
+        <pc:spChg chg="add del">
+          <ac:chgData name="Massey, Blake H" userId="1216071c-74eb-431e-bcbb-1fe11e6acb14" providerId="ADAL" clId="{D40E747B-DBB4-435B-8C51-ACA97BEB267F}" dt="2024-07-03T12:15:54.139" v="10" actId="22"/>
+          <ac:spMkLst>
+            <pc:docMk/>
+            <pc:sldMk cId="3248887762" sldId="260"/>
+            <ac:spMk id="3" creationId="{268392E1-A1AB-E642-FB70-FA3A348B2AD0}"/>
+          </ac:spMkLst>
+        </pc:spChg>
+        <pc:spChg chg="add mod">
+          <ac:chgData name="Massey, Blake H" userId="1216071c-74eb-431e-bcbb-1fe11e6acb14" providerId="ADAL" clId="{D40E747B-DBB4-435B-8C51-ACA97BEB267F}" dt="2024-07-03T12:16:21.028" v="37" actId="1038"/>
+          <ac:spMkLst>
+            <pc:docMk/>
+            <pc:sldMk cId="3248887762" sldId="260"/>
+            <ac:spMk id="4" creationId="{664B40D5-4B18-290B-315C-A947726D463A}"/>
+          </ac:spMkLst>
+        </pc:spChg>
+        <pc:spChg chg="mod">
+          <ac:chgData name="Massey, Blake H" userId="1216071c-74eb-431e-bcbb-1fe11e6acb14" providerId="ADAL" clId="{D40E747B-DBB4-435B-8C51-ACA97BEB267F}" dt="2024-07-03T12:15:46.005" v="8" actId="1037"/>
+          <ac:spMkLst>
+            <pc:docMk/>
+            <pc:sldMk cId="3248887762" sldId="260"/>
+            <ac:spMk id="69" creationId="{29F62814-CFC8-39D0-B9F0-57EE71C7ACFF}"/>
+          </ac:spMkLst>
+        </pc:spChg>
+        <pc:picChg chg="mod">
+          <ac:chgData name="Massey, Blake H" userId="1216071c-74eb-431e-bcbb-1fe11e6acb14" providerId="ADAL" clId="{D40E747B-DBB4-435B-8C51-ACA97BEB267F}" dt="2024-07-03T12:15:46.005" v="8" actId="1037"/>
+          <ac:picMkLst>
+            <pc:docMk/>
+            <pc:sldMk cId="3248887762" sldId="260"/>
+            <ac:picMk id="70" creationId="{5256A853-EF62-DEB4-E75F-A1E2648F72FD}"/>
+          </ac:picMkLst>
+        </pc:picChg>
+      </pc:sldChg>
+    </pc:docChg>
+  </pc:docChgLst>
   <pc:docChgLst>
     <pc:chgData name="Massey, Blake H" userId="1216071c-74eb-431e-bcbb-1fe11e6acb14" providerId="ADAL" clId="{2E765D45-F01F-4C8E-B920-321B02B582F2}"/>
     <pc:docChg chg="modSld sldOrd">
@@ -3832,7 +3903,7 @@
           <a:p>
             <a:fld id="{2F3B0BD4-F5D8-41F9-9354-B14D27600A1D}" type="datetimeFigureOut">
               <a:rPr lang="en-US" smtClean="0"/>
-              <a:t>4/17/2024</a:t>
+              <a:t>2024-07-03</a:t>
             </a:fld>
             <a:endParaRPr lang="en-US"/>
           </a:p>
@@ -4030,7 +4101,7 @@
           <a:p>
             <a:fld id="{2F3B0BD4-F5D8-41F9-9354-B14D27600A1D}" type="datetimeFigureOut">
               <a:rPr lang="en-US" smtClean="0"/>
-              <a:t>4/17/2024</a:t>
+              <a:t>2024-07-03</a:t>
             </a:fld>
             <a:endParaRPr lang="en-US"/>
           </a:p>
@@ -4238,7 +4309,7 @@
           <a:p>
             <a:fld id="{2F3B0BD4-F5D8-41F9-9354-B14D27600A1D}" type="datetimeFigureOut">
               <a:rPr lang="en-US" smtClean="0"/>
-              <a:t>4/17/2024</a:t>
+              <a:t>2024-07-03</a:t>
             </a:fld>
             <a:endParaRPr lang="en-US"/>
           </a:p>
@@ -4436,7 +4507,7 @@
           <a:p>
             <a:fld id="{2F3B0BD4-F5D8-41F9-9354-B14D27600A1D}" type="datetimeFigureOut">
               <a:rPr lang="en-US" smtClean="0"/>
-              <a:t>4/17/2024</a:t>
+              <a:t>2024-07-03</a:t>
             </a:fld>
             <a:endParaRPr lang="en-US"/>
           </a:p>
@@ -4711,7 +4782,7 @@
           <a:p>
             <a:fld id="{2F3B0BD4-F5D8-41F9-9354-B14D27600A1D}" type="datetimeFigureOut">
               <a:rPr lang="en-US" smtClean="0"/>
-              <a:t>4/17/2024</a:t>
+              <a:t>2024-07-03</a:t>
             </a:fld>
             <a:endParaRPr lang="en-US"/>
           </a:p>
@@ -4976,7 +5047,7 @@
           <a:p>
             <a:fld id="{2F3B0BD4-F5D8-41F9-9354-B14D27600A1D}" type="datetimeFigureOut">
               <a:rPr lang="en-US" smtClean="0"/>
-              <a:t>4/17/2024</a:t>
+              <a:t>2024-07-03</a:t>
             </a:fld>
             <a:endParaRPr lang="en-US"/>
           </a:p>
@@ -5388,7 +5459,7 @@
           <a:p>
             <a:fld id="{2F3B0BD4-F5D8-41F9-9354-B14D27600A1D}" type="datetimeFigureOut">
               <a:rPr lang="en-US" smtClean="0"/>
-              <a:t>4/17/2024</a:t>
+              <a:t>2024-07-03</a:t>
             </a:fld>
             <a:endParaRPr lang="en-US"/>
           </a:p>
@@ -5529,7 +5600,7 @@
           <a:p>
             <a:fld id="{2F3B0BD4-F5D8-41F9-9354-B14D27600A1D}" type="datetimeFigureOut">
               <a:rPr lang="en-US" smtClean="0"/>
-              <a:t>4/17/2024</a:t>
+              <a:t>2024-07-03</a:t>
             </a:fld>
             <a:endParaRPr lang="en-US"/>
           </a:p>
@@ -5642,7 +5713,7 @@
           <a:p>
             <a:fld id="{2F3B0BD4-F5D8-41F9-9354-B14D27600A1D}" type="datetimeFigureOut">
               <a:rPr lang="en-US" smtClean="0"/>
-              <a:t>4/17/2024</a:t>
+              <a:t>2024-07-03</a:t>
             </a:fld>
             <a:endParaRPr lang="en-US"/>
           </a:p>
@@ -5953,7 +6024,7 @@
           <a:p>
             <a:fld id="{2F3B0BD4-F5D8-41F9-9354-B14D27600A1D}" type="datetimeFigureOut">
               <a:rPr lang="en-US" smtClean="0"/>
-              <a:t>4/17/2024</a:t>
+              <a:t>2024-07-03</a:t>
             </a:fld>
             <a:endParaRPr lang="en-US"/>
           </a:p>
@@ -6241,7 +6312,7 @@
           <a:p>
             <a:fld id="{2F3B0BD4-F5D8-41F9-9354-B14D27600A1D}" type="datetimeFigureOut">
               <a:rPr lang="en-US" smtClean="0"/>
-              <a:t>4/17/2024</a:t>
+              <a:t>2024-07-03</a:t>
             </a:fld>
             <a:endParaRPr lang="en-US"/>
           </a:p>
@@ -6482,7 +6553,7 @@
           <a:p>
             <a:fld id="{2F3B0BD4-F5D8-41F9-9354-B14D27600A1D}" type="datetimeFigureOut">
               <a:rPr lang="en-US" smtClean="0"/>
-              <a:t>4/17/2024</a:t>
+              <a:t>2024-07-03</a:t>
             </a:fld>
             <a:endParaRPr lang="en-US"/>
           </a:p>
@@ -9141,7 +9212,7 @@
         </p:nvSpPr>
         <p:spPr>
           <a:xfrm>
-            <a:off x="8408465" y="1521927"/>
+            <a:off x="8298398" y="1521927"/>
             <a:ext cx="877581" cy="276999"/>
           </a:xfrm>
           <a:prstGeom prst="rect">
@@ -9187,7 +9258,7 @@
         </p:blipFill>
         <p:spPr>
           <a:xfrm>
-            <a:off x="8453129" y="1692624"/>
+            <a:off x="8343062" y="1692624"/>
             <a:ext cx="750927" cy="352442"/>
           </a:xfrm>
           <a:prstGeom prst="rect">
@@ -10406,6 +10477,44 @@
           <a:p>
             <a:pPr algn="ctr"/>
             <a:endParaRPr lang="en-US"/>
+          </a:p>
+        </p:txBody>
+      </p:sp>
+      <p:sp>
+        <p:nvSpPr>
+          <p:cNvPr id="4" name="TextBox 3">
+            <a:extLst>
+              <a:ext uri="{FF2B5EF4-FFF2-40B4-BE49-F238E27FC236}">
+                <a16:creationId xmlns:a16="http://schemas.microsoft.com/office/drawing/2014/main" id="{664B40D5-4B18-290B-315C-A947726D463A}"/>
+              </a:ext>
+            </a:extLst>
+          </p:cNvPr>
+          <p:cNvSpPr txBox="1"/>
+          <p:nvPr/>
+        </p:nvSpPr>
+        <p:spPr>
+          <a:xfrm>
+            <a:off x="8363308" y="2145514"/>
+            <a:ext cx="806198" cy="276999"/>
+          </a:xfrm>
+          <a:prstGeom prst="rect">
+            <a:avLst/>
+          </a:prstGeom>
+          <a:noFill/>
+        </p:spPr>
+        <p:txBody>
+          <a:bodyPr wrap="square" rtlCol="0">
+            <a:spAutoFit/>
+          </a:bodyPr>
+          <a:lstStyle/>
+          <a:p>
+            <a:r>
+              <a:rPr lang="en-US" sz="1200" dirty="0">
+                <a:latin typeface="Arial" panose="020B0604020202020204" pitchFamily="34" charset="0"/>
+                <a:cs typeface="Arial" panose="020B0604020202020204" pitchFamily="34" charset="0"/>
+              </a:rPr>
+              <a:t>Products</a:t>
+            </a:r>
           </a:p>
         </p:txBody>
       </p:sp>
@@ -13574,7 +13683,7 @@
         </p:nvSpPr>
         <p:spPr>
           <a:xfrm>
-            <a:off x="4230192" y="5095835"/>
+            <a:off x="3826874" y="3927435"/>
             <a:ext cx="4205548" cy="1569660"/>
           </a:xfrm>
           <a:prstGeom prst="rect">
@@ -13629,7 +13738,7 @@
         </p:nvGrpSpPr>
         <p:grpSpPr>
           <a:xfrm>
-            <a:off x="3543417" y="3517292"/>
+            <a:off x="3140099" y="2348892"/>
             <a:ext cx="5579097" cy="1569660"/>
             <a:chOff x="3183903" y="4028651"/>
             <a:chExt cx="5579097" cy="1569660"/>
@@ -17844,14 +17953,12 @@
 </file>
 
 <file path=customXml/item1.xml><?xml version="1.0" encoding="utf-8"?>
-<p:properties xmlns:p="http://schemas.microsoft.com/office/2006/metadata/properties" xmlns:xsi="http://www.w3.org/2001/XMLSchema-instance" xmlns:pc="http://schemas.microsoft.com/office/infopath/2007/PartnerControls">
-  <documentManagement>
-    <lcf76f155ced4ddcb4097134ff3c332f xmlns="db87db67-96a3-4d72-91a8-81563af8600c">
-      <Terms xmlns="http://schemas.microsoft.com/office/infopath/2007/PartnerControls"/>
-    </lcf76f155ced4ddcb4097134ff3c332f>
-    <TaxCatchAll xmlns="31062a0d-ede8-4112-b4bb-00a9c1bc8e16" xsi:nil="true"/>
-  </documentManagement>
-</p:properties>
+<?mso-contentType ?>
+<FormTemplates xmlns="http://schemas.microsoft.com/sharepoint/v3/contenttype/forms">
+  <Display>DocumentLibraryForm</Display>
+  <Edit>DocumentLibraryForm</Edit>
+  <New>DocumentLibraryForm</New>
+</FormTemplates>
 </file>
 
 <file path=customXml/item2.xml><?xml version="1.0" encoding="utf-8"?>
@@ -18095,28 +18202,20 @@
 </file>
 
 <file path=customXml/item3.xml><?xml version="1.0" encoding="utf-8"?>
-<?mso-contentType ?>
-<FormTemplates xmlns="http://schemas.microsoft.com/sharepoint/v3/contenttype/forms">
-  <Display>DocumentLibraryForm</Display>
-  <Edit>DocumentLibraryForm</Edit>
-  <New>DocumentLibraryForm</New>
-</FormTemplates>
+<p:properties xmlns:p="http://schemas.microsoft.com/office/2006/metadata/properties" xmlns:xsi="http://www.w3.org/2001/XMLSchema-instance" xmlns:pc="http://schemas.microsoft.com/office/infopath/2007/PartnerControls">
+  <documentManagement>
+    <lcf76f155ced4ddcb4097134ff3c332f xmlns="db87db67-96a3-4d72-91a8-81563af8600c">
+      <Terms xmlns="http://schemas.microsoft.com/office/infopath/2007/PartnerControls"/>
+    </lcf76f155ced4ddcb4097134ff3c332f>
+    <TaxCatchAll xmlns="31062a0d-ede8-4112-b4bb-00a9c1bc8e16" xsi:nil="true"/>
+  </documentManagement>
+</p:properties>
 </file>
 
 <file path=customXml/itemProps1.xml><?xml version="1.0" encoding="utf-8"?>
-<ds:datastoreItem xmlns:ds="http://schemas.openxmlformats.org/officeDocument/2006/customXml" ds:itemID="{BEFAA33E-CE3C-4FBC-AC45-C1B2A87C655E}">
+<ds:datastoreItem xmlns:ds="http://schemas.openxmlformats.org/officeDocument/2006/customXml" ds:itemID="{D2C9E12A-69ED-4F7F-BE34-9607F5B60EAA}">
   <ds:schemaRefs>
-    <ds:schemaRef ds:uri="http://schemas.microsoft.com/office/infopath/2007/PartnerControls"/>
-    <ds:schemaRef ds:uri="http://schemas.microsoft.com/office/2006/documentManagement/types"/>
-    <ds:schemaRef ds:uri="http://purl.org/dc/terms/"/>
-    <ds:schemaRef ds:uri="31062a0d-ede8-4112-b4bb-00a9c1bc8e16"/>
-    <ds:schemaRef ds:uri="http://schemas.microsoft.com/office/2006/metadata/properties"/>
-    <ds:schemaRef ds:uri="http://www.w3.org/XML/1998/namespace"/>
-    <ds:schemaRef ds:uri="http://purl.org/dc/elements/1.1/"/>
-    <ds:schemaRef ds:uri="48bb7575-d4a1-41b2-9b61-de08cfdbf3b5"/>
-    <ds:schemaRef ds:uri="http://schemas.openxmlformats.org/package/2006/metadata/core-properties"/>
-    <ds:schemaRef ds:uri="db87db67-96a3-4d72-91a8-81563af8600c"/>
-    <ds:schemaRef ds:uri="http://purl.org/dc/dcmitype/"/>
+    <ds:schemaRef ds:uri="http://schemas.microsoft.com/sharepoint/v3/contenttype/forms"/>
   </ds:schemaRefs>
 </ds:datastoreItem>
 </file>
@@ -18142,9 +18241,19 @@
 </file>
 
 <file path=customXml/itemProps3.xml><?xml version="1.0" encoding="utf-8"?>
-<ds:datastoreItem xmlns:ds="http://schemas.openxmlformats.org/officeDocument/2006/customXml" ds:itemID="{D2C9E12A-69ED-4F7F-BE34-9607F5B60EAA}">
+<ds:datastoreItem xmlns:ds="http://schemas.openxmlformats.org/officeDocument/2006/customXml" ds:itemID="{BEFAA33E-CE3C-4FBC-AC45-C1B2A87C655E}">
   <ds:schemaRefs>
-    <ds:schemaRef ds:uri="http://schemas.microsoft.com/sharepoint/v3/contenttype/forms"/>
+    <ds:schemaRef ds:uri="http://schemas.microsoft.com/office/infopath/2007/PartnerControls"/>
+    <ds:schemaRef ds:uri="http://schemas.microsoft.com/office/2006/documentManagement/types"/>
+    <ds:schemaRef ds:uri="http://purl.org/dc/terms/"/>
+    <ds:schemaRef ds:uri="31062a0d-ede8-4112-b4bb-00a9c1bc8e16"/>
+    <ds:schemaRef ds:uri="http://schemas.microsoft.com/office/2006/metadata/properties"/>
+    <ds:schemaRef ds:uri="http://www.w3.org/XML/1998/namespace"/>
+    <ds:schemaRef ds:uri="http://purl.org/dc/elements/1.1/"/>
+    <ds:schemaRef ds:uri="48bb7575-d4a1-41b2-9b61-de08cfdbf3b5"/>
+    <ds:schemaRef ds:uri="http://schemas.openxmlformats.org/package/2006/metadata/core-properties"/>
+    <ds:schemaRef ds:uri="db87db67-96a3-4d72-91a8-81563af8600c"/>
+    <ds:schemaRef ds:uri="http://purl.org/dc/dcmitype/"/>
   </ds:schemaRefs>
 </ds:datastoreItem>
 </file>